--- a/hw02.pptx
+++ b/hw02.pptx
@@ -2,18 +2,34 @@
 <file path=ppt/presentation.xml><?xml version="1.0" encoding="utf-8"?>
 <p:presentation xmlns:a="http://schemas.openxmlformats.org/drawingml/2006/main" xmlns:r="http://schemas.openxmlformats.org/officeDocument/2006/relationships" xmlns:p="http://schemas.openxmlformats.org/presentationml/2006/main" saveSubsetFonts="1">
   <p:sldMasterIdLst>
-    <p:sldMasterId id="2147483648" r:id="rId1"/>
+    <p:sldMasterId id="2147483672" r:id="rId1"/>
   </p:sldMasterIdLst>
+  <p:notesMasterIdLst>
+    <p:notesMasterId r:id="rId16"/>
+  </p:notesMasterIdLst>
   <p:sldIdLst>
     <p:sldId id="256" r:id="rId2"/>
+    <p:sldId id="257" r:id="rId3"/>
+    <p:sldId id="267" r:id="rId4"/>
+    <p:sldId id="266" r:id="rId5"/>
+    <p:sldId id="258" r:id="rId6"/>
+    <p:sldId id="259" r:id="rId7"/>
+    <p:sldId id="268" r:id="rId8"/>
+    <p:sldId id="260" r:id="rId9"/>
+    <p:sldId id="269" r:id="rId10"/>
+    <p:sldId id="261" r:id="rId11"/>
+    <p:sldId id="270" r:id="rId12"/>
+    <p:sldId id="262" r:id="rId13"/>
+    <p:sldId id="271" r:id="rId14"/>
+    <p:sldId id="272" r:id="rId15"/>
   </p:sldIdLst>
   <p:sldSz cx="12192000" cy="6858000"/>
   <p:notesSz cx="6858000" cy="9144000"/>
   <p:defaultTextStyle>
     <a:defPPr>
-      <a:defRPr lang="zh-TW"/>
+      <a:defRPr lang="en-US"/>
     </a:defPPr>
-    <a:lvl1pPr marL="0" algn="l" defTabSz="914400" rtl="0" eaLnBrk="1" latinLnBrk="0" hangingPunct="1">
+    <a:lvl1pPr marL="0" algn="l" defTabSz="457200" rtl="0" eaLnBrk="1" latinLnBrk="0" hangingPunct="1">
       <a:defRPr sz="1800" kern="1200">
         <a:solidFill>
           <a:schemeClr val="tx1"/>
@@ -23,7 +39,7 @@
         <a:cs typeface="+mn-cs"/>
       </a:defRPr>
     </a:lvl1pPr>
-    <a:lvl2pPr marL="457200" algn="l" defTabSz="914400" rtl="0" eaLnBrk="1" latinLnBrk="0" hangingPunct="1">
+    <a:lvl2pPr marL="457200" algn="l" defTabSz="457200" rtl="0" eaLnBrk="1" latinLnBrk="0" hangingPunct="1">
       <a:defRPr sz="1800" kern="1200">
         <a:solidFill>
           <a:schemeClr val="tx1"/>
@@ -33,7 +49,7 @@
         <a:cs typeface="+mn-cs"/>
       </a:defRPr>
     </a:lvl2pPr>
-    <a:lvl3pPr marL="914400" algn="l" defTabSz="914400" rtl="0" eaLnBrk="1" latinLnBrk="0" hangingPunct="1">
+    <a:lvl3pPr marL="914400" algn="l" defTabSz="457200" rtl="0" eaLnBrk="1" latinLnBrk="0" hangingPunct="1">
       <a:defRPr sz="1800" kern="1200">
         <a:solidFill>
           <a:schemeClr val="tx1"/>
@@ -43,7 +59,7 @@
         <a:cs typeface="+mn-cs"/>
       </a:defRPr>
     </a:lvl3pPr>
-    <a:lvl4pPr marL="1371600" algn="l" defTabSz="914400" rtl="0" eaLnBrk="1" latinLnBrk="0" hangingPunct="1">
+    <a:lvl4pPr marL="1371600" algn="l" defTabSz="457200" rtl="0" eaLnBrk="1" latinLnBrk="0" hangingPunct="1">
       <a:defRPr sz="1800" kern="1200">
         <a:solidFill>
           <a:schemeClr val="tx1"/>
@@ -53,7 +69,7 @@
         <a:cs typeface="+mn-cs"/>
       </a:defRPr>
     </a:lvl4pPr>
-    <a:lvl5pPr marL="1828800" algn="l" defTabSz="914400" rtl="0" eaLnBrk="1" latinLnBrk="0" hangingPunct="1">
+    <a:lvl5pPr marL="1828800" algn="l" defTabSz="457200" rtl="0" eaLnBrk="1" latinLnBrk="0" hangingPunct="1">
       <a:defRPr sz="1800" kern="1200">
         <a:solidFill>
           <a:schemeClr val="tx1"/>
@@ -63,7 +79,7 @@
         <a:cs typeface="+mn-cs"/>
       </a:defRPr>
     </a:lvl5pPr>
-    <a:lvl6pPr marL="2286000" algn="l" defTabSz="914400" rtl="0" eaLnBrk="1" latinLnBrk="0" hangingPunct="1">
+    <a:lvl6pPr marL="2286000" algn="l" defTabSz="457200" rtl="0" eaLnBrk="1" latinLnBrk="0" hangingPunct="1">
       <a:defRPr sz="1800" kern="1200">
         <a:solidFill>
           <a:schemeClr val="tx1"/>
@@ -73,7 +89,7 @@
         <a:cs typeface="+mn-cs"/>
       </a:defRPr>
     </a:lvl6pPr>
-    <a:lvl7pPr marL="2743200" algn="l" defTabSz="914400" rtl="0" eaLnBrk="1" latinLnBrk="0" hangingPunct="1">
+    <a:lvl7pPr marL="2743200" algn="l" defTabSz="457200" rtl="0" eaLnBrk="1" latinLnBrk="0" hangingPunct="1">
       <a:defRPr sz="1800" kern="1200">
         <a:solidFill>
           <a:schemeClr val="tx1"/>
@@ -83,7 +99,7 @@
         <a:cs typeface="+mn-cs"/>
       </a:defRPr>
     </a:lvl7pPr>
-    <a:lvl8pPr marL="3200400" algn="l" defTabSz="914400" rtl="0" eaLnBrk="1" latinLnBrk="0" hangingPunct="1">
+    <a:lvl8pPr marL="3200400" algn="l" defTabSz="457200" rtl="0" eaLnBrk="1" latinLnBrk="0" hangingPunct="1">
       <a:defRPr sz="1800" kern="1200">
         <a:solidFill>
           <a:schemeClr val="tx1"/>
@@ -93,7 +109,7 @@
         <a:cs typeface="+mn-cs"/>
       </a:defRPr>
     </a:lvl8pPr>
-    <a:lvl9pPr marL="3657600" algn="l" defTabSz="914400" rtl="0" eaLnBrk="1" latinLnBrk="0" hangingPunct="1">
+    <a:lvl9pPr marL="3657600" algn="l" defTabSz="457200" rtl="0" eaLnBrk="1" latinLnBrk="0" hangingPunct="1">
       <a:defRPr sz="1800" kern="1200">
         <a:solidFill>
           <a:schemeClr val="tx1"/>
@@ -104,7 +120,1708 @@
       </a:defRPr>
     </a:lvl9pPr>
   </p:defaultTextStyle>
+  <p:extLst>
+    <p:ext uri="{EFAFB233-063F-42B5-8137-9DF3F51BA10A}">
+      <p15:sldGuideLst xmlns:p15="http://schemas.microsoft.com/office/powerpoint/2012/main"/>
+    </p:ext>
+  </p:extLst>
 </p:presentation>
+</file>
+
+<file path=ppt/notesMasters/notesMaster1.xml><?xml version="1.0" encoding="utf-8"?>
+<p:notesMaster xmlns:a="http://schemas.openxmlformats.org/drawingml/2006/main" xmlns:r="http://schemas.openxmlformats.org/officeDocument/2006/relationships" xmlns:p="http://schemas.openxmlformats.org/presentationml/2006/main">
+  <p:cSld>
+    <p:bg>
+      <p:bgRef idx="1001">
+        <a:schemeClr val="bg1"/>
+      </p:bgRef>
+    </p:bg>
+    <p:spTree>
+      <p:nvGrpSpPr>
+        <p:cNvPr id="1" name=""/>
+        <p:cNvGrpSpPr/>
+        <p:nvPr/>
+      </p:nvGrpSpPr>
+      <p:grpSpPr>
+        <a:xfrm>
+          <a:off x="0" y="0"/>
+          <a:ext cx="0" cy="0"/>
+          <a:chOff x="0" y="0"/>
+          <a:chExt cx="0" cy="0"/>
+        </a:xfrm>
+      </p:grpSpPr>
+      <p:sp>
+        <p:nvSpPr>
+          <p:cNvPr id="2" name="頁首版面配置區 1"/>
+          <p:cNvSpPr>
+            <a:spLocks noGrp="1"/>
+          </p:cNvSpPr>
+          <p:nvPr>
+            <p:ph type="hdr" sz="quarter"/>
+          </p:nvPr>
+        </p:nvSpPr>
+        <p:spPr>
+          <a:xfrm>
+            <a:off x="0" y="0"/>
+            <a:ext cx="2971800" cy="458788"/>
+          </a:xfrm>
+          <a:prstGeom prst="rect">
+            <a:avLst/>
+          </a:prstGeom>
+        </p:spPr>
+        <p:txBody>
+          <a:bodyPr vert="horz" lIns="91440" tIns="45720" rIns="91440" bIns="45720" rtlCol="0"/>
+          <a:lstStyle>
+            <a:lvl1pPr algn="l">
+              <a:defRPr sz="1200"/>
+            </a:lvl1pPr>
+          </a:lstStyle>
+          <a:p>
+            <a:endParaRPr lang="zh-TW" altLang="en-US"/>
+          </a:p>
+        </p:txBody>
+      </p:sp>
+      <p:sp>
+        <p:nvSpPr>
+          <p:cNvPr id="3" name="日期版面配置區 2"/>
+          <p:cNvSpPr>
+            <a:spLocks noGrp="1"/>
+          </p:cNvSpPr>
+          <p:nvPr>
+            <p:ph type="dt" idx="1"/>
+          </p:nvPr>
+        </p:nvSpPr>
+        <p:spPr>
+          <a:xfrm>
+            <a:off x="3884613" y="0"/>
+            <a:ext cx="2971800" cy="458788"/>
+          </a:xfrm>
+          <a:prstGeom prst="rect">
+            <a:avLst/>
+          </a:prstGeom>
+        </p:spPr>
+        <p:txBody>
+          <a:bodyPr vert="horz" lIns="91440" tIns="45720" rIns="91440" bIns="45720" rtlCol="0"/>
+          <a:lstStyle>
+            <a:lvl1pPr algn="r">
+              <a:defRPr sz="1200"/>
+            </a:lvl1pPr>
+          </a:lstStyle>
+          <a:p>
+            <a:fld id="{519FDD07-4A1E-4520-A434-6F783E75C9FB}" type="datetimeFigureOut">
+              <a:rPr lang="zh-TW" altLang="en-US" smtClean="0"/>
+              <a:t>2024/10/20</a:t>
+            </a:fld>
+            <a:endParaRPr lang="zh-TW" altLang="en-US"/>
+          </a:p>
+        </p:txBody>
+      </p:sp>
+      <p:sp>
+        <p:nvSpPr>
+          <p:cNvPr id="4" name="投影片影像版面配置區 3"/>
+          <p:cNvSpPr>
+            <a:spLocks noGrp="1" noRot="1" noChangeAspect="1"/>
+          </p:cNvSpPr>
+          <p:nvPr>
+            <p:ph type="sldImg" idx="2"/>
+          </p:nvPr>
+        </p:nvSpPr>
+        <p:spPr>
+          <a:xfrm>
+            <a:off x="685800" y="1143000"/>
+            <a:ext cx="5486400" cy="3086100"/>
+          </a:xfrm>
+          <a:prstGeom prst="rect">
+            <a:avLst/>
+          </a:prstGeom>
+          <a:noFill/>
+          <a:ln w="12700">
+            <a:solidFill>
+              <a:prstClr val="black"/>
+            </a:solidFill>
+          </a:ln>
+        </p:spPr>
+        <p:txBody>
+          <a:bodyPr vert="horz" lIns="91440" tIns="45720" rIns="91440" bIns="45720" rtlCol="0" anchor="ctr"/>
+          <a:lstStyle/>
+          <a:p>
+            <a:endParaRPr lang="zh-TW" altLang="en-US"/>
+          </a:p>
+        </p:txBody>
+      </p:sp>
+      <p:sp>
+        <p:nvSpPr>
+          <p:cNvPr id="5" name="備忘稿版面配置區 4"/>
+          <p:cNvSpPr>
+            <a:spLocks noGrp="1"/>
+          </p:cNvSpPr>
+          <p:nvPr>
+            <p:ph type="body" sz="quarter" idx="3"/>
+          </p:nvPr>
+        </p:nvSpPr>
+        <p:spPr>
+          <a:xfrm>
+            <a:off x="685800" y="4400550"/>
+            <a:ext cx="5486400" cy="3600450"/>
+          </a:xfrm>
+          <a:prstGeom prst="rect">
+            <a:avLst/>
+          </a:prstGeom>
+        </p:spPr>
+        <p:txBody>
+          <a:bodyPr vert="horz" lIns="91440" tIns="45720" rIns="91440" bIns="45720" rtlCol="0"/>
+          <a:lstStyle/>
+          <a:p>
+            <a:pPr lvl="0"/>
+            <a:r>
+              <a:rPr lang="zh-TW" altLang="en-US"/>
+              <a:t>按一下以編輯母片文字樣式</a:t>
+            </a:r>
+          </a:p>
+          <a:p>
+            <a:pPr lvl="1"/>
+            <a:r>
+              <a:rPr lang="zh-TW" altLang="en-US"/>
+              <a:t>第二層</a:t>
+            </a:r>
+          </a:p>
+          <a:p>
+            <a:pPr lvl="2"/>
+            <a:r>
+              <a:rPr lang="zh-TW" altLang="en-US"/>
+              <a:t>第三層</a:t>
+            </a:r>
+          </a:p>
+          <a:p>
+            <a:pPr lvl="3"/>
+            <a:r>
+              <a:rPr lang="zh-TW" altLang="en-US"/>
+              <a:t>第四層</a:t>
+            </a:r>
+          </a:p>
+          <a:p>
+            <a:pPr lvl="4"/>
+            <a:r>
+              <a:rPr lang="zh-TW" altLang="en-US"/>
+              <a:t>第五層</a:t>
+            </a:r>
+          </a:p>
+        </p:txBody>
+      </p:sp>
+      <p:sp>
+        <p:nvSpPr>
+          <p:cNvPr id="6" name="頁尾版面配置區 5"/>
+          <p:cNvSpPr>
+            <a:spLocks noGrp="1"/>
+          </p:cNvSpPr>
+          <p:nvPr>
+            <p:ph type="ftr" sz="quarter" idx="4"/>
+          </p:nvPr>
+        </p:nvSpPr>
+        <p:spPr>
+          <a:xfrm>
+            <a:off x="0" y="8685213"/>
+            <a:ext cx="2971800" cy="458787"/>
+          </a:xfrm>
+          <a:prstGeom prst="rect">
+            <a:avLst/>
+          </a:prstGeom>
+        </p:spPr>
+        <p:txBody>
+          <a:bodyPr vert="horz" lIns="91440" tIns="45720" rIns="91440" bIns="45720" rtlCol="0" anchor="b"/>
+          <a:lstStyle>
+            <a:lvl1pPr algn="l">
+              <a:defRPr sz="1200"/>
+            </a:lvl1pPr>
+          </a:lstStyle>
+          <a:p>
+            <a:endParaRPr lang="zh-TW" altLang="en-US"/>
+          </a:p>
+        </p:txBody>
+      </p:sp>
+      <p:sp>
+        <p:nvSpPr>
+          <p:cNvPr id="7" name="投影片編號版面配置區 6"/>
+          <p:cNvSpPr>
+            <a:spLocks noGrp="1"/>
+          </p:cNvSpPr>
+          <p:nvPr>
+            <p:ph type="sldNum" sz="quarter" idx="5"/>
+          </p:nvPr>
+        </p:nvSpPr>
+        <p:spPr>
+          <a:xfrm>
+            <a:off x="3884613" y="8685213"/>
+            <a:ext cx="2971800" cy="458787"/>
+          </a:xfrm>
+          <a:prstGeom prst="rect">
+            <a:avLst/>
+          </a:prstGeom>
+        </p:spPr>
+        <p:txBody>
+          <a:bodyPr vert="horz" lIns="91440" tIns="45720" rIns="91440" bIns="45720" rtlCol="0" anchor="b"/>
+          <a:lstStyle>
+            <a:lvl1pPr algn="r">
+              <a:defRPr sz="1200"/>
+            </a:lvl1pPr>
+          </a:lstStyle>
+          <a:p>
+            <a:fld id="{61F26A33-F3EE-431C-ADD1-5792F2D3C6AF}" type="slidenum">
+              <a:rPr lang="zh-TW" altLang="en-US" smtClean="0"/>
+              <a:t>‹#›</a:t>
+            </a:fld>
+            <a:endParaRPr lang="zh-TW" altLang="en-US"/>
+          </a:p>
+        </p:txBody>
+      </p:sp>
+    </p:spTree>
+    <p:extLst>
+      <p:ext uri="{BB962C8B-B14F-4D97-AF65-F5344CB8AC3E}">
+        <p14:creationId xmlns:p14="http://schemas.microsoft.com/office/powerpoint/2010/main" val="1213453341"/>
+      </p:ext>
+    </p:extLst>
+  </p:cSld>
+  <p:clrMap bg1="lt1" tx1="dk1" bg2="lt2" tx2="dk2" accent1="accent1" accent2="accent2" accent3="accent3" accent4="accent4" accent5="accent5" accent6="accent6" hlink="hlink" folHlink="folHlink"/>
+  <p:notesStyle>
+    <a:lvl1pPr marL="0" algn="l" defTabSz="914400" rtl="0" eaLnBrk="1" latinLnBrk="0" hangingPunct="1">
+      <a:defRPr sz="1200" kern="1200">
+        <a:solidFill>
+          <a:schemeClr val="tx1"/>
+        </a:solidFill>
+        <a:latin typeface="+mn-lt"/>
+        <a:ea typeface="+mn-ea"/>
+        <a:cs typeface="+mn-cs"/>
+      </a:defRPr>
+    </a:lvl1pPr>
+    <a:lvl2pPr marL="457200" algn="l" defTabSz="914400" rtl="0" eaLnBrk="1" latinLnBrk="0" hangingPunct="1">
+      <a:defRPr sz="1200" kern="1200">
+        <a:solidFill>
+          <a:schemeClr val="tx1"/>
+        </a:solidFill>
+        <a:latin typeface="+mn-lt"/>
+        <a:ea typeface="+mn-ea"/>
+        <a:cs typeface="+mn-cs"/>
+      </a:defRPr>
+    </a:lvl2pPr>
+    <a:lvl3pPr marL="914400" algn="l" defTabSz="914400" rtl="0" eaLnBrk="1" latinLnBrk="0" hangingPunct="1">
+      <a:defRPr sz="1200" kern="1200">
+        <a:solidFill>
+          <a:schemeClr val="tx1"/>
+        </a:solidFill>
+        <a:latin typeface="+mn-lt"/>
+        <a:ea typeface="+mn-ea"/>
+        <a:cs typeface="+mn-cs"/>
+      </a:defRPr>
+    </a:lvl3pPr>
+    <a:lvl4pPr marL="1371600" algn="l" defTabSz="914400" rtl="0" eaLnBrk="1" latinLnBrk="0" hangingPunct="1">
+      <a:defRPr sz="1200" kern="1200">
+        <a:solidFill>
+          <a:schemeClr val="tx1"/>
+        </a:solidFill>
+        <a:latin typeface="+mn-lt"/>
+        <a:ea typeface="+mn-ea"/>
+        <a:cs typeface="+mn-cs"/>
+      </a:defRPr>
+    </a:lvl4pPr>
+    <a:lvl5pPr marL="1828800" algn="l" defTabSz="914400" rtl="0" eaLnBrk="1" latinLnBrk="0" hangingPunct="1">
+      <a:defRPr sz="1200" kern="1200">
+        <a:solidFill>
+          <a:schemeClr val="tx1"/>
+        </a:solidFill>
+        <a:latin typeface="+mn-lt"/>
+        <a:ea typeface="+mn-ea"/>
+        <a:cs typeface="+mn-cs"/>
+      </a:defRPr>
+    </a:lvl5pPr>
+    <a:lvl6pPr marL="2286000" algn="l" defTabSz="914400" rtl="0" eaLnBrk="1" latinLnBrk="0" hangingPunct="1">
+      <a:defRPr sz="1200" kern="1200">
+        <a:solidFill>
+          <a:schemeClr val="tx1"/>
+        </a:solidFill>
+        <a:latin typeface="+mn-lt"/>
+        <a:ea typeface="+mn-ea"/>
+        <a:cs typeface="+mn-cs"/>
+      </a:defRPr>
+    </a:lvl6pPr>
+    <a:lvl7pPr marL="2743200" algn="l" defTabSz="914400" rtl="0" eaLnBrk="1" latinLnBrk="0" hangingPunct="1">
+      <a:defRPr sz="1200" kern="1200">
+        <a:solidFill>
+          <a:schemeClr val="tx1"/>
+        </a:solidFill>
+        <a:latin typeface="+mn-lt"/>
+        <a:ea typeface="+mn-ea"/>
+        <a:cs typeface="+mn-cs"/>
+      </a:defRPr>
+    </a:lvl7pPr>
+    <a:lvl8pPr marL="3200400" algn="l" defTabSz="914400" rtl="0" eaLnBrk="1" latinLnBrk="0" hangingPunct="1">
+      <a:defRPr sz="1200" kern="1200">
+        <a:solidFill>
+          <a:schemeClr val="tx1"/>
+        </a:solidFill>
+        <a:latin typeface="+mn-lt"/>
+        <a:ea typeface="+mn-ea"/>
+        <a:cs typeface="+mn-cs"/>
+      </a:defRPr>
+    </a:lvl8pPr>
+    <a:lvl9pPr marL="3657600" algn="l" defTabSz="914400" rtl="0" eaLnBrk="1" latinLnBrk="0" hangingPunct="1">
+      <a:defRPr sz="1200" kern="1200">
+        <a:solidFill>
+          <a:schemeClr val="tx1"/>
+        </a:solidFill>
+        <a:latin typeface="+mn-lt"/>
+        <a:ea typeface="+mn-ea"/>
+        <a:cs typeface="+mn-cs"/>
+      </a:defRPr>
+    </a:lvl9pPr>
+  </p:notesStyle>
+</p:notesMaster>
+</file>
+
+<file path=ppt/notesSlides/notesSlide1.xml><?xml version="1.0" encoding="utf-8"?>
+<p:notes xmlns:a="http://schemas.openxmlformats.org/drawingml/2006/main" xmlns:r="http://schemas.openxmlformats.org/officeDocument/2006/relationships" xmlns:p="http://schemas.openxmlformats.org/presentationml/2006/main">
+  <p:cSld>
+    <p:spTree>
+      <p:nvGrpSpPr>
+        <p:cNvPr id="1" name=""/>
+        <p:cNvGrpSpPr/>
+        <p:nvPr/>
+      </p:nvGrpSpPr>
+      <p:grpSpPr>
+        <a:xfrm>
+          <a:off x="0" y="0"/>
+          <a:ext cx="0" cy="0"/>
+          <a:chOff x="0" y="0"/>
+          <a:chExt cx="0" cy="0"/>
+        </a:xfrm>
+      </p:grpSpPr>
+      <p:sp>
+        <p:nvSpPr>
+          <p:cNvPr id="2" name="投影片影像版面配置區 1"/>
+          <p:cNvSpPr>
+            <a:spLocks noGrp="1" noRot="1" noChangeAspect="1"/>
+          </p:cNvSpPr>
+          <p:nvPr>
+            <p:ph type="sldImg"/>
+          </p:nvPr>
+        </p:nvSpPr>
+        <p:spPr/>
+      </p:sp>
+      <p:sp>
+        <p:nvSpPr>
+          <p:cNvPr id="3" name="備忘稿版面配置區 2"/>
+          <p:cNvSpPr>
+            <a:spLocks noGrp="1"/>
+          </p:cNvSpPr>
+          <p:nvPr>
+            <p:ph type="body" idx="1"/>
+          </p:nvPr>
+        </p:nvSpPr>
+        <p:spPr/>
+        <p:txBody>
+          <a:bodyPr/>
+          <a:lstStyle/>
+          <a:p>
+            <a:r>
+              <a:rPr lang="zh-TW" altLang="en-US" dirty="0"/>
+              <a:t>大家好！我是甜豆，今天要跟你們分享我一次驚心動魄的競技場冒險！</a:t>
+            </a:r>
+          </a:p>
+          <a:p>
+            <a:r>
+              <a:rPr lang="zh-TW" altLang="en-US" dirty="0"/>
+              <a:t>那天，我的目標很簡單</a:t>
+            </a:r>
+            <a:r>
+              <a:rPr lang="en-US" altLang="zh-TW" dirty="0"/>
+              <a:t>——</a:t>
+            </a:r>
+            <a:r>
+              <a:rPr lang="zh-TW" altLang="en-US" dirty="0"/>
+              <a:t>我要奪得那頂閃閃發亮的皇冠！競技場裡的挑戰非常多，但我充滿自信，因為這一次我已經準備好了。我站在起跑線上，心裡默默地告訴自己：“無論如何，我都要拿下冠軍！”</a:t>
+            </a:r>
+          </a:p>
+          <a:p>
+            <a:endParaRPr lang="zh-TW" altLang="en-US" dirty="0"/>
+          </a:p>
+          <a:p>
+            <a:r>
+              <a:rPr lang="zh-TW" altLang="en-US" dirty="0"/>
+              <a:t>比賽一開始，阻礙就馬上出現了。第一關是那個我最不擅長的“翻滾球場”，巨大圓球從四面八方滾過來，擋住了我前進的道路。我知道這是對我的耐力和反應的挑戰！我心裡不斷告訴自己：“別慌，冷靜點，跟著球的節奏走！”於是我一邊小心躲避，一邊用最快的速度往前衝！</a:t>
+            </a:r>
+          </a:p>
+          <a:p>
+            <a:endParaRPr lang="zh-TW" altLang="en-US" dirty="0"/>
+          </a:p>
+          <a:p>
+            <a:r>
+              <a:rPr lang="zh-TW" altLang="en-US" dirty="0"/>
+              <a:t>但是事情並沒有那麼簡單！眼看快到終點了，突然，我被一個巨大槌子擊飛了好幾米遠，直接掉進了最後一名！我告訴自己不能放棄，這才剛開始呢，我還有機會！於是我更加努力，堅持站起來，快速地追趕著前面的其他糖豆人，心裡不停地想：“加油，甜豆，這只是第一關，還有希望！”</a:t>
+            </a:r>
+          </a:p>
+          <a:p>
+            <a:endParaRPr lang="zh-TW" altLang="en-US" dirty="0"/>
+          </a:p>
+          <a:p>
+            <a:r>
+              <a:rPr lang="zh-TW" altLang="en-US" dirty="0"/>
+              <a:t>然後發生了一件意外</a:t>
+            </a:r>
+            <a:r>
+              <a:rPr lang="en-US" altLang="zh-TW" dirty="0"/>
+              <a:t>——</a:t>
+            </a:r>
+            <a:r>
+              <a:rPr lang="zh-TW" altLang="en-US" dirty="0"/>
+              <a:t>我突然發現前面的道路被擠得水洩不通，其他糖豆人都擠在一個狹窄的角落裡，互相推搡著，根本無法前進！這時，我靈機一動，想到了一個轉彎的策略。我決定不跟大家擠在一起，而是繞到旁邊一條看起來沒什麼人注意的小路，雖然多繞了一點路，但我成功避開了擁擠區域，迅速通過了障礙。</a:t>
+            </a:r>
+          </a:p>
+          <a:p>
+            <a:endParaRPr lang="zh-TW" altLang="en-US" dirty="0"/>
+          </a:p>
+          <a:p>
+            <a:r>
+              <a:rPr lang="zh-TW" altLang="en-US" dirty="0"/>
+              <a:t>接下來的關卡是“搖擺橋”，每一步都是驚險萬分。橋隨時可能翻轉把我甩下去，但這次我更加集中注意力，穩穩地一步步向前邁進。就在我快要到達終點時，突然一個糖豆人從我後面衝了過來，試圖超過我！我心跳加速，眼看他距離皇冠只有一步之遙了。</a:t>
+            </a:r>
+          </a:p>
+          <a:p>
+            <a:endParaRPr lang="zh-TW" altLang="en-US" dirty="0"/>
+          </a:p>
+          <a:p>
+            <a:r>
+              <a:rPr lang="zh-TW" altLang="en-US" dirty="0"/>
+              <a:t>這時，我深吸一口氣，努力集中所有力量，在最後一秒跳起來</a:t>
+            </a:r>
+            <a:r>
+              <a:rPr lang="en-US" altLang="zh-TW" dirty="0"/>
+              <a:t>——</a:t>
+            </a:r>
+            <a:r>
+              <a:rPr lang="zh-TW" altLang="en-US" dirty="0"/>
+              <a:t>我終於抓住了那頂皇冠！結果是什麼？沒錯，我成功贏得了比賽！這一刻，所有的努力都值得了。</a:t>
+            </a:r>
+          </a:p>
+          <a:p>
+            <a:endParaRPr lang="zh-TW" altLang="en-US" dirty="0"/>
+          </a:p>
+          <a:p>
+            <a:r>
+              <a:rPr lang="zh-TW" altLang="en-US" dirty="0"/>
+              <a:t>但你知道嗎？這場冒險教會我的不只是勝利，更重要的是</a:t>
+            </a:r>
+            <a:r>
+              <a:rPr lang="en-US" altLang="zh-TW" dirty="0"/>
+              <a:t>——</a:t>
+            </a:r>
+            <a:r>
+              <a:rPr lang="zh-TW" altLang="en-US" dirty="0"/>
+              <a:t>每次跌倒，重新站起來的那種決心和智慧。每一個轉彎，每一次困難，都是讓我變得更強大的機會。</a:t>
+            </a:r>
+          </a:p>
+          <a:p>
+            <a:r>
+              <a:rPr lang="zh-TW" altLang="en-US" dirty="0"/>
+              <a:t>我是甜豆，我的冒險永遠不會停止，下一次，我還會再向冠軍挑戰！</a:t>
+            </a:r>
+          </a:p>
+        </p:txBody>
+      </p:sp>
+      <p:sp>
+        <p:nvSpPr>
+          <p:cNvPr id="4" name="投影片編號版面配置區 3"/>
+          <p:cNvSpPr>
+            <a:spLocks noGrp="1"/>
+          </p:cNvSpPr>
+          <p:nvPr>
+            <p:ph type="sldNum" sz="quarter" idx="5"/>
+          </p:nvPr>
+        </p:nvSpPr>
+        <p:spPr/>
+        <p:txBody>
+          <a:bodyPr/>
+          <a:lstStyle/>
+          <a:p>
+            <a:fld id="{61F26A33-F3EE-431C-ADD1-5792F2D3C6AF}" type="slidenum">
+              <a:rPr lang="zh-TW" altLang="en-US" smtClean="0"/>
+              <a:t>1</a:t>
+            </a:fld>
+            <a:endParaRPr lang="zh-TW" altLang="en-US"/>
+          </a:p>
+        </p:txBody>
+      </p:sp>
+    </p:spTree>
+    <p:extLst>
+      <p:ext uri="{BB962C8B-B14F-4D97-AF65-F5344CB8AC3E}">
+        <p14:creationId xmlns:p14="http://schemas.microsoft.com/office/powerpoint/2010/main" val="4224959572"/>
+      </p:ext>
+    </p:extLst>
+  </p:cSld>
+  <p:clrMapOvr>
+    <a:masterClrMapping/>
+  </p:clrMapOvr>
+</p:notes>
+</file>
+
+<file path=ppt/notesSlides/notesSlide10.xml><?xml version="1.0" encoding="utf-8"?>
+<p:notes xmlns:a="http://schemas.openxmlformats.org/drawingml/2006/main" xmlns:r="http://schemas.openxmlformats.org/officeDocument/2006/relationships" xmlns:p="http://schemas.openxmlformats.org/presentationml/2006/main">
+  <p:cSld>
+    <p:spTree>
+      <p:nvGrpSpPr>
+        <p:cNvPr id="1" name=""/>
+        <p:cNvGrpSpPr/>
+        <p:nvPr/>
+      </p:nvGrpSpPr>
+      <p:grpSpPr>
+        <a:xfrm>
+          <a:off x="0" y="0"/>
+          <a:ext cx="0" cy="0"/>
+          <a:chOff x="0" y="0"/>
+          <a:chExt cx="0" cy="0"/>
+        </a:xfrm>
+      </p:grpSpPr>
+      <p:sp>
+        <p:nvSpPr>
+          <p:cNvPr id="2" name="投影片影像版面配置區 1"/>
+          <p:cNvSpPr>
+            <a:spLocks noGrp="1" noRot="1" noChangeAspect="1"/>
+          </p:cNvSpPr>
+          <p:nvPr>
+            <p:ph type="sldImg"/>
+          </p:nvPr>
+        </p:nvSpPr>
+        <p:spPr/>
+      </p:sp>
+      <p:sp>
+        <p:nvSpPr>
+          <p:cNvPr id="3" name="備忘稿版面配置區 2"/>
+          <p:cNvSpPr>
+            <a:spLocks noGrp="1"/>
+          </p:cNvSpPr>
+          <p:nvPr>
+            <p:ph type="body" idx="1"/>
+          </p:nvPr>
+        </p:nvSpPr>
+        <p:spPr/>
+        <p:txBody>
+          <a:bodyPr/>
+          <a:lstStyle/>
+          <a:p>
+            <a:r>
+              <a:rPr lang="en-US" altLang="zh-TW" dirty="0"/>
+              <a:t>The next level is the "Swinging Bridge", and every step is thrilling. The bridge could flip over and throw me off at any time, but this time I focused more on it and moved forward steadily step by step. Just when I was about to reach the finish line, suddenly a jelly bean man rushed over from behind me and tried to pass me! My heart beat faster, seeing that he was only one step away from the crown. crown in the sky</a:t>
+            </a:r>
+            <a:endParaRPr lang="zh-TW" altLang="en-US" dirty="0"/>
+          </a:p>
+        </p:txBody>
+      </p:sp>
+      <p:sp>
+        <p:nvSpPr>
+          <p:cNvPr id="4" name="投影片編號版面配置區 3"/>
+          <p:cNvSpPr>
+            <a:spLocks noGrp="1"/>
+          </p:cNvSpPr>
+          <p:nvPr>
+            <p:ph type="sldNum" sz="quarter" idx="5"/>
+          </p:nvPr>
+        </p:nvSpPr>
+        <p:spPr/>
+        <p:txBody>
+          <a:bodyPr/>
+          <a:lstStyle/>
+          <a:p>
+            <a:fld id="{D46FC045-4D58-4467-818B-CD97CCC276F1}" type="slidenum">
+              <a:rPr lang="zh-TW" altLang="en-US" smtClean="0"/>
+              <a:t>10</a:t>
+            </a:fld>
+            <a:endParaRPr lang="zh-TW" altLang="en-US"/>
+          </a:p>
+        </p:txBody>
+      </p:sp>
+    </p:spTree>
+    <p:extLst>
+      <p:ext uri="{BB962C8B-B14F-4D97-AF65-F5344CB8AC3E}">
+        <p14:creationId xmlns:p14="http://schemas.microsoft.com/office/powerpoint/2010/main" val="76084812"/>
+      </p:ext>
+    </p:extLst>
+  </p:cSld>
+  <p:clrMapOvr>
+    <a:masterClrMapping/>
+  </p:clrMapOvr>
+</p:notes>
+</file>
+
+<file path=ppt/notesSlides/notesSlide11.xml><?xml version="1.0" encoding="utf-8"?>
+<p:notes xmlns:a="http://schemas.openxmlformats.org/drawingml/2006/main" xmlns:r="http://schemas.openxmlformats.org/officeDocument/2006/relationships" xmlns:p="http://schemas.openxmlformats.org/presentationml/2006/main">
+  <p:cSld>
+    <p:spTree>
+      <p:nvGrpSpPr>
+        <p:cNvPr id="1" name=""/>
+        <p:cNvGrpSpPr/>
+        <p:nvPr/>
+      </p:nvGrpSpPr>
+      <p:grpSpPr>
+        <a:xfrm>
+          <a:off x="0" y="0"/>
+          <a:ext cx="0" cy="0"/>
+          <a:chOff x="0" y="0"/>
+          <a:chExt cx="0" cy="0"/>
+        </a:xfrm>
+      </p:grpSpPr>
+      <p:sp>
+        <p:nvSpPr>
+          <p:cNvPr id="2" name="投影片影像版面配置區 1"/>
+          <p:cNvSpPr>
+            <a:spLocks noGrp="1" noRot="1" noChangeAspect="1"/>
+          </p:cNvSpPr>
+          <p:nvPr>
+            <p:ph type="sldImg"/>
+          </p:nvPr>
+        </p:nvSpPr>
+        <p:spPr/>
+      </p:sp>
+      <p:sp>
+        <p:nvSpPr>
+          <p:cNvPr id="3" name="備忘稿版面配置區 2"/>
+          <p:cNvSpPr>
+            <a:spLocks noGrp="1"/>
+          </p:cNvSpPr>
+          <p:nvPr>
+            <p:ph type="body" idx="1"/>
+          </p:nvPr>
+        </p:nvSpPr>
+        <p:spPr/>
+        <p:txBody>
+          <a:bodyPr/>
+          <a:lstStyle/>
+          <a:p>
+            <a:r>
+              <a:rPr lang="en-US" altLang="zh-TW" dirty="0"/>
+              <a:t>The next level is the "Swinging Bridge", and every step is thrilling. The bridge could flip over and throw me off at any time, but this time I focused more on it and moved forward steadily step by step. Just when I was about to reach the finish line, suddenly a jelly bean man rushed over from behind me and tried to pass me! My heart beat faster, seeing that he was only one step away from the crown. crown in the sky</a:t>
+            </a:r>
+            <a:endParaRPr lang="zh-TW" altLang="en-US" dirty="0"/>
+          </a:p>
+        </p:txBody>
+      </p:sp>
+      <p:sp>
+        <p:nvSpPr>
+          <p:cNvPr id="4" name="投影片編號版面配置區 3"/>
+          <p:cNvSpPr>
+            <a:spLocks noGrp="1"/>
+          </p:cNvSpPr>
+          <p:nvPr>
+            <p:ph type="sldNum" sz="quarter" idx="5"/>
+          </p:nvPr>
+        </p:nvSpPr>
+        <p:spPr/>
+        <p:txBody>
+          <a:bodyPr/>
+          <a:lstStyle/>
+          <a:p>
+            <a:fld id="{D46FC045-4D58-4467-818B-CD97CCC276F1}" type="slidenum">
+              <a:rPr lang="zh-TW" altLang="en-US" smtClean="0"/>
+              <a:t>11</a:t>
+            </a:fld>
+            <a:endParaRPr lang="zh-TW" altLang="en-US"/>
+          </a:p>
+        </p:txBody>
+      </p:sp>
+    </p:spTree>
+    <p:extLst>
+      <p:ext uri="{BB962C8B-B14F-4D97-AF65-F5344CB8AC3E}">
+        <p14:creationId xmlns:p14="http://schemas.microsoft.com/office/powerpoint/2010/main" val="3449079573"/>
+      </p:ext>
+    </p:extLst>
+  </p:cSld>
+  <p:clrMapOvr>
+    <a:masterClrMapping/>
+  </p:clrMapOvr>
+</p:notes>
+</file>
+
+<file path=ppt/notesSlides/notesSlide12.xml><?xml version="1.0" encoding="utf-8"?>
+<p:notes xmlns:a="http://schemas.openxmlformats.org/drawingml/2006/main" xmlns:r="http://schemas.openxmlformats.org/officeDocument/2006/relationships" xmlns:p="http://schemas.openxmlformats.org/presentationml/2006/main">
+  <p:cSld>
+    <p:spTree>
+      <p:nvGrpSpPr>
+        <p:cNvPr id="1" name=""/>
+        <p:cNvGrpSpPr/>
+        <p:nvPr/>
+      </p:nvGrpSpPr>
+      <p:grpSpPr>
+        <a:xfrm>
+          <a:off x="0" y="0"/>
+          <a:ext cx="0" cy="0"/>
+          <a:chOff x="0" y="0"/>
+          <a:chExt cx="0" cy="0"/>
+        </a:xfrm>
+      </p:grpSpPr>
+      <p:sp>
+        <p:nvSpPr>
+          <p:cNvPr id="2" name="投影片影像版面配置區 1"/>
+          <p:cNvSpPr>
+            <a:spLocks noGrp="1" noRot="1" noChangeAspect="1"/>
+          </p:cNvSpPr>
+          <p:nvPr>
+            <p:ph type="sldImg"/>
+          </p:nvPr>
+        </p:nvSpPr>
+        <p:spPr/>
+      </p:sp>
+      <p:sp>
+        <p:nvSpPr>
+          <p:cNvPr id="3" name="備忘稿版面配置區 2"/>
+          <p:cNvSpPr>
+            <a:spLocks noGrp="1"/>
+          </p:cNvSpPr>
+          <p:nvPr>
+            <p:ph type="body" idx="1"/>
+          </p:nvPr>
+        </p:nvSpPr>
+        <p:spPr/>
+        <p:txBody>
+          <a:bodyPr/>
+          <a:lstStyle/>
+          <a:p>
+            <a:r>
+              <a:rPr lang="en-US" altLang="zh-TW" dirty="0"/>
+              <a:t>At this time, I took a deep breath, tried to concentrate all my strength, and jumped up at the last second - I finally caught the crown! What's the result? Yes, I managed to win the contest! At this moment, all the efforts were worth it.</a:t>
+            </a:r>
+            <a:endParaRPr lang="zh-TW" altLang="en-US" dirty="0"/>
+          </a:p>
+        </p:txBody>
+      </p:sp>
+      <p:sp>
+        <p:nvSpPr>
+          <p:cNvPr id="4" name="投影片編號版面配置區 3"/>
+          <p:cNvSpPr>
+            <a:spLocks noGrp="1"/>
+          </p:cNvSpPr>
+          <p:nvPr>
+            <p:ph type="sldNum" sz="quarter" idx="5"/>
+          </p:nvPr>
+        </p:nvSpPr>
+        <p:spPr/>
+        <p:txBody>
+          <a:bodyPr/>
+          <a:lstStyle/>
+          <a:p>
+            <a:fld id="{D46FC045-4D58-4467-818B-CD97CCC276F1}" type="slidenum">
+              <a:rPr lang="zh-TW" altLang="en-US" smtClean="0"/>
+              <a:t>12</a:t>
+            </a:fld>
+            <a:endParaRPr lang="zh-TW" altLang="en-US"/>
+          </a:p>
+        </p:txBody>
+      </p:sp>
+    </p:spTree>
+    <p:extLst>
+      <p:ext uri="{BB962C8B-B14F-4D97-AF65-F5344CB8AC3E}">
+        <p14:creationId xmlns:p14="http://schemas.microsoft.com/office/powerpoint/2010/main" val="1960807800"/>
+      </p:ext>
+    </p:extLst>
+  </p:cSld>
+  <p:clrMapOvr>
+    <a:masterClrMapping/>
+  </p:clrMapOvr>
+</p:notes>
+</file>
+
+<file path=ppt/notesSlides/notesSlide13.xml><?xml version="1.0" encoding="utf-8"?>
+<p:notes xmlns:a="http://schemas.openxmlformats.org/drawingml/2006/main" xmlns:r="http://schemas.openxmlformats.org/officeDocument/2006/relationships" xmlns:p="http://schemas.openxmlformats.org/presentationml/2006/main">
+  <p:cSld>
+    <p:spTree>
+      <p:nvGrpSpPr>
+        <p:cNvPr id="1" name=""/>
+        <p:cNvGrpSpPr/>
+        <p:nvPr/>
+      </p:nvGrpSpPr>
+      <p:grpSpPr>
+        <a:xfrm>
+          <a:off x="0" y="0"/>
+          <a:ext cx="0" cy="0"/>
+          <a:chOff x="0" y="0"/>
+          <a:chExt cx="0" cy="0"/>
+        </a:xfrm>
+      </p:grpSpPr>
+      <p:sp>
+        <p:nvSpPr>
+          <p:cNvPr id="2" name="投影片影像版面配置區 1"/>
+          <p:cNvSpPr>
+            <a:spLocks noGrp="1" noRot="1" noChangeAspect="1"/>
+          </p:cNvSpPr>
+          <p:nvPr>
+            <p:ph type="sldImg"/>
+          </p:nvPr>
+        </p:nvSpPr>
+        <p:spPr/>
+      </p:sp>
+      <p:sp>
+        <p:nvSpPr>
+          <p:cNvPr id="3" name="備忘稿版面配置區 2"/>
+          <p:cNvSpPr>
+            <a:spLocks noGrp="1"/>
+          </p:cNvSpPr>
+          <p:nvPr>
+            <p:ph type="body" idx="1"/>
+          </p:nvPr>
+        </p:nvSpPr>
+        <p:spPr/>
+        <p:txBody>
+          <a:bodyPr/>
+          <a:lstStyle/>
+          <a:p>
+            <a:r>
+              <a:rPr lang="en-US" altLang="zh-TW" dirty="0"/>
+              <a:t>At this time, I took a deep breath, tried to concentrate all my strength, and jumped up at the last second - I finally caught the crown! What's the result? Yes, I managed to win the contest! At this moment, all the efforts were worth it.</a:t>
+            </a:r>
+            <a:endParaRPr lang="zh-TW" altLang="en-US" dirty="0"/>
+          </a:p>
+        </p:txBody>
+      </p:sp>
+      <p:sp>
+        <p:nvSpPr>
+          <p:cNvPr id="4" name="投影片編號版面配置區 3"/>
+          <p:cNvSpPr>
+            <a:spLocks noGrp="1"/>
+          </p:cNvSpPr>
+          <p:nvPr>
+            <p:ph type="sldNum" sz="quarter" idx="5"/>
+          </p:nvPr>
+        </p:nvSpPr>
+        <p:spPr/>
+        <p:txBody>
+          <a:bodyPr/>
+          <a:lstStyle/>
+          <a:p>
+            <a:fld id="{D46FC045-4D58-4467-818B-CD97CCC276F1}" type="slidenum">
+              <a:rPr lang="zh-TW" altLang="en-US" smtClean="0"/>
+              <a:t>13</a:t>
+            </a:fld>
+            <a:endParaRPr lang="zh-TW" altLang="en-US"/>
+          </a:p>
+        </p:txBody>
+      </p:sp>
+    </p:spTree>
+    <p:extLst>
+      <p:ext uri="{BB962C8B-B14F-4D97-AF65-F5344CB8AC3E}">
+        <p14:creationId xmlns:p14="http://schemas.microsoft.com/office/powerpoint/2010/main" val="4154075900"/>
+      </p:ext>
+    </p:extLst>
+  </p:cSld>
+  <p:clrMapOvr>
+    <a:masterClrMapping/>
+  </p:clrMapOvr>
+</p:notes>
+</file>
+
+<file path=ppt/notesSlides/notesSlide14.xml><?xml version="1.0" encoding="utf-8"?>
+<p:notes xmlns:a="http://schemas.openxmlformats.org/drawingml/2006/main" xmlns:r="http://schemas.openxmlformats.org/officeDocument/2006/relationships" xmlns:p="http://schemas.openxmlformats.org/presentationml/2006/main">
+  <p:cSld>
+    <p:spTree>
+      <p:nvGrpSpPr>
+        <p:cNvPr id="1" name=""/>
+        <p:cNvGrpSpPr/>
+        <p:nvPr/>
+      </p:nvGrpSpPr>
+      <p:grpSpPr>
+        <a:xfrm>
+          <a:off x="0" y="0"/>
+          <a:ext cx="0" cy="0"/>
+          <a:chOff x="0" y="0"/>
+          <a:chExt cx="0" cy="0"/>
+        </a:xfrm>
+      </p:grpSpPr>
+      <p:sp>
+        <p:nvSpPr>
+          <p:cNvPr id="2" name="投影片影像版面配置區 1"/>
+          <p:cNvSpPr>
+            <a:spLocks noGrp="1" noRot="1" noChangeAspect="1"/>
+          </p:cNvSpPr>
+          <p:nvPr>
+            <p:ph type="sldImg"/>
+          </p:nvPr>
+        </p:nvSpPr>
+        <p:spPr/>
+      </p:sp>
+      <p:sp>
+        <p:nvSpPr>
+          <p:cNvPr id="3" name="備忘稿版面配置區 2"/>
+          <p:cNvSpPr>
+            <a:spLocks noGrp="1"/>
+          </p:cNvSpPr>
+          <p:nvPr>
+            <p:ph type="body" idx="1"/>
+          </p:nvPr>
+        </p:nvSpPr>
+        <p:spPr/>
+        <p:txBody>
+          <a:bodyPr/>
+          <a:lstStyle/>
+          <a:p>
+            <a:r>
+              <a:rPr lang="en-US" altLang="zh-TW" dirty="0"/>
+              <a:t>But you know what? This adventure taught me not only victory, but more importantly - the determination and wisdom to stand up again every time I fall. Every turn, every difficulty, is an opportunity to become stronger.</a:t>
+            </a:r>
+          </a:p>
+          <a:p>
+            <a:r>
+              <a:rPr lang="en-US" altLang="zh-TW" dirty="0"/>
+              <a:t>I am Sweet Pea, and my adventures will never stop. Next time, I will challenge the champion again!</a:t>
+            </a:r>
+            <a:endParaRPr lang="zh-TW" altLang="en-US" dirty="0"/>
+          </a:p>
+        </p:txBody>
+      </p:sp>
+      <p:sp>
+        <p:nvSpPr>
+          <p:cNvPr id="4" name="投影片編號版面配置區 3"/>
+          <p:cNvSpPr>
+            <a:spLocks noGrp="1"/>
+          </p:cNvSpPr>
+          <p:nvPr>
+            <p:ph type="sldNum" sz="quarter" idx="5"/>
+          </p:nvPr>
+        </p:nvSpPr>
+        <p:spPr/>
+        <p:txBody>
+          <a:bodyPr/>
+          <a:lstStyle/>
+          <a:p>
+            <a:fld id="{D46FC045-4D58-4467-818B-CD97CCC276F1}" type="slidenum">
+              <a:rPr lang="zh-TW" altLang="en-US" smtClean="0"/>
+              <a:t>14</a:t>
+            </a:fld>
+            <a:endParaRPr lang="zh-TW" altLang="en-US"/>
+          </a:p>
+        </p:txBody>
+      </p:sp>
+    </p:spTree>
+    <p:extLst>
+      <p:ext uri="{BB962C8B-B14F-4D97-AF65-F5344CB8AC3E}">
+        <p14:creationId xmlns:p14="http://schemas.microsoft.com/office/powerpoint/2010/main" val="3281228442"/>
+      </p:ext>
+    </p:extLst>
+  </p:cSld>
+  <p:clrMapOvr>
+    <a:masterClrMapping/>
+  </p:clrMapOvr>
+</p:notes>
+</file>
+
+<file path=ppt/notesSlides/notesSlide2.xml><?xml version="1.0" encoding="utf-8"?>
+<p:notes xmlns:a="http://schemas.openxmlformats.org/drawingml/2006/main" xmlns:r="http://schemas.openxmlformats.org/officeDocument/2006/relationships" xmlns:p="http://schemas.openxmlformats.org/presentationml/2006/main">
+  <p:cSld>
+    <p:spTree>
+      <p:nvGrpSpPr>
+        <p:cNvPr id="1" name=""/>
+        <p:cNvGrpSpPr/>
+        <p:nvPr/>
+      </p:nvGrpSpPr>
+      <p:grpSpPr>
+        <a:xfrm>
+          <a:off x="0" y="0"/>
+          <a:ext cx="0" cy="0"/>
+          <a:chOff x="0" y="0"/>
+          <a:chExt cx="0" cy="0"/>
+        </a:xfrm>
+      </p:grpSpPr>
+      <p:sp>
+        <p:nvSpPr>
+          <p:cNvPr id="2" name="投影片影像版面配置區 1"/>
+          <p:cNvSpPr>
+            <a:spLocks noGrp="1" noRot="1" noChangeAspect="1"/>
+          </p:cNvSpPr>
+          <p:nvPr>
+            <p:ph type="sldImg"/>
+          </p:nvPr>
+        </p:nvSpPr>
+        <p:spPr/>
+      </p:sp>
+      <p:sp>
+        <p:nvSpPr>
+          <p:cNvPr id="3" name="備忘稿版面配置區 2"/>
+          <p:cNvSpPr>
+            <a:spLocks noGrp="1"/>
+          </p:cNvSpPr>
+          <p:nvPr>
+            <p:ph type="body" idx="1"/>
+          </p:nvPr>
+        </p:nvSpPr>
+        <p:spPr/>
+        <p:txBody>
+          <a:bodyPr/>
+          <a:lstStyle/>
+          <a:p>
+            <a:r>
+              <a:rPr lang="en-US" altLang="zh-TW" dirty="0"/>
+              <a:t>Hello everyone! I'm Sweet Pea, and today I'm going to share with you one of my thrilling arena adventures!</a:t>
+            </a:r>
+          </a:p>
+          <a:p>
+            <a:r>
+              <a:rPr lang="en-US" altLang="zh-TW" dirty="0"/>
+              <a:t>That day, my goal was simple - I wanted to win that shining crown! There are many challenges in the arena, but I am confident because this time I am ready. I stood on the starting line and silently told myself: "No matter what, I will win the championship!"</a:t>
+            </a:r>
+            <a:endParaRPr lang="zh-TW" altLang="en-US" dirty="0"/>
+          </a:p>
+        </p:txBody>
+      </p:sp>
+      <p:sp>
+        <p:nvSpPr>
+          <p:cNvPr id="4" name="投影片編號版面配置區 3"/>
+          <p:cNvSpPr>
+            <a:spLocks noGrp="1"/>
+          </p:cNvSpPr>
+          <p:nvPr>
+            <p:ph type="sldNum" sz="quarter" idx="5"/>
+          </p:nvPr>
+        </p:nvSpPr>
+        <p:spPr/>
+        <p:txBody>
+          <a:bodyPr/>
+          <a:lstStyle/>
+          <a:p>
+            <a:fld id="{D46FC045-4D58-4467-818B-CD97CCC276F1}" type="slidenum">
+              <a:rPr lang="zh-TW" altLang="en-US" smtClean="0"/>
+              <a:t>2</a:t>
+            </a:fld>
+            <a:endParaRPr lang="zh-TW" altLang="en-US"/>
+          </a:p>
+        </p:txBody>
+      </p:sp>
+    </p:spTree>
+    <p:extLst>
+      <p:ext uri="{BB962C8B-B14F-4D97-AF65-F5344CB8AC3E}">
+        <p14:creationId xmlns:p14="http://schemas.microsoft.com/office/powerpoint/2010/main" val="3050669263"/>
+      </p:ext>
+    </p:extLst>
+  </p:cSld>
+  <p:clrMapOvr>
+    <a:masterClrMapping/>
+  </p:clrMapOvr>
+</p:notes>
+</file>
+
+<file path=ppt/notesSlides/notesSlide3.xml><?xml version="1.0" encoding="utf-8"?>
+<p:notes xmlns:a="http://schemas.openxmlformats.org/drawingml/2006/main" xmlns:r="http://schemas.openxmlformats.org/officeDocument/2006/relationships" xmlns:p="http://schemas.openxmlformats.org/presentationml/2006/main">
+  <p:cSld>
+    <p:spTree>
+      <p:nvGrpSpPr>
+        <p:cNvPr id="1" name=""/>
+        <p:cNvGrpSpPr/>
+        <p:nvPr/>
+      </p:nvGrpSpPr>
+      <p:grpSpPr>
+        <a:xfrm>
+          <a:off x="0" y="0"/>
+          <a:ext cx="0" cy="0"/>
+          <a:chOff x="0" y="0"/>
+          <a:chExt cx="0" cy="0"/>
+        </a:xfrm>
+      </p:grpSpPr>
+      <p:sp>
+        <p:nvSpPr>
+          <p:cNvPr id="2" name="投影片影像版面配置區 1"/>
+          <p:cNvSpPr>
+            <a:spLocks noGrp="1" noRot="1" noChangeAspect="1"/>
+          </p:cNvSpPr>
+          <p:nvPr>
+            <p:ph type="sldImg"/>
+          </p:nvPr>
+        </p:nvSpPr>
+        <p:spPr/>
+      </p:sp>
+      <p:sp>
+        <p:nvSpPr>
+          <p:cNvPr id="3" name="備忘稿版面配置區 2"/>
+          <p:cNvSpPr>
+            <a:spLocks noGrp="1"/>
+          </p:cNvSpPr>
+          <p:nvPr>
+            <p:ph type="body" idx="1"/>
+          </p:nvPr>
+        </p:nvSpPr>
+        <p:spPr/>
+        <p:txBody>
+          <a:bodyPr/>
+          <a:lstStyle/>
+          <a:p>
+            <a:r>
+              <a:rPr lang="en-US" altLang="zh-TW" dirty="0"/>
+              <a:t>Hello everyone! I'm Sweet Pea, and today I'm going to share with you one of my thrilling arena adventures!</a:t>
+            </a:r>
+          </a:p>
+          <a:p>
+            <a:r>
+              <a:rPr lang="en-US" altLang="zh-TW" dirty="0"/>
+              <a:t>That day, my goal was simple - I wanted to win that shining crown! There are many challenges in the arena, but I am confident because this time I am ready. I stood on the starting line and silently told myself: "No matter what, I will win the championship!"</a:t>
+            </a:r>
+            <a:endParaRPr lang="zh-TW" altLang="en-US" dirty="0"/>
+          </a:p>
+        </p:txBody>
+      </p:sp>
+      <p:sp>
+        <p:nvSpPr>
+          <p:cNvPr id="4" name="投影片編號版面配置區 3"/>
+          <p:cNvSpPr>
+            <a:spLocks noGrp="1"/>
+          </p:cNvSpPr>
+          <p:nvPr>
+            <p:ph type="sldNum" sz="quarter" idx="5"/>
+          </p:nvPr>
+        </p:nvSpPr>
+        <p:spPr/>
+        <p:txBody>
+          <a:bodyPr/>
+          <a:lstStyle/>
+          <a:p>
+            <a:fld id="{D46FC045-4D58-4467-818B-CD97CCC276F1}" type="slidenum">
+              <a:rPr lang="zh-TW" altLang="en-US" smtClean="0"/>
+              <a:t>3</a:t>
+            </a:fld>
+            <a:endParaRPr lang="zh-TW" altLang="en-US"/>
+          </a:p>
+        </p:txBody>
+      </p:sp>
+    </p:spTree>
+    <p:extLst>
+      <p:ext uri="{BB962C8B-B14F-4D97-AF65-F5344CB8AC3E}">
+        <p14:creationId xmlns:p14="http://schemas.microsoft.com/office/powerpoint/2010/main" val="3992398513"/>
+      </p:ext>
+    </p:extLst>
+  </p:cSld>
+  <p:clrMapOvr>
+    <a:masterClrMapping/>
+  </p:clrMapOvr>
+</p:notes>
+</file>
+
+<file path=ppt/notesSlides/notesSlide4.xml><?xml version="1.0" encoding="utf-8"?>
+<p:notes xmlns:a="http://schemas.openxmlformats.org/drawingml/2006/main" xmlns:r="http://schemas.openxmlformats.org/officeDocument/2006/relationships" xmlns:p="http://schemas.openxmlformats.org/presentationml/2006/main">
+  <p:cSld>
+    <p:spTree>
+      <p:nvGrpSpPr>
+        <p:cNvPr id="1" name=""/>
+        <p:cNvGrpSpPr/>
+        <p:nvPr/>
+      </p:nvGrpSpPr>
+      <p:grpSpPr>
+        <a:xfrm>
+          <a:off x="0" y="0"/>
+          <a:ext cx="0" cy="0"/>
+          <a:chOff x="0" y="0"/>
+          <a:chExt cx="0" cy="0"/>
+        </a:xfrm>
+      </p:grpSpPr>
+      <p:sp>
+        <p:nvSpPr>
+          <p:cNvPr id="2" name="投影片影像版面配置區 1"/>
+          <p:cNvSpPr>
+            <a:spLocks noGrp="1" noRot="1" noChangeAspect="1"/>
+          </p:cNvSpPr>
+          <p:nvPr>
+            <p:ph type="sldImg"/>
+          </p:nvPr>
+        </p:nvSpPr>
+        <p:spPr/>
+      </p:sp>
+      <p:sp>
+        <p:nvSpPr>
+          <p:cNvPr id="3" name="備忘稿版面配置區 2"/>
+          <p:cNvSpPr>
+            <a:spLocks noGrp="1"/>
+          </p:cNvSpPr>
+          <p:nvPr>
+            <p:ph type="body" idx="1"/>
+          </p:nvPr>
+        </p:nvSpPr>
+        <p:spPr/>
+        <p:txBody>
+          <a:bodyPr/>
+          <a:lstStyle/>
+          <a:p>
+            <a:r>
+              <a:rPr lang="en-US" altLang="zh-TW" dirty="0"/>
+              <a:t>As soon as the game started, obstacles appeared immediately. The first level was the "tumbling court" which I was least good at. Huge balls rolled over from all directions, blocking my way forward. I knew it was a challenge to my endurance and reflexes! I kept telling myself: "Don't panic, calm down and follow the rhythm of the ball!" So I avoided it carefully while rushing forward as fast as I could!</a:t>
+            </a:r>
+            <a:endParaRPr lang="zh-TW" altLang="en-US" dirty="0"/>
+          </a:p>
+        </p:txBody>
+      </p:sp>
+      <p:sp>
+        <p:nvSpPr>
+          <p:cNvPr id="4" name="投影片編號版面配置區 3"/>
+          <p:cNvSpPr>
+            <a:spLocks noGrp="1"/>
+          </p:cNvSpPr>
+          <p:nvPr>
+            <p:ph type="sldNum" sz="quarter" idx="5"/>
+          </p:nvPr>
+        </p:nvSpPr>
+        <p:spPr/>
+        <p:txBody>
+          <a:bodyPr/>
+          <a:lstStyle/>
+          <a:p>
+            <a:fld id="{D46FC045-4D58-4467-818B-CD97CCC276F1}" type="slidenum">
+              <a:rPr lang="zh-TW" altLang="en-US" smtClean="0"/>
+              <a:t>4</a:t>
+            </a:fld>
+            <a:endParaRPr lang="zh-TW" altLang="en-US"/>
+          </a:p>
+        </p:txBody>
+      </p:sp>
+    </p:spTree>
+    <p:extLst>
+      <p:ext uri="{BB962C8B-B14F-4D97-AF65-F5344CB8AC3E}">
+        <p14:creationId xmlns:p14="http://schemas.microsoft.com/office/powerpoint/2010/main" val="4142495063"/>
+      </p:ext>
+    </p:extLst>
+  </p:cSld>
+  <p:clrMapOvr>
+    <a:masterClrMapping/>
+  </p:clrMapOvr>
+</p:notes>
+</file>
+
+<file path=ppt/notesSlides/notesSlide5.xml><?xml version="1.0" encoding="utf-8"?>
+<p:notes xmlns:a="http://schemas.openxmlformats.org/drawingml/2006/main" xmlns:r="http://schemas.openxmlformats.org/officeDocument/2006/relationships" xmlns:p="http://schemas.openxmlformats.org/presentationml/2006/main">
+  <p:cSld>
+    <p:spTree>
+      <p:nvGrpSpPr>
+        <p:cNvPr id="1" name=""/>
+        <p:cNvGrpSpPr/>
+        <p:nvPr/>
+      </p:nvGrpSpPr>
+      <p:grpSpPr>
+        <a:xfrm>
+          <a:off x="0" y="0"/>
+          <a:ext cx="0" cy="0"/>
+          <a:chOff x="0" y="0"/>
+          <a:chExt cx="0" cy="0"/>
+        </a:xfrm>
+      </p:grpSpPr>
+      <p:sp>
+        <p:nvSpPr>
+          <p:cNvPr id="2" name="投影片影像版面配置區 1"/>
+          <p:cNvSpPr>
+            <a:spLocks noGrp="1" noRot="1" noChangeAspect="1"/>
+          </p:cNvSpPr>
+          <p:nvPr>
+            <p:ph type="sldImg"/>
+          </p:nvPr>
+        </p:nvSpPr>
+        <p:spPr/>
+      </p:sp>
+      <p:sp>
+        <p:nvSpPr>
+          <p:cNvPr id="3" name="備忘稿版面配置區 2"/>
+          <p:cNvSpPr>
+            <a:spLocks noGrp="1"/>
+          </p:cNvSpPr>
+          <p:nvPr>
+            <p:ph type="body" idx="1"/>
+          </p:nvPr>
+        </p:nvSpPr>
+        <p:spPr/>
+        <p:txBody>
+          <a:bodyPr/>
+          <a:lstStyle/>
+          <a:p>
+            <a:r>
+              <a:rPr lang="en-US" altLang="zh-TW" dirty="0"/>
+              <a:t>As soon as the game started, obstacles appeared immediately. The first level was the "tumbling court" which I was least good at. Huge balls rolled over from all directions, blocking my way forward. I knew it was a challenge to my endurance and reflexes! I kept telling myself: "Don't panic, calm down and follow the rhythm of the ball!" So I avoided it carefully while rushing forward as fast as I could!</a:t>
+            </a:r>
+            <a:endParaRPr lang="zh-TW" altLang="en-US" dirty="0"/>
+          </a:p>
+        </p:txBody>
+      </p:sp>
+      <p:sp>
+        <p:nvSpPr>
+          <p:cNvPr id="4" name="投影片編號版面配置區 3"/>
+          <p:cNvSpPr>
+            <a:spLocks noGrp="1"/>
+          </p:cNvSpPr>
+          <p:nvPr>
+            <p:ph type="sldNum" sz="quarter" idx="5"/>
+          </p:nvPr>
+        </p:nvSpPr>
+        <p:spPr/>
+        <p:txBody>
+          <a:bodyPr/>
+          <a:lstStyle/>
+          <a:p>
+            <a:fld id="{D46FC045-4D58-4467-818B-CD97CCC276F1}" type="slidenum">
+              <a:rPr lang="zh-TW" altLang="en-US" smtClean="0"/>
+              <a:t>5</a:t>
+            </a:fld>
+            <a:endParaRPr lang="zh-TW" altLang="en-US"/>
+          </a:p>
+        </p:txBody>
+      </p:sp>
+    </p:spTree>
+    <p:extLst>
+      <p:ext uri="{BB962C8B-B14F-4D97-AF65-F5344CB8AC3E}">
+        <p14:creationId xmlns:p14="http://schemas.microsoft.com/office/powerpoint/2010/main" val="1584925903"/>
+      </p:ext>
+    </p:extLst>
+  </p:cSld>
+  <p:clrMapOvr>
+    <a:masterClrMapping/>
+  </p:clrMapOvr>
+</p:notes>
+</file>
+
+<file path=ppt/notesSlides/notesSlide6.xml><?xml version="1.0" encoding="utf-8"?>
+<p:notes xmlns:a="http://schemas.openxmlformats.org/drawingml/2006/main" xmlns:r="http://schemas.openxmlformats.org/officeDocument/2006/relationships" xmlns:p="http://schemas.openxmlformats.org/presentationml/2006/main">
+  <p:cSld>
+    <p:spTree>
+      <p:nvGrpSpPr>
+        <p:cNvPr id="1" name=""/>
+        <p:cNvGrpSpPr/>
+        <p:nvPr/>
+      </p:nvGrpSpPr>
+      <p:grpSpPr>
+        <a:xfrm>
+          <a:off x="0" y="0"/>
+          <a:ext cx="0" cy="0"/>
+          <a:chOff x="0" y="0"/>
+          <a:chExt cx="0" cy="0"/>
+        </a:xfrm>
+      </p:grpSpPr>
+      <p:sp>
+        <p:nvSpPr>
+          <p:cNvPr id="2" name="投影片影像版面配置區 1"/>
+          <p:cNvSpPr>
+            <a:spLocks noGrp="1" noRot="1" noChangeAspect="1"/>
+          </p:cNvSpPr>
+          <p:nvPr>
+            <p:ph type="sldImg"/>
+          </p:nvPr>
+        </p:nvSpPr>
+        <p:spPr/>
+      </p:sp>
+      <p:sp>
+        <p:nvSpPr>
+          <p:cNvPr id="3" name="備忘稿版面配置區 2"/>
+          <p:cNvSpPr>
+            <a:spLocks noGrp="1"/>
+          </p:cNvSpPr>
+          <p:nvPr>
+            <p:ph type="body" idx="1"/>
+          </p:nvPr>
+        </p:nvSpPr>
+        <p:spPr/>
+        <p:txBody>
+          <a:bodyPr/>
+          <a:lstStyle/>
+          <a:p>
+            <a:r>
+              <a:rPr lang="en-US" altLang="zh-TW" dirty="0"/>
+              <a:t>But things are not that simple! Seeing that I was almost reaching the finish line, suddenly, I was hit several meters away by a huge hammer and fell directly into the last place! I told myself I couldn't give up, this was just the beginning, I still had a chance! So I worked harder, insisted on standing up, and quickly chased the other jelly beans in front of me. I kept thinking: "Come on, jelly beans, this is just the first level, there is still hope!"</a:t>
+            </a:r>
+            <a:endParaRPr lang="zh-TW" altLang="en-US" dirty="0"/>
+          </a:p>
+        </p:txBody>
+      </p:sp>
+      <p:sp>
+        <p:nvSpPr>
+          <p:cNvPr id="4" name="投影片編號版面配置區 3"/>
+          <p:cNvSpPr>
+            <a:spLocks noGrp="1"/>
+          </p:cNvSpPr>
+          <p:nvPr>
+            <p:ph type="sldNum" sz="quarter" idx="5"/>
+          </p:nvPr>
+        </p:nvSpPr>
+        <p:spPr/>
+        <p:txBody>
+          <a:bodyPr/>
+          <a:lstStyle/>
+          <a:p>
+            <a:fld id="{D46FC045-4D58-4467-818B-CD97CCC276F1}" type="slidenum">
+              <a:rPr lang="zh-TW" altLang="en-US" smtClean="0"/>
+              <a:t>6</a:t>
+            </a:fld>
+            <a:endParaRPr lang="zh-TW" altLang="en-US"/>
+          </a:p>
+        </p:txBody>
+      </p:sp>
+    </p:spTree>
+    <p:extLst>
+      <p:ext uri="{BB962C8B-B14F-4D97-AF65-F5344CB8AC3E}">
+        <p14:creationId xmlns:p14="http://schemas.microsoft.com/office/powerpoint/2010/main" val="2529944999"/>
+      </p:ext>
+    </p:extLst>
+  </p:cSld>
+  <p:clrMapOvr>
+    <a:masterClrMapping/>
+  </p:clrMapOvr>
+</p:notes>
+</file>
+
+<file path=ppt/notesSlides/notesSlide7.xml><?xml version="1.0" encoding="utf-8"?>
+<p:notes xmlns:a="http://schemas.openxmlformats.org/drawingml/2006/main" xmlns:r="http://schemas.openxmlformats.org/officeDocument/2006/relationships" xmlns:p="http://schemas.openxmlformats.org/presentationml/2006/main">
+  <p:cSld>
+    <p:spTree>
+      <p:nvGrpSpPr>
+        <p:cNvPr id="1" name=""/>
+        <p:cNvGrpSpPr/>
+        <p:nvPr/>
+      </p:nvGrpSpPr>
+      <p:grpSpPr>
+        <a:xfrm>
+          <a:off x="0" y="0"/>
+          <a:ext cx="0" cy="0"/>
+          <a:chOff x="0" y="0"/>
+          <a:chExt cx="0" cy="0"/>
+        </a:xfrm>
+      </p:grpSpPr>
+      <p:sp>
+        <p:nvSpPr>
+          <p:cNvPr id="2" name="投影片影像版面配置區 1"/>
+          <p:cNvSpPr>
+            <a:spLocks noGrp="1" noRot="1" noChangeAspect="1"/>
+          </p:cNvSpPr>
+          <p:nvPr>
+            <p:ph type="sldImg"/>
+          </p:nvPr>
+        </p:nvSpPr>
+        <p:spPr/>
+      </p:sp>
+      <p:sp>
+        <p:nvSpPr>
+          <p:cNvPr id="3" name="備忘稿版面配置區 2"/>
+          <p:cNvSpPr>
+            <a:spLocks noGrp="1"/>
+          </p:cNvSpPr>
+          <p:nvPr>
+            <p:ph type="body" idx="1"/>
+          </p:nvPr>
+        </p:nvSpPr>
+        <p:spPr/>
+        <p:txBody>
+          <a:bodyPr/>
+          <a:lstStyle/>
+          <a:p>
+            <a:r>
+              <a:rPr lang="en-US" altLang="zh-TW" dirty="0"/>
+              <a:t>But things are not that simple! Seeing that I was almost reaching the finish line, suddenly, I was hit several meters away by a huge hammer and fell directly into the last place! I told myself I couldn't give up, this was just the beginning, I still had a chance! So I worked harder, insisted on standing up, and quickly chased the other jelly beans in front of me. I kept thinking: "Come on, jelly beans, this is just the first level, there is still hope!"</a:t>
+            </a:r>
+            <a:endParaRPr lang="zh-TW" altLang="en-US" dirty="0"/>
+          </a:p>
+        </p:txBody>
+      </p:sp>
+      <p:sp>
+        <p:nvSpPr>
+          <p:cNvPr id="4" name="投影片編號版面配置區 3"/>
+          <p:cNvSpPr>
+            <a:spLocks noGrp="1"/>
+          </p:cNvSpPr>
+          <p:nvPr>
+            <p:ph type="sldNum" sz="quarter" idx="5"/>
+          </p:nvPr>
+        </p:nvSpPr>
+        <p:spPr/>
+        <p:txBody>
+          <a:bodyPr/>
+          <a:lstStyle/>
+          <a:p>
+            <a:fld id="{D46FC045-4D58-4467-818B-CD97CCC276F1}" type="slidenum">
+              <a:rPr lang="zh-TW" altLang="en-US" smtClean="0"/>
+              <a:t>7</a:t>
+            </a:fld>
+            <a:endParaRPr lang="zh-TW" altLang="en-US"/>
+          </a:p>
+        </p:txBody>
+      </p:sp>
+    </p:spTree>
+    <p:extLst>
+      <p:ext uri="{BB962C8B-B14F-4D97-AF65-F5344CB8AC3E}">
+        <p14:creationId xmlns:p14="http://schemas.microsoft.com/office/powerpoint/2010/main" val="2542573581"/>
+      </p:ext>
+    </p:extLst>
+  </p:cSld>
+  <p:clrMapOvr>
+    <a:masterClrMapping/>
+  </p:clrMapOvr>
+</p:notes>
+</file>
+
+<file path=ppt/notesSlides/notesSlide8.xml><?xml version="1.0" encoding="utf-8"?>
+<p:notes xmlns:a="http://schemas.openxmlformats.org/drawingml/2006/main" xmlns:r="http://schemas.openxmlformats.org/officeDocument/2006/relationships" xmlns:p="http://schemas.openxmlformats.org/presentationml/2006/main">
+  <p:cSld>
+    <p:spTree>
+      <p:nvGrpSpPr>
+        <p:cNvPr id="1" name=""/>
+        <p:cNvGrpSpPr/>
+        <p:nvPr/>
+      </p:nvGrpSpPr>
+      <p:grpSpPr>
+        <a:xfrm>
+          <a:off x="0" y="0"/>
+          <a:ext cx="0" cy="0"/>
+          <a:chOff x="0" y="0"/>
+          <a:chExt cx="0" cy="0"/>
+        </a:xfrm>
+      </p:grpSpPr>
+      <p:sp>
+        <p:nvSpPr>
+          <p:cNvPr id="2" name="投影片影像版面配置區 1"/>
+          <p:cNvSpPr>
+            <a:spLocks noGrp="1" noRot="1" noChangeAspect="1"/>
+          </p:cNvSpPr>
+          <p:nvPr>
+            <p:ph type="sldImg"/>
+          </p:nvPr>
+        </p:nvSpPr>
+        <p:spPr/>
+      </p:sp>
+      <p:sp>
+        <p:nvSpPr>
+          <p:cNvPr id="3" name="備忘稿版面配置區 2"/>
+          <p:cNvSpPr>
+            <a:spLocks noGrp="1"/>
+          </p:cNvSpPr>
+          <p:nvPr>
+            <p:ph type="body" idx="1"/>
+          </p:nvPr>
+        </p:nvSpPr>
+        <p:spPr/>
+        <p:txBody>
+          <a:bodyPr/>
+          <a:lstStyle/>
+          <a:p>
+            <a:r>
+              <a:rPr lang="en-US" altLang="zh-TW" dirty="0"/>
+              <a:t>Then something unexpected happened - I suddenly found that the road ahead was packed, and other jellybeans were crowded into a narrow corner, pushing each other, unable to move forward at all! At this time, I had an idea and thought of a turning strategy. I decided not to squeeze in with everyone, but went around to a side road that no one seemed to be paying attention to. Although it took a little more detour, I successfully avoided the crowded area and passed the obstacle quickly.</a:t>
+            </a:r>
+            <a:endParaRPr lang="zh-TW" altLang="en-US" dirty="0"/>
+          </a:p>
+        </p:txBody>
+      </p:sp>
+      <p:sp>
+        <p:nvSpPr>
+          <p:cNvPr id="4" name="投影片編號版面配置區 3"/>
+          <p:cNvSpPr>
+            <a:spLocks noGrp="1"/>
+          </p:cNvSpPr>
+          <p:nvPr>
+            <p:ph type="sldNum" sz="quarter" idx="5"/>
+          </p:nvPr>
+        </p:nvSpPr>
+        <p:spPr/>
+        <p:txBody>
+          <a:bodyPr/>
+          <a:lstStyle/>
+          <a:p>
+            <a:fld id="{D46FC045-4D58-4467-818B-CD97CCC276F1}" type="slidenum">
+              <a:rPr lang="zh-TW" altLang="en-US" smtClean="0"/>
+              <a:t>8</a:t>
+            </a:fld>
+            <a:endParaRPr lang="zh-TW" altLang="en-US"/>
+          </a:p>
+        </p:txBody>
+      </p:sp>
+    </p:spTree>
+    <p:extLst>
+      <p:ext uri="{BB962C8B-B14F-4D97-AF65-F5344CB8AC3E}">
+        <p14:creationId xmlns:p14="http://schemas.microsoft.com/office/powerpoint/2010/main" val="1405607571"/>
+      </p:ext>
+    </p:extLst>
+  </p:cSld>
+  <p:clrMapOvr>
+    <a:masterClrMapping/>
+  </p:clrMapOvr>
+</p:notes>
+</file>
+
+<file path=ppt/notesSlides/notesSlide9.xml><?xml version="1.0" encoding="utf-8"?>
+<p:notes xmlns:a="http://schemas.openxmlformats.org/drawingml/2006/main" xmlns:r="http://schemas.openxmlformats.org/officeDocument/2006/relationships" xmlns:p="http://schemas.openxmlformats.org/presentationml/2006/main">
+  <p:cSld>
+    <p:spTree>
+      <p:nvGrpSpPr>
+        <p:cNvPr id="1" name=""/>
+        <p:cNvGrpSpPr/>
+        <p:nvPr/>
+      </p:nvGrpSpPr>
+      <p:grpSpPr>
+        <a:xfrm>
+          <a:off x="0" y="0"/>
+          <a:ext cx="0" cy="0"/>
+          <a:chOff x="0" y="0"/>
+          <a:chExt cx="0" cy="0"/>
+        </a:xfrm>
+      </p:grpSpPr>
+      <p:sp>
+        <p:nvSpPr>
+          <p:cNvPr id="2" name="投影片影像版面配置區 1"/>
+          <p:cNvSpPr>
+            <a:spLocks noGrp="1" noRot="1" noChangeAspect="1"/>
+          </p:cNvSpPr>
+          <p:nvPr>
+            <p:ph type="sldImg"/>
+          </p:nvPr>
+        </p:nvSpPr>
+        <p:spPr/>
+      </p:sp>
+      <p:sp>
+        <p:nvSpPr>
+          <p:cNvPr id="3" name="備忘稿版面配置區 2"/>
+          <p:cNvSpPr>
+            <a:spLocks noGrp="1"/>
+          </p:cNvSpPr>
+          <p:nvPr>
+            <p:ph type="body" idx="1"/>
+          </p:nvPr>
+        </p:nvSpPr>
+        <p:spPr/>
+        <p:txBody>
+          <a:bodyPr/>
+          <a:lstStyle/>
+          <a:p>
+            <a:r>
+              <a:rPr lang="en-US" altLang="zh-TW" dirty="0"/>
+              <a:t>Then something unexpected happened - I suddenly found that the road ahead was packed, and other jellybeans were crowded into a narrow corner, pushing each other, unable to move forward at all! At this time, I had an idea and thought of a turning strategy. I decided not to squeeze in with everyone, but went around to a side road that no one seemed to be paying attention to. Although it took a little more detour, I successfully avoided the crowded area and passed the obstacle quickly.</a:t>
+            </a:r>
+            <a:endParaRPr lang="zh-TW" altLang="en-US" dirty="0"/>
+          </a:p>
+        </p:txBody>
+      </p:sp>
+      <p:sp>
+        <p:nvSpPr>
+          <p:cNvPr id="4" name="投影片編號版面配置區 3"/>
+          <p:cNvSpPr>
+            <a:spLocks noGrp="1"/>
+          </p:cNvSpPr>
+          <p:nvPr>
+            <p:ph type="sldNum" sz="quarter" idx="5"/>
+          </p:nvPr>
+        </p:nvSpPr>
+        <p:spPr/>
+        <p:txBody>
+          <a:bodyPr/>
+          <a:lstStyle/>
+          <a:p>
+            <a:fld id="{D46FC045-4D58-4467-818B-CD97CCC276F1}" type="slidenum">
+              <a:rPr lang="zh-TW" altLang="en-US" smtClean="0"/>
+              <a:t>9</a:t>
+            </a:fld>
+            <a:endParaRPr lang="zh-TW" altLang="en-US"/>
+          </a:p>
+        </p:txBody>
+      </p:sp>
+    </p:spTree>
+    <p:extLst>
+      <p:ext uri="{BB962C8B-B14F-4D97-AF65-F5344CB8AC3E}">
+        <p14:creationId xmlns:p14="http://schemas.microsoft.com/office/powerpoint/2010/main" val="4149025015"/>
+      </p:ext>
+    </p:extLst>
+  </p:cSld>
+  <p:clrMapOvr>
+    <a:masterClrMapping/>
+  </p:clrMapOvr>
+</p:notes>
 </file>
 
 <file path=ppt/slideLayouts/slideLayout1.xml><?xml version="1.0" encoding="utf-8"?>
@@ -124,33 +1841,59 @@
           <a:chExt cx="0" cy="0"/>
         </a:xfrm>
       </p:grpSpPr>
-      <p:sp>
-        <p:nvSpPr>
-          <p:cNvPr id="2" name="標題 1">
+      <p:pic>
+        <p:nvPicPr>
+          <p:cNvPr id="7" name="Picture 6" descr="Droplets-HD-Title-R1d.png"/>
+          <p:cNvPicPr>
+            <a:picLocks noChangeAspect="1"/>
+          </p:cNvPicPr>
+          <p:nvPr/>
+        </p:nvPicPr>
+        <p:blipFill>
+          <a:blip r:embed="rId2">
             <a:extLst>
-              <a:ext uri="{FF2B5EF4-FFF2-40B4-BE49-F238E27FC236}">
-                <a16:creationId xmlns:a16="http://schemas.microsoft.com/office/drawing/2014/main" id="{EB5CC918-B447-434E-B98E-5847BB49C259}"/>
+              <a:ext uri="{28A0092B-C50C-407E-A947-70E740481C1C}">
+                <a14:useLocalDpi xmlns:a14="http://schemas.microsoft.com/office/drawing/2010/main" val="0"/>
               </a:ext>
             </a:extLst>
-          </p:cNvPr>
-          <p:cNvSpPr>
-            <a:spLocks noGrp="1"/>
-          </p:cNvSpPr>
-          <p:nvPr>
-            <p:ph type="ctrTitle"/>
-          </p:nvPr>
-        </p:nvSpPr>
+          </a:blip>
+          <a:stretch>
+            <a:fillRect/>
+          </a:stretch>
+        </p:blipFill>
         <p:spPr>
           <a:xfrm>
-            <a:off x="1524000" y="1122363"/>
-            <a:ext cx="9144000" cy="2387600"/>
+            <a:off x="0" y="0"/>
+            <a:ext cx="12192000" cy="6858000"/>
+          </a:xfrm>
+          <a:prstGeom prst="rect">
+            <a:avLst/>
+          </a:prstGeom>
+        </p:spPr>
+      </p:pic>
+      <p:sp>
+        <p:nvSpPr>
+          <p:cNvPr id="2" name="Title 1"/>
+          <p:cNvSpPr>
+            <a:spLocks noGrp="1"/>
+          </p:cNvSpPr>
+          <p:nvPr>
+            <p:ph type="ctrTitle"/>
+          </p:nvPr>
+        </p:nvSpPr>
+        <p:spPr>
+          <a:xfrm>
+            <a:off x="1751012" y="1300785"/>
+            <a:ext cx="8689976" cy="2509213"/>
           </a:xfrm>
         </p:spPr>
         <p:txBody>
-          <a:bodyPr anchor="b"/>
+          <a:bodyPr anchor="b">
+            <a:normAutofit/>
+          </a:bodyPr>
           <a:lstStyle>
             <a:lvl1pPr algn="ctr">
-              <a:defRPr sz="6000"/>
+              <a:defRPr sz="4800"/>
             </a:lvl1pPr>
           </a:lstStyle>
           <a:p>
@@ -158,18 +1901,13 @@
               <a:rPr lang="zh-TW" altLang="en-US"/>
               <a:t>按一下以編輯母片標題樣式</a:t>
             </a:r>
-          </a:p>
-        </p:txBody>
-      </p:sp>
-      <p:sp>
-        <p:nvSpPr>
-          <p:cNvPr id="3" name="副標題 2">
-            <a:extLst>
-              <a:ext uri="{FF2B5EF4-FFF2-40B4-BE49-F238E27FC236}">
-                <a16:creationId xmlns:a16="http://schemas.microsoft.com/office/drawing/2014/main" id="{817FCC70-CC4E-4CB6-B2CF-9FDA5AC4D346}"/>
-              </a:ext>
-            </a:extLst>
-          </p:cNvPr>
+            <a:endParaRPr lang="en-US" dirty="0"/>
+          </a:p>
+        </p:txBody>
+      </p:sp>
+      <p:sp>
+        <p:nvSpPr>
+          <p:cNvPr id="3" name="Subtitle 2"/>
           <p:cNvSpPr>
             <a:spLocks noGrp="1"/>
           </p:cNvSpPr>
@@ -179,16 +1917,24 @@
         </p:nvSpPr>
         <p:spPr>
           <a:xfrm>
-            <a:off x="1524000" y="3602038"/>
-            <a:ext cx="9144000" cy="1655762"/>
+            <a:off x="1751012" y="3886200"/>
+            <a:ext cx="8689976" cy="1371599"/>
           </a:xfrm>
         </p:spPr>
         <p:txBody>
-          <a:bodyPr/>
+          <a:bodyPr>
+            <a:normAutofit/>
+          </a:bodyPr>
           <a:lstStyle>
             <a:lvl1pPr marL="0" indent="0" algn="ctr">
               <a:buNone/>
-              <a:defRPr sz="2400"/>
+              <a:defRPr sz="2200">
+                <a:solidFill>
+                  <a:schemeClr val="bg1">
+                    <a:lumMod val="50000"/>
+                  </a:schemeClr>
+                </a:solidFill>
+              </a:defRPr>
             </a:lvl1pPr>
             <a:lvl2pPr marL="457200" indent="0" algn="ctr">
               <a:buNone/>
@@ -228,18 +1974,13 @@
               <a:rPr lang="zh-TW" altLang="en-US"/>
               <a:t>按一下以編輯母片子標題樣式</a:t>
             </a:r>
-          </a:p>
-        </p:txBody>
-      </p:sp>
-      <p:sp>
-        <p:nvSpPr>
-          <p:cNvPr id="4" name="日期版面配置區 3">
-            <a:extLst>
-              <a:ext uri="{FF2B5EF4-FFF2-40B4-BE49-F238E27FC236}">
-                <a16:creationId xmlns:a16="http://schemas.microsoft.com/office/drawing/2014/main" id="{BD08F018-0004-4322-AD0F-E6E740964233}"/>
-              </a:ext>
-            </a:extLst>
-          </p:cNvPr>
+            <a:endParaRPr lang="en-US" dirty="0"/>
+          </a:p>
+        </p:txBody>
+      </p:sp>
+      <p:sp>
+        <p:nvSpPr>
+          <p:cNvPr id="4" name="Date Placeholder 3"/>
           <p:cNvSpPr>
             <a:spLocks noGrp="1"/>
           </p:cNvSpPr>
@@ -252,9 +1993,9 @@
           <a:bodyPr/>
           <a:lstStyle/>
           <a:p>
-            <a:fld id="{C3C90D7E-32D6-4894-AE08-7BBB3E610FC9}" type="datetimeFigureOut">
+            <a:fld id="{4B79CABA-914F-43AC-AE68-5F197FBCE171}" type="datetimeFigureOut">
               <a:rPr lang="zh-TW" altLang="en-US" smtClean="0"/>
-              <a:t>2024/9/16</a:t>
+              <a:t>2024/10/20</a:t>
             </a:fld>
             <a:endParaRPr lang="zh-TW" altLang="en-US"/>
           </a:p>
@@ -262,13 +2003,7 @@
       </p:sp>
       <p:sp>
         <p:nvSpPr>
-          <p:cNvPr id="5" name="頁尾版面配置區 4">
-            <a:extLst>
-              <a:ext uri="{FF2B5EF4-FFF2-40B4-BE49-F238E27FC236}">
-                <a16:creationId xmlns:a16="http://schemas.microsoft.com/office/drawing/2014/main" id="{30427B34-CB13-41C7-B2F2-CED9BDC5B595}"/>
-              </a:ext>
-            </a:extLst>
-          </p:cNvPr>
+          <p:cNvPr id="5" name="Footer Placeholder 4"/>
           <p:cNvSpPr>
             <a:spLocks noGrp="1"/>
           </p:cNvSpPr>
@@ -287,13 +2022,7 @@
       </p:sp>
       <p:sp>
         <p:nvSpPr>
-          <p:cNvPr id="6" name="投影片編號版面配置區 5">
-            <a:extLst>
-              <a:ext uri="{FF2B5EF4-FFF2-40B4-BE49-F238E27FC236}">
-                <a16:creationId xmlns:a16="http://schemas.microsoft.com/office/drawing/2014/main" id="{76FA962E-5B03-439A-928C-87366876542D}"/>
-              </a:ext>
-            </a:extLst>
-          </p:cNvPr>
+          <p:cNvPr id="6" name="Slide Number Placeholder 5"/>
           <p:cNvSpPr>
             <a:spLocks noGrp="1"/>
           </p:cNvSpPr>
@@ -306,7 +2035,7 @@
           <a:bodyPr/>
           <a:lstStyle/>
           <a:p>
-            <a:fld id="{E31EC408-072F-4346-BD0A-D6AA5788A305}" type="slidenum">
+            <a:fld id="{C7B66E1F-E0F2-4CE0-80BB-B0CD885DF2C2}" type="slidenum">
               <a:rPr lang="zh-TW" altLang="en-US" smtClean="0"/>
               <a:t>‹#›</a:t>
             </a:fld>
@@ -317,7 +2046,7 @@
     </p:spTree>
     <p:extLst>
       <p:ext uri="{BB962C8B-B14F-4D97-AF65-F5344CB8AC3E}">
-        <p14:creationId xmlns:p14="http://schemas.microsoft.com/office/powerpoint/2010/main" val="2963035110"/>
+        <p14:creationId xmlns:p14="http://schemas.microsoft.com/office/powerpoint/2010/main" val="2799577660"/>
       </p:ext>
     </p:extLst>
   </p:cSld>
@@ -328,6 +2057,2713 @@
 </file>
 
 <file path=ppt/slideLayouts/slideLayout10.xml><?xml version="1.0" encoding="utf-8"?>
+<p:sldLayout xmlns:a="http://schemas.openxmlformats.org/drawingml/2006/main" xmlns:r="http://schemas.openxmlformats.org/officeDocument/2006/relationships" xmlns:p="http://schemas.openxmlformats.org/presentationml/2006/main" preserve="1">
+  <p:cSld name="全景圖片 (含輔助字幕)">
+    <p:spTree>
+      <p:nvGrpSpPr>
+        <p:cNvPr id="1" name=""/>
+        <p:cNvGrpSpPr/>
+        <p:nvPr/>
+      </p:nvGrpSpPr>
+      <p:grpSpPr>
+        <a:xfrm>
+          <a:off x="0" y="0"/>
+          <a:ext cx="0" cy="0"/>
+          <a:chOff x="0" y="0"/>
+          <a:chExt cx="0" cy="0"/>
+        </a:xfrm>
+      </p:grpSpPr>
+      <p:pic>
+        <p:nvPicPr>
+          <p:cNvPr id="10" name="Picture 9" descr="Droplets-HD-Content-R1d.png"/>
+          <p:cNvPicPr>
+            <a:picLocks noChangeAspect="1"/>
+          </p:cNvPicPr>
+          <p:nvPr/>
+        </p:nvPicPr>
+        <p:blipFill>
+          <a:blip r:embed="rId2">
+            <a:extLst>
+              <a:ext uri="{28A0092B-C50C-407E-A947-70E740481C1C}">
+                <a14:useLocalDpi xmlns:a14="http://schemas.microsoft.com/office/drawing/2010/main" val="0"/>
+              </a:ext>
+            </a:extLst>
+          </a:blip>
+          <a:stretch>
+            <a:fillRect/>
+          </a:stretch>
+        </p:blipFill>
+        <p:spPr>
+          <a:xfrm>
+            <a:off x="0" y="0"/>
+            <a:ext cx="12192000" cy="6858000"/>
+          </a:xfrm>
+          <a:prstGeom prst="rect">
+            <a:avLst/>
+          </a:prstGeom>
+        </p:spPr>
+      </p:pic>
+      <p:sp>
+        <p:nvSpPr>
+          <p:cNvPr id="2" name="Title 1"/>
+          <p:cNvSpPr>
+            <a:spLocks noGrp="1"/>
+          </p:cNvSpPr>
+          <p:nvPr>
+            <p:ph type="title"/>
+          </p:nvPr>
+        </p:nvSpPr>
+        <p:spPr>
+          <a:xfrm>
+            <a:off x="913794" y="4289374"/>
+            <a:ext cx="10364432" cy="811610"/>
+          </a:xfrm>
+        </p:spPr>
+        <p:txBody>
+          <a:bodyPr anchor="b"/>
+          <a:lstStyle>
+            <a:lvl1pPr>
+              <a:defRPr sz="3200"/>
+            </a:lvl1pPr>
+          </a:lstStyle>
+          <a:p>
+            <a:r>
+              <a:rPr lang="zh-TW" altLang="en-US"/>
+              <a:t>按一下以編輯母片標題樣式</a:t>
+            </a:r>
+            <a:endParaRPr lang="en-US" dirty="0"/>
+          </a:p>
+        </p:txBody>
+      </p:sp>
+      <p:sp>
+        <p:nvSpPr>
+          <p:cNvPr id="3" name="Picture Placeholder 2"/>
+          <p:cNvSpPr>
+            <a:spLocks noGrp="1" noChangeAspect="1"/>
+          </p:cNvSpPr>
+          <p:nvPr>
+            <p:ph type="pic" idx="1"/>
+          </p:nvPr>
+        </p:nvSpPr>
+        <p:spPr>
+          <a:xfrm>
+            <a:off x="1184744" y="698261"/>
+            <a:ext cx="9822532" cy="3214136"/>
+          </a:xfrm>
+          <a:prstGeom prst="roundRect">
+            <a:avLst>
+              <a:gd name="adj" fmla="val 4944"/>
+            </a:avLst>
+          </a:prstGeom>
+          <a:noFill/>
+          <a:ln w="82550" cap="sq">
+            <a:solidFill>
+              <a:srgbClr val="EAEAEA"/>
+            </a:solidFill>
+            <a:miter lim="800000"/>
+          </a:ln>
+          <a:effectLst/>
+          <a:scene3d>
+            <a:camera prst="orthographicFront"/>
+            <a:lightRig rig="threePt" dir="t">
+              <a:rot lat="0" lon="0" rev="2700000"/>
+            </a:lightRig>
+          </a:scene3d>
+          <a:sp3d contourW="6350">
+            <a:bevelT h="38100"/>
+            <a:contourClr>
+              <a:srgbClr val="C0C0C0"/>
+            </a:contourClr>
+          </a:sp3d>
+        </p:spPr>
+        <p:txBody>
+          <a:bodyPr anchor="t"/>
+          <a:lstStyle>
+            <a:lvl1pPr marL="0" indent="0" algn="ctr">
+              <a:buNone/>
+              <a:defRPr sz="3200"/>
+            </a:lvl1pPr>
+            <a:lvl2pPr marL="457200" indent="0">
+              <a:buNone/>
+              <a:defRPr sz="2800"/>
+            </a:lvl2pPr>
+            <a:lvl3pPr marL="914400" indent="0">
+              <a:buNone/>
+              <a:defRPr sz="2400"/>
+            </a:lvl3pPr>
+            <a:lvl4pPr marL="1371600" indent="0">
+              <a:buNone/>
+              <a:defRPr sz="2000"/>
+            </a:lvl4pPr>
+            <a:lvl5pPr marL="1828800" indent="0">
+              <a:buNone/>
+              <a:defRPr sz="2000"/>
+            </a:lvl5pPr>
+            <a:lvl6pPr marL="2286000" indent="0">
+              <a:buNone/>
+              <a:defRPr sz="2000"/>
+            </a:lvl6pPr>
+            <a:lvl7pPr marL="2743200" indent="0">
+              <a:buNone/>
+              <a:defRPr sz="2000"/>
+            </a:lvl7pPr>
+            <a:lvl8pPr marL="3200400" indent="0">
+              <a:buNone/>
+              <a:defRPr sz="2000"/>
+            </a:lvl8pPr>
+            <a:lvl9pPr marL="3657600" indent="0">
+              <a:buNone/>
+              <a:defRPr sz="2000"/>
+            </a:lvl9pPr>
+          </a:lstStyle>
+          <a:p>
+            <a:r>
+              <a:rPr lang="zh-TW" altLang="en-US"/>
+              <a:t>按一下圖示以新增圖片</a:t>
+            </a:r>
+            <a:endParaRPr lang="en-US" dirty="0"/>
+          </a:p>
+        </p:txBody>
+      </p:sp>
+      <p:sp>
+        <p:nvSpPr>
+          <p:cNvPr id="4" name="Text Placeholder 3"/>
+          <p:cNvSpPr>
+            <a:spLocks noGrp="1"/>
+          </p:cNvSpPr>
+          <p:nvPr>
+            <p:ph type="body" sz="half" idx="2"/>
+          </p:nvPr>
+        </p:nvSpPr>
+        <p:spPr>
+          <a:xfrm>
+            <a:off x="913774" y="5108728"/>
+            <a:ext cx="10364452" cy="682472"/>
+          </a:xfrm>
+        </p:spPr>
+        <p:txBody>
+          <a:bodyPr/>
+          <a:lstStyle>
+            <a:lvl1pPr marL="0" indent="0" algn="ctr">
+              <a:buNone/>
+              <a:defRPr sz="1600"/>
+            </a:lvl1pPr>
+            <a:lvl2pPr marL="457200" indent="0">
+              <a:buNone/>
+              <a:defRPr sz="1400"/>
+            </a:lvl2pPr>
+            <a:lvl3pPr marL="914400" indent="0">
+              <a:buNone/>
+              <a:defRPr sz="1200"/>
+            </a:lvl3pPr>
+            <a:lvl4pPr marL="1371600" indent="0">
+              <a:buNone/>
+              <a:defRPr sz="1000"/>
+            </a:lvl4pPr>
+            <a:lvl5pPr marL="1828800" indent="0">
+              <a:buNone/>
+              <a:defRPr sz="1000"/>
+            </a:lvl5pPr>
+            <a:lvl6pPr marL="2286000" indent="0">
+              <a:buNone/>
+              <a:defRPr sz="1000"/>
+            </a:lvl6pPr>
+            <a:lvl7pPr marL="2743200" indent="0">
+              <a:buNone/>
+              <a:defRPr sz="1000"/>
+            </a:lvl7pPr>
+            <a:lvl8pPr marL="3200400" indent="0">
+              <a:buNone/>
+              <a:defRPr sz="1000"/>
+            </a:lvl8pPr>
+            <a:lvl9pPr marL="3657600" indent="0">
+              <a:buNone/>
+              <a:defRPr sz="1000"/>
+            </a:lvl9pPr>
+          </a:lstStyle>
+          <a:p>
+            <a:pPr lvl="0"/>
+            <a:r>
+              <a:rPr lang="zh-TW" altLang="en-US"/>
+              <a:t>按一下以編輯母片文字樣式</a:t>
+            </a:r>
+          </a:p>
+        </p:txBody>
+      </p:sp>
+      <p:sp>
+        <p:nvSpPr>
+          <p:cNvPr id="5" name="Date Placeholder 4"/>
+          <p:cNvSpPr>
+            <a:spLocks noGrp="1"/>
+          </p:cNvSpPr>
+          <p:nvPr>
+            <p:ph type="dt" sz="half" idx="10"/>
+          </p:nvPr>
+        </p:nvSpPr>
+        <p:spPr/>
+        <p:txBody>
+          <a:bodyPr/>
+          <a:lstStyle/>
+          <a:p>
+            <a:fld id="{4B79CABA-914F-43AC-AE68-5F197FBCE171}" type="datetimeFigureOut">
+              <a:rPr lang="zh-TW" altLang="en-US" smtClean="0"/>
+              <a:t>2024/10/20</a:t>
+            </a:fld>
+            <a:endParaRPr lang="zh-TW" altLang="en-US"/>
+          </a:p>
+        </p:txBody>
+      </p:sp>
+      <p:sp>
+        <p:nvSpPr>
+          <p:cNvPr id="6" name="Footer Placeholder 5"/>
+          <p:cNvSpPr>
+            <a:spLocks noGrp="1"/>
+          </p:cNvSpPr>
+          <p:nvPr>
+            <p:ph type="ftr" sz="quarter" idx="11"/>
+          </p:nvPr>
+        </p:nvSpPr>
+        <p:spPr/>
+        <p:txBody>
+          <a:bodyPr/>
+          <a:lstStyle/>
+          <a:p>
+            <a:endParaRPr lang="zh-TW" altLang="en-US"/>
+          </a:p>
+        </p:txBody>
+      </p:sp>
+      <p:sp>
+        <p:nvSpPr>
+          <p:cNvPr id="7" name="Slide Number Placeholder 6"/>
+          <p:cNvSpPr>
+            <a:spLocks noGrp="1"/>
+          </p:cNvSpPr>
+          <p:nvPr>
+            <p:ph type="sldNum" sz="quarter" idx="12"/>
+          </p:nvPr>
+        </p:nvSpPr>
+        <p:spPr/>
+        <p:txBody>
+          <a:bodyPr/>
+          <a:lstStyle/>
+          <a:p>
+            <a:fld id="{C7B66E1F-E0F2-4CE0-80BB-B0CD885DF2C2}" type="slidenum">
+              <a:rPr lang="zh-TW" altLang="en-US" smtClean="0"/>
+              <a:t>‹#›</a:t>
+            </a:fld>
+            <a:endParaRPr lang="zh-TW" altLang="en-US"/>
+          </a:p>
+        </p:txBody>
+      </p:sp>
+    </p:spTree>
+    <p:extLst>
+      <p:ext uri="{BB962C8B-B14F-4D97-AF65-F5344CB8AC3E}">
+        <p14:creationId xmlns:p14="http://schemas.microsoft.com/office/powerpoint/2010/main" val="2788760127"/>
+      </p:ext>
+    </p:extLst>
+  </p:cSld>
+  <p:clrMapOvr>
+    <a:masterClrMapping/>
+  </p:clrMapOvr>
+</p:sldLayout>
+</file>
+
+<file path=ppt/slideLayouts/slideLayout11.xml><?xml version="1.0" encoding="utf-8"?>
+<p:sldLayout xmlns:a="http://schemas.openxmlformats.org/drawingml/2006/main" xmlns:r="http://schemas.openxmlformats.org/officeDocument/2006/relationships" xmlns:p="http://schemas.openxmlformats.org/presentationml/2006/main" preserve="1">
+  <p:cSld name="標題與輔助字幕">
+    <p:spTree>
+      <p:nvGrpSpPr>
+        <p:cNvPr id="1" name=""/>
+        <p:cNvGrpSpPr/>
+        <p:nvPr/>
+      </p:nvGrpSpPr>
+      <p:grpSpPr>
+        <a:xfrm>
+          <a:off x="0" y="0"/>
+          <a:ext cx="0" cy="0"/>
+          <a:chOff x="0" y="0"/>
+          <a:chExt cx="0" cy="0"/>
+        </a:xfrm>
+      </p:grpSpPr>
+      <p:pic>
+        <p:nvPicPr>
+          <p:cNvPr id="8" name="Picture 7" descr="Droplets-HD-Content-R1d.png"/>
+          <p:cNvPicPr>
+            <a:picLocks noChangeAspect="1"/>
+          </p:cNvPicPr>
+          <p:nvPr/>
+        </p:nvPicPr>
+        <p:blipFill>
+          <a:blip r:embed="rId2">
+            <a:extLst>
+              <a:ext uri="{28A0092B-C50C-407E-A947-70E740481C1C}">
+                <a14:useLocalDpi xmlns:a14="http://schemas.microsoft.com/office/drawing/2010/main" val="0"/>
+              </a:ext>
+            </a:extLst>
+          </a:blip>
+          <a:stretch>
+            <a:fillRect/>
+          </a:stretch>
+        </p:blipFill>
+        <p:spPr>
+          <a:xfrm>
+            <a:off x="0" y="0"/>
+            <a:ext cx="12192000" cy="6858000"/>
+          </a:xfrm>
+          <a:prstGeom prst="rect">
+            <a:avLst/>
+          </a:prstGeom>
+        </p:spPr>
+      </p:pic>
+      <p:sp>
+        <p:nvSpPr>
+          <p:cNvPr id="2" name="Title 1"/>
+          <p:cNvSpPr>
+            <a:spLocks noGrp="1"/>
+          </p:cNvSpPr>
+          <p:nvPr>
+            <p:ph type="title"/>
+          </p:nvPr>
+        </p:nvSpPr>
+        <p:spPr>
+          <a:xfrm>
+            <a:off x="913774" y="609599"/>
+            <a:ext cx="10364452" cy="3427245"/>
+          </a:xfrm>
+        </p:spPr>
+        <p:txBody>
+          <a:bodyPr anchor="ctr"/>
+          <a:lstStyle>
+            <a:lvl1pPr algn="ctr">
+              <a:defRPr sz="3200"/>
+            </a:lvl1pPr>
+          </a:lstStyle>
+          <a:p>
+            <a:r>
+              <a:rPr lang="zh-TW" altLang="en-US"/>
+              <a:t>按一下以編輯母片標題樣式</a:t>
+            </a:r>
+            <a:endParaRPr lang="en-US" dirty="0"/>
+          </a:p>
+        </p:txBody>
+      </p:sp>
+      <p:sp>
+        <p:nvSpPr>
+          <p:cNvPr id="4" name="Text Placeholder 3"/>
+          <p:cNvSpPr>
+            <a:spLocks noGrp="1"/>
+          </p:cNvSpPr>
+          <p:nvPr>
+            <p:ph type="body" sz="half" idx="2"/>
+          </p:nvPr>
+        </p:nvSpPr>
+        <p:spPr>
+          <a:xfrm>
+            <a:off x="913775" y="4204821"/>
+            <a:ext cx="10364452" cy="1586380"/>
+          </a:xfrm>
+        </p:spPr>
+        <p:txBody>
+          <a:bodyPr anchor="ctr"/>
+          <a:lstStyle>
+            <a:lvl1pPr marL="0" indent="0" algn="ctr">
+              <a:buNone/>
+              <a:defRPr sz="1600"/>
+            </a:lvl1pPr>
+            <a:lvl2pPr marL="457200" indent="0">
+              <a:buNone/>
+              <a:defRPr sz="1400"/>
+            </a:lvl2pPr>
+            <a:lvl3pPr marL="914400" indent="0">
+              <a:buNone/>
+              <a:defRPr sz="1200"/>
+            </a:lvl3pPr>
+            <a:lvl4pPr marL="1371600" indent="0">
+              <a:buNone/>
+              <a:defRPr sz="1000"/>
+            </a:lvl4pPr>
+            <a:lvl5pPr marL="1828800" indent="0">
+              <a:buNone/>
+              <a:defRPr sz="1000"/>
+            </a:lvl5pPr>
+            <a:lvl6pPr marL="2286000" indent="0">
+              <a:buNone/>
+              <a:defRPr sz="1000"/>
+            </a:lvl6pPr>
+            <a:lvl7pPr marL="2743200" indent="0">
+              <a:buNone/>
+              <a:defRPr sz="1000"/>
+            </a:lvl7pPr>
+            <a:lvl8pPr marL="3200400" indent="0">
+              <a:buNone/>
+              <a:defRPr sz="1000"/>
+            </a:lvl8pPr>
+            <a:lvl9pPr marL="3657600" indent="0">
+              <a:buNone/>
+              <a:defRPr sz="1000"/>
+            </a:lvl9pPr>
+          </a:lstStyle>
+          <a:p>
+            <a:pPr lvl="0"/>
+            <a:r>
+              <a:rPr lang="zh-TW" altLang="en-US"/>
+              <a:t>按一下以編輯母片文字樣式</a:t>
+            </a:r>
+          </a:p>
+        </p:txBody>
+      </p:sp>
+      <p:sp>
+        <p:nvSpPr>
+          <p:cNvPr id="5" name="Date Placeholder 4"/>
+          <p:cNvSpPr>
+            <a:spLocks noGrp="1"/>
+          </p:cNvSpPr>
+          <p:nvPr>
+            <p:ph type="dt" sz="half" idx="10"/>
+          </p:nvPr>
+        </p:nvSpPr>
+        <p:spPr/>
+        <p:txBody>
+          <a:bodyPr/>
+          <a:lstStyle/>
+          <a:p>
+            <a:fld id="{4B79CABA-914F-43AC-AE68-5F197FBCE171}" type="datetimeFigureOut">
+              <a:rPr lang="zh-TW" altLang="en-US" smtClean="0"/>
+              <a:t>2024/10/20</a:t>
+            </a:fld>
+            <a:endParaRPr lang="zh-TW" altLang="en-US"/>
+          </a:p>
+        </p:txBody>
+      </p:sp>
+      <p:sp>
+        <p:nvSpPr>
+          <p:cNvPr id="6" name="Footer Placeholder 5"/>
+          <p:cNvSpPr>
+            <a:spLocks noGrp="1"/>
+          </p:cNvSpPr>
+          <p:nvPr>
+            <p:ph type="ftr" sz="quarter" idx="11"/>
+          </p:nvPr>
+        </p:nvSpPr>
+        <p:spPr/>
+        <p:txBody>
+          <a:bodyPr/>
+          <a:lstStyle/>
+          <a:p>
+            <a:endParaRPr lang="zh-TW" altLang="en-US"/>
+          </a:p>
+        </p:txBody>
+      </p:sp>
+      <p:sp>
+        <p:nvSpPr>
+          <p:cNvPr id="7" name="Slide Number Placeholder 6"/>
+          <p:cNvSpPr>
+            <a:spLocks noGrp="1"/>
+          </p:cNvSpPr>
+          <p:nvPr>
+            <p:ph type="sldNum" sz="quarter" idx="12"/>
+          </p:nvPr>
+        </p:nvSpPr>
+        <p:spPr/>
+        <p:txBody>
+          <a:bodyPr/>
+          <a:lstStyle/>
+          <a:p>
+            <a:fld id="{C7B66E1F-E0F2-4CE0-80BB-B0CD885DF2C2}" type="slidenum">
+              <a:rPr lang="zh-TW" altLang="en-US" smtClean="0"/>
+              <a:t>‹#›</a:t>
+            </a:fld>
+            <a:endParaRPr lang="zh-TW" altLang="en-US"/>
+          </a:p>
+        </p:txBody>
+      </p:sp>
+    </p:spTree>
+    <p:extLst>
+      <p:ext uri="{BB962C8B-B14F-4D97-AF65-F5344CB8AC3E}">
+        <p14:creationId xmlns:p14="http://schemas.microsoft.com/office/powerpoint/2010/main" val="60788043"/>
+      </p:ext>
+    </p:extLst>
+  </p:cSld>
+  <p:clrMapOvr>
+    <a:masterClrMapping/>
+  </p:clrMapOvr>
+</p:sldLayout>
+</file>
+
+<file path=ppt/slideLayouts/slideLayout12.xml><?xml version="1.0" encoding="utf-8"?>
+<p:sldLayout xmlns:a="http://schemas.openxmlformats.org/drawingml/2006/main" xmlns:r="http://schemas.openxmlformats.org/officeDocument/2006/relationships" xmlns:p="http://schemas.openxmlformats.org/presentationml/2006/main" preserve="1">
+  <p:cSld name="引述 (含輔助字幕)">
+    <p:spTree>
+      <p:nvGrpSpPr>
+        <p:cNvPr id="1" name=""/>
+        <p:cNvGrpSpPr/>
+        <p:nvPr/>
+      </p:nvGrpSpPr>
+      <p:grpSpPr>
+        <a:xfrm>
+          <a:off x="0" y="0"/>
+          <a:ext cx="0" cy="0"/>
+          <a:chOff x="0" y="0"/>
+          <a:chExt cx="0" cy="0"/>
+        </a:xfrm>
+      </p:grpSpPr>
+      <p:pic>
+        <p:nvPicPr>
+          <p:cNvPr id="11" name="Picture 10" descr="Droplets-HD-Content-R1d.png"/>
+          <p:cNvPicPr>
+            <a:picLocks noChangeAspect="1"/>
+          </p:cNvPicPr>
+          <p:nvPr/>
+        </p:nvPicPr>
+        <p:blipFill>
+          <a:blip r:embed="rId2">
+            <a:extLst>
+              <a:ext uri="{28A0092B-C50C-407E-A947-70E740481C1C}">
+                <a14:useLocalDpi xmlns:a14="http://schemas.microsoft.com/office/drawing/2010/main" val="0"/>
+              </a:ext>
+            </a:extLst>
+          </a:blip>
+          <a:stretch>
+            <a:fillRect/>
+          </a:stretch>
+        </p:blipFill>
+        <p:spPr>
+          <a:xfrm>
+            <a:off x="0" y="0"/>
+            <a:ext cx="12192000" cy="6858000"/>
+          </a:xfrm>
+          <a:prstGeom prst="rect">
+            <a:avLst/>
+          </a:prstGeom>
+        </p:spPr>
+      </p:pic>
+      <p:sp>
+        <p:nvSpPr>
+          <p:cNvPr id="2" name="Title 1"/>
+          <p:cNvSpPr>
+            <a:spLocks noGrp="1"/>
+          </p:cNvSpPr>
+          <p:nvPr>
+            <p:ph type="title"/>
+          </p:nvPr>
+        </p:nvSpPr>
+        <p:spPr>
+          <a:xfrm>
+            <a:off x="1446212" y="609600"/>
+            <a:ext cx="9302752" cy="2992904"/>
+          </a:xfrm>
+        </p:spPr>
+        <p:txBody>
+          <a:bodyPr anchor="ctr"/>
+          <a:lstStyle>
+            <a:lvl1pPr>
+              <a:defRPr sz="3200"/>
+            </a:lvl1pPr>
+          </a:lstStyle>
+          <a:p>
+            <a:r>
+              <a:rPr lang="zh-TW" altLang="en-US"/>
+              <a:t>按一下以編輯母片標題樣式</a:t>
+            </a:r>
+            <a:endParaRPr lang="en-US" dirty="0"/>
+          </a:p>
+        </p:txBody>
+      </p:sp>
+      <p:sp>
+        <p:nvSpPr>
+          <p:cNvPr id="12" name="Text Placeholder 3"/>
+          <p:cNvSpPr>
+            <a:spLocks noGrp="1"/>
+          </p:cNvSpPr>
+          <p:nvPr>
+            <p:ph type="body" sz="half" idx="13"/>
+          </p:nvPr>
+        </p:nvSpPr>
+        <p:spPr>
+          <a:xfrm>
+            <a:off x="1720644" y="3610032"/>
+            <a:ext cx="8752299" cy="594788"/>
+          </a:xfrm>
+        </p:spPr>
+        <p:txBody>
+          <a:bodyPr anchor="t">
+            <a:normAutofit/>
+          </a:bodyPr>
+          <a:lstStyle>
+            <a:lvl1pPr marL="0" indent="0">
+              <a:buNone/>
+              <a:defRPr sz="1400"/>
+            </a:lvl1pPr>
+            <a:lvl2pPr marL="457200" indent="0">
+              <a:buNone/>
+              <a:defRPr sz="1400"/>
+            </a:lvl2pPr>
+            <a:lvl3pPr marL="914400" indent="0">
+              <a:buNone/>
+              <a:defRPr sz="1200"/>
+            </a:lvl3pPr>
+            <a:lvl4pPr marL="1371600" indent="0">
+              <a:buNone/>
+              <a:defRPr sz="1000"/>
+            </a:lvl4pPr>
+            <a:lvl5pPr marL="1828800" indent="0">
+              <a:buNone/>
+              <a:defRPr sz="1000"/>
+            </a:lvl5pPr>
+            <a:lvl6pPr marL="2286000" indent="0">
+              <a:buNone/>
+              <a:defRPr sz="1000"/>
+            </a:lvl6pPr>
+            <a:lvl7pPr marL="2743200" indent="0">
+              <a:buNone/>
+              <a:defRPr sz="1000"/>
+            </a:lvl7pPr>
+            <a:lvl8pPr marL="3200400" indent="0">
+              <a:buNone/>
+              <a:defRPr sz="1000"/>
+            </a:lvl8pPr>
+            <a:lvl9pPr marL="3657600" indent="0">
+              <a:buNone/>
+              <a:defRPr sz="1000"/>
+            </a:lvl9pPr>
+          </a:lstStyle>
+          <a:p>
+            <a:pPr lvl="0"/>
+            <a:r>
+              <a:rPr lang="zh-TW" altLang="en-US"/>
+              <a:t>按一下以編輯母片文字樣式</a:t>
+            </a:r>
+          </a:p>
+        </p:txBody>
+      </p:sp>
+      <p:sp>
+        <p:nvSpPr>
+          <p:cNvPr id="4" name="Text Placeholder 3"/>
+          <p:cNvSpPr>
+            <a:spLocks noGrp="1"/>
+          </p:cNvSpPr>
+          <p:nvPr>
+            <p:ph type="body" sz="half" idx="2"/>
+          </p:nvPr>
+        </p:nvSpPr>
+        <p:spPr>
+          <a:xfrm>
+            <a:off x="913774" y="4372796"/>
+            <a:ext cx="10364452" cy="1421053"/>
+          </a:xfrm>
+        </p:spPr>
+        <p:txBody>
+          <a:bodyPr anchor="ctr">
+            <a:normAutofit/>
+          </a:bodyPr>
+          <a:lstStyle>
+            <a:lvl1pPr marL="0" indent="0" algn="ctr">
+              <a:buNone/>
+              <a:defRPr sz="1600"/>
+            </a:lvl1pPr>
+            <a:lvl2pPr marL="457200" indent="0">
+              <a:buNone/>
+              <a:defRPr sz="1400"/>
+            </a:lvl2pPr>
+            <a:lvl3pPr marL="914400" indent="0">
+              <a:buNone/>
+              <a:defRPr sz="1200"/>
+            </a:lvl3pPr>
+            <a:lvl4pPr marL="1371600" indent="0">
+              <a:buNone/>
+              <a:defRPr sz="1000"/>
+            </a:lvl4pPr>
+            <a:lvl5pPr marL="1828800" indent="0">
+              <a:buNone/>
+              <a:defRPr sz="1000"/>
+            </a:lvl5pPr>
+            <a:lvl6pPr marL="2286000" indent="0">
+              <a:buNone/>
+              <a:defRPr sz="1000"/>
+            </a:lvl6pPr>
+            <a:lvl7pPr marL="2743200" indent="0">
+              <a:buNone/>
+              <a:defRPr sz="1000"/>
+            </a:lvl7pPr>
+            <a:lvl8pPr marL="3200400" indent="0">
+              <a:buNone/>
+              <a:defRPr sz="1000"/>
+            </a:lvl8pPr>
+            <a:lvl9pPr marL="3657600" indent="0">
+              <a:buNone/>
+              <a:defRPr sz="1000"/>
+            </a:lvl9pPr>
+          </a:lstStyle>
+          <a:p>
+            <a:pPr lvl="0"/>
+            <a:r>
+              <a:rPr lang="zh-TW" altLang="en-US"/>
+              <a:t>按一下以編輯母片文字樣式</a:t>
+            </a:r>
+          </a:p>
+        </p:txBody>
+      </p:sp>
+      <p:sp>
+        <p:nvSpPr>
+          <p:cNvPr id="5" name="Date Placeholder 4"/>
+          <p:cNvSpPr>
+            <a:spLocks noGrp="1"/>
+          </p:cNvSpPr>
+          <p:nvPr>
+            <p:ph type="dt" sz="half" idx="10"/>
+          </p:nvPr>
+        </p:nvSpPr>
+        <p:spPr/>
+        <p:txBody>
+          <a:bodyPr/>
+          <a:lstStyle/>
+          <a:p>
+            <a:fld id="{4B79CABA-914F-43AC-AE68-5F197FBCE171}" type="datetimeFigureOut">
+              <a:rPr lang="zh-TW" altLang="en-US" smtClean="0"/>
+              <a:t>2024/10/20</a:t>
+            </a:fld>
+            <a:endParaRPr lang="zh-TW" altLang="en-US"/>
+          </a:p>
+        </p:txBody>
+      </p:sp>
+      <p:sp>
+        <p:nvSpPr>
+          <p:cNvPr id="6" name="Footer Placeholder 5"/>
+          <p:cNvSpPr>
+            <a:spLocks noGrp="1"/>
+          </p:cNvSpPr>
+          <p:nvPr>
+            <p:ph type="ftr" sz="quarter" idx="11"/>
+          </p:nvPr>
+        </p:nvSpPr>
+        <p:spPr/>
+        <p:txBody>
+          <a:bodyPr/>
+          <a:lstStyle/>
+          <a:p>
+            <a:endParaRPr lang="zh-TW" altLang="en-US"/>
+          </a:p>
+        </p:txBody>
+      </p:sp>
+      <p:sp>
+        <p:nvSpPr>
+          <p:cNvPr id="7" name="Slide Number Placeholder 6"/>
+          <p:cNvSpPr>
+            <a:spLocks noGrp="1"/>
+          </p:cNvSpPr>
+          <p:nvPr>
+            <p:ph type="sldNum" sz="quarter" idx="12"/>
+          </p:nvPr>
+        </p:nvSpPr>
+        <p:spPr/>
+        <p:txBody>
+          <a:bodyPr/>
+          <a:lstStyle/>
+          <a:p>
+            <a:fld id="{C7B66E1F-E0F2-4CE0-80BB-B0CD885DF2C2}" type="slidenum">
+              <a:rPr lang="zh-TW" altLang="en-US" smtClean="0"/>
+              <a:t>‹#›</a:t>
+            </a:fld>
+            <a:endParaRPr lang="zh-TW" altLang="en-US"/>
+          </a:p>
+        </p:txBody>
+      </p:sp>
+      <p:sp>
+        <p:nvSpPr>
+          <p:cNvPr id="13" name="TextBox 12"/>
+          <p:cNvSpPr txBox="1"/>
+          <p:nvPr/>
+        </p:nvSpPr>
+        <p:spPr>
+          <a:xfrm>
+            <a:off x="1001488" y="754166"/>
+            <a:ext cx="609600" cy="584776"/>
+          </a:xfrm>
+          <a:prstGeom prst="rect">
+            <a:avLst/>
+          </a:prstGeom>
+        </p:spPr>
+        <p:txBody>
+          <a:bodyPr vert="horz" lIns="91440" tIns="45720" rIns="91440" bIns="45720" rtlCol="0" anchor="ctr">
+            <a:noAutofit/>
+          </a:bodyPr>
+          <a:lstStyle>
+            <a:lvl1pPr>
+              <a:spcBef>
+                <a:spcPct val="0"/>
+              </a:spcBef>
+              <a:buNone/>
+              <a:defRPr sz="3200" b="0" cap="all">
+                <a:ln w="3175" cmpd="sng">
+                  <a:noFill/>
+                </a:ln>
+                <a:effectLst>
+                  <a:glow rad="38100">
+                    <a:schemeClr val="bg1">
+                      <a:lumMod val="65000"/>
+                      <a:lumOff val="35000"/>
+                      <a:alpha val="40000"/>
+                    </a:schemeClr>
+                  </a:glow>
+                  <a:outerShdw blurRad="28575" dist="38100" dir="14040000" algn="tl" rotWithShape="0">
+                    <a:srgbClr val="000000">
+                      <a:alpha val="25000"/>
+                    </a:srgbClr>
+                  </a:outerShdw>
+                </a:effectLst>
+              </a:defRPr>
+            </a:lvl1pPr>
+            <a:lvl2pPr>
+              <a:defRPr>
+                <a:solidFill>
+                  <a:schemeClr val="tx2"/>
+                </a:solidFill>
+              </a:defRPr>
+            </a:lvl2pPr>
+            <a:lvl3pPr>
+              <a:defRPr>
+                <a:solidFill>
+                  <a:schemeClr val="tx2"/>
+                </a:solidFill>
+              </a:defRPr>
+            </a:lvl3pPr>
+            <a:lvl4pPr>
+              <a:defRPr>
+                <a:solidFill>
+                  <a:schemeClr val="tx2"/>
+                </a:solidFill>
+              </a:defRPr>
+            </a:lvl4pPr>
+            <a:lvl5pPr>
+              <a:defRPr>
+                <a:solidFill>
+                  <a:schemeClr val="tx2"/>
+                </a:solidFill>
+              </a:defRPr>
+            </a:lvl5pPr>
+            <a:lvl6pPr>
+              <a:defRPr>
+                <a:solidFill>
+                  <a:schemeClr val="tx2"/>
+                </a:solidFill>
+              </a:defRPr>
+            </a:lvl6pPr>
+            <a:lvl7pPr>
+              <a:defRPr>
+                <a:solidFill>
+                  <a:schemeClr val="tx2"/>
+                </a:solidFill>
+              </a:defRPr>
+            </a:lvl7pPr>
+            <a:lvl8pPr>
+              <a:defRPr>
+                <a:solidFill>
+                  <a:schemeClr val="tx2"/>
+                </a:solidFill>
+              </a:defRPr>
+            </a:lvl8pPr>
+            <a:lvl9pPr>
+              <a:defRPr>
+                <a:solidFill>
+                  <a:schemeClr val="tx2"/>
+                </a:solidFill>
+              </a:defRPr>
+            </a:lvl9pPr>
+          </a:lstStyle>
+          <a:p>
+            <a:pPr lvl="0"/>
+            <a:r>
+              <a:rPr lang="en-US" sz="8000" dirty="0">
+                <a:solidFill>
+                  <a:schemeClr val="tx1"/>
+                </a:solidFill>
+                <a:effectLst/>
+              </a:rPr>
+              <a:t>“</a:t>
+            </a:r>
+          </a:p>
+        </p:txBody>
+      </p:sp>
+      <p:sp>
+        <p:nvSpPr>
+          <p:cNvPr id="14" name="TextBox 13"/>
+          <p:cNvSpPr txBox="1"/>
+          <p:nvPr/>
+        </p:nvSpPr>
+        <p:spPr>
+          <a:xfrm>
+            <a:off x="10557558" y="2993578"/>
+            <a:ext cx="609600" cy="584776"/>
+          </a:xfrm>
+          <a:prstGeom prst="rect">
+            <a:avLst/>
+          </a:prstGeom>
+        </p:spPr>
+        <p:txBody>
+          <a:bodyPr vert="horz" lIns="91440" tIns="45720" rIns="91440" bIns="45720" rtlCol="0" anchor="ctr">
+            <a:noAutofit/>
+          </a:bodyPr>
+          <a:lstStyle>
+            <a:lvl1pPr>
+              <a:spcBef>
+                <a:spcPct val="0"/>
+              </a:spcBef>
+              <a:buNone/>
+              <a:defRPr sz="3200" b="0" cap="all">
+                <a:ln w="3175" cmpd="sng">
+                  <a:noFill/>
+                </a:ln>
+                <a:effectLst>
+                  <a:glow rad="38100">
+                    <a:schemeClr val="bg1">
+                      <a:lumMod val="65000"/>
+                      <a:lumOff val="35000"/>
+                      <a:alpha val="40000"/>
+                    </a:schemeClr>
+                  </a:glow>
+                  <a:outerShdw blurRad="28575" dist="38100" dir="14040000" algn="tl" rotWithShape="0">
+                    <a:srgbClr val="000000">
+                      <a:alpha val="25000"/>
+                    </a:srgbClr>
+                  </a:outerShdw>
+                </a:effectLst>
+              </a:defRPr>
+            </a:lvl1pPr>
+            <a:lvl2pPr>
+              <a:defRPr>
+                <a:solidFill>
+                  <a:schemeClr val="tx2"/>
+                </a:solidFill>
+              </a:defRPr>
+            </a:lvl2pPr>
+            <a:lvl3pPr>
+              <a:defRPr>
+                <a:solidFill>
+                  <a:schemeClr val="tx2"/>
+                </a:solidFill>
+              </a:defRPr>
+            </a:lvl3pPr>
+            <a:lvl4pPr>
+              <a:defRPr>
+                <a:solidFill>
+                  <a:schemeClr val="tx2"/>
+                </a:solidFill>
+              </a:defRPr>
+            </a:lvl4pPr>
+            <a:lvl5pPr>
+              <a:defRPr>
+                <a:solidFill>
+                  <a:schemeClr val="tx2"/>
+                </a:solidFill>
+              </a:defRPr>
+            </a:lvl5pPr>
+            <a:lvl6pPr>
+              <a:defRPr>
+                <a:solidFill>
+                  <a:schemeClr val="tx2"/>
+                </a:solidFill>
+              </a:defRPr>
+            </a:lvl6pPr>
+            <a:lvl7pPr>
+              <a:defRPr>
+                <a:solidFill>
+                  <a:schemeClr val="tx2"/>
+                </a:solidFill>
+              </a:defRPr>
+            </a:lvl7pPr>
+            <a:lvl8pPr>
+              <a:defRPr>
+                <a:solidFill>
+                  <a:schemeClr val="tx2"/>
+                </a:solidFill>
+              </a:defRPr>
+            </a:lvl8pPr>
+            <a:lvl9pPr>
+              <a:defRPr>
+                <a:solidFill>
+                  <a:schemeClr val="tx2"/>
+                </a:solidFill>
+              </a:defRPr>
+            </a:lvl9pPr>
+          </a:lstStyle>
+          <a:p>
+            <a:pPr lvl="0" algn="r"/>
+            <a:r>
+              <a:rPr lang="en-US" sz="8000" dirty="0">
+                <a:solidFill>
+                  <a:schemeClr val="tx1"/>
+                </a:solidFill>
+                <a:effectLst/>
+              </a:rPr>
+              <a:t>”</a:t>
+            </a:r>
+          </a:p>
+        </p:txBody>
+      </p:sp>
+    </p:spTree>
+    <p:extLst>
+      <p:ext uri="{BB962C8B-B14F-4D97-AF65-F5344CB8AC3E}">
+        <p14:creationId xmlns:p14="http://schemas.microsoft.com/office/powerpoint/2010/main" val="976965512"/>
+      </p:ext>
+    </p:extLst>
+  </p:cSld>
+  <p:clrMapOvr>
+    <a:masterClrMapping/>
+  </p:clrMapOvr>
+</p:sldLayout>
+</file>
+
+<file path=ppt/slideLayouts/slideLayout13.xml><?xml version="1.0" encoding="utf-8"?>
+<p:sldLayout xmlns:a="http://schemas.openxmlformats.org/drawingml/2006/main" xmlns:r="http://schemas.openxmlformats.org/officeDocument/2006/relationships" xmlns:p="http://schemas.openxmlformats.org/presentationml/2006/main" preserve="1">
+  <p:cSld name="名片">
+    <p:spTree>
+      <p:nvGrpSpPr>
+        <p:cNvPr id="1" name=""/>
+        <p:cNvGrpSpPr/>
+        <p:nvPr/>
+      </p:nvGrpSpPr>
+      <p:grpSpPr>
+        <a:xfrm>
+          <a:off x="0" y="0"/>
+          <a:ext cx="0" cy="0"/>
+          <a:chOff x="0" y="0"/>
+          <a:chExt cx="0" cy="0"/>
+        </a:xfrm>
+      </p:grpSpPr>
+      <p:pic>
+        <p:nvPicPr>
+          <p:cNvPr id="8" name="Picture 7" descr="Droplets-HD-Content-R1d.png"/>
+          <p:cNvPicPr>
+            <a:picLocks noChangeAspect="1"/>
+          </p:cNvPicPr>
+          <p:nvPr/>
+        </p:nvPicPr>
+        <p:blipFill>
+          <a:blip r:embed="rId2">
+            <a:extLst>
+              <a:ext uri="{28A0092B-C50C-407E-A947-70E740481C1C}">
+                <a14:useLocalDpi xmlns:a14="http://schemas.microsoft.com/office/drawing/2010/main" val="0"/>
+              </a:ext>
+            </a:extLst>
+          </a:blip>
+          <a:stretch>
+            <a:fillRect/>
+          </a:stretch>
+        </p:blipFill>
+        <p:spPr>
+          <a:xfrm>
+            <a:off x="0" y="0"/>
+            <a:ext cx="12192000" cy="6858000"/>
+          </a:xfrm>
+          <a:prstGeom prst="rect">
+            <a:avLst/>
+          </a:prstGeom>
+        </p:spPr>
+      </p:pic>
+      <p:sp>
+        <p:nvSpPr>
+          <p:cNvPr id="2" name="Title 1"/>
+          <p:cNvSpPr>
+            <a:spLocks noGrp="1"/>
+          </p:cNvSpPr>
+          <p:nvPr>
+            <p:ph type="title"/>
+          </p:nvPr>
+        </p:nvSpPr>
+        <p:spPr>
+          <a:xfrm>
+            <a:off x="913775" y="2138721"/>
+            <a:ext cx="10364452" cy="2511835"/>
+          </a:xfrm>
+        </p:spPr>
+        <p:txBody>
+          <a:bodyPr anchor="b"/>
+          <a:lstStyle>
+            <a:lvl1pPr algn="ctr">
+              <a:defRPr sz="3200"/>
+            </a:lvl1pPr>
+          </a:lstStyle>
+          <a:p>
+            <a:r>
+              <a:rPr lang="zh-TW" altLang="en-US"/>
+              <a:t>按一下以編輯母片標題樣式</a:t>
+            </a:r>
+            <a:endParaRPr lang="en-US" dirty="0"/>
+          </a:p>
+        </p:txBody>
+      </p:sp>
+      <p:sp>
+        <p:nvSpPr>
+          <p:cNvPr id="4" name="Text Placeholder 3"/>
+          <p:cNvSpPr>
+            <a:spLocks noGrp="1"/>
+          </p:cNvSpPr>
+          <p:nvPr>
+            <p:ph type="body" sz="half" idx="2"/>
+          </p:nvPr>
+        </p:nvSpPr>
+        <p:spPr>
+          <a:xfrm>
+            <a:off x="913775" y="4662335"/>
+            <a:ext cx="10364452" cy="1140644"/>
+          </a:xfrm>
+        </p:spPr>
+        <p:txBody>
+          <a:bodyPr anchor="t"/>
+          <a:lstStyle>
+            <a:lvl1pPr marL="0" indent="0" algn="ctr">
+              <a:buNone/>
+              <a:defRPr sz="1600"/>
+            </a:lvl1pPr>
+            <a:lvl2pPr marL="457200" indent="0">
+              <a:buNone/>
+              <a:defRPr sz="1400"/>
+            </a:lvl2pPr>
+            <a:lvl3pPr marL="914400" indent="0">
+              <a:buNone/>
+              <a:defRPr sz="1200"/>
+            </a:lvl3pPr>
+            <a:lvl4pPr marL="1371600" indent="0">
+              <a:buNone/>
+              <a:defRPr sz="1000"/>
+            </a:lvl4pPr>
+            <a:lvl5pPr marL="1828800" indent="0">
+              <a:buNone/>
+              <a:defRPr sz="1000"/>
+            </a:lvl5pPr>
+            <a:lvl6pPr marL="2286000" indent="0">
+              <a:buNone/>
+              <a:defRPr sz="1000"/>
+            </a:lvl6pPr>
+            <a:lvl7pPr marL="2743200" indent="0">
+              <a:buNone/>
+              <a:defRPr sz="1000"/>
+            </a:lvl7pPr>
+            <a:lvl8pPr marL="3200400" indent="0">
+              <a:buNone/>
+              <a:defRPr sz="1000"/>
+            </a:lvl8pPr>
+            <a:lvl9pPr marL="3657600" indent="0">
+              <a:buNone/>
+              <a:defRPr sz="1000"/>
+            </a:lvl9pPr>
+          </a:lstStyle>
+          <a:p>
+            <a:pPr lvl="0"/>
+            <a:r>
+              <a:rPr lang="zh-TW" altLang="en-US"/>
+              <a:t>按一下以編輯母片文字樣式</a:t>
+            </a:r>
+          </a:p>
+        </p:txBody>
+      </p:sp>
+      <p:sp>
+        <p:nvSpPr>
+          <p:cNvPr id="5" name="Date Placeholder 4"/>
+          <p:cNvSpPr>
+            <a:spLocks noGrp="1"/>
+          </p:cNvSpPr>
+          <p:nvPr>
+            <p:ph type="dt" sz="half" idx="10"/>
+          </p:nvPr>
+        </p:nvSpPr>
+        <p:spPr/>
+        <p:txBody>
+          <a:bodyPr/>
+          <a:lstStyle/>
+          <a:p>
+            <a:fld id="{4B79CABA-914F-43AC-AE68-5F197FBCE171}" type="datetimeFigureOut">
+              <a:rPr lang="zh-TW" altLang="en-US" smtClean="0"/>
+              <a:t>2024/10/20</a:t>
+            </a:fld>
+            <a:endParaRPr lang="zh-TW" altLang="en-US"/>
+          </a:p>
+        </p:txBody>
+      </p:sp>
+      <p:sp>
+        <p:nvSpPr>
+          <p:cNvPr id="6" name="Footer Placeholder 5"/>
+          <p:cNvSpPr>
+            <a:spLocks noGrp="1"/>
+          </p:cNvSpPr>
+          <p:nvPr>
+            <p:ph type="ftr" sz="quarter" idx="11"/>
+          </p:nvPr>
+        </p:nvSpPr>
+        <p:spPr/>
+        <p:txBody>
+          <a:bodyPr/>
+          <a:lstStyle/>
+          <a:p>
+            <a:endParaRPr lang="zh-TW" altLang="en-US"/>
+          </a:p>
+        </p:txBody>
+      </p:sp>
+      <p:sp>
+        <p:nvSpPr>
+          <p:cNvPr id="7" name="Slide Number Placeholder 6"/>
+          <p:cNvSpPr>
+            <a:spLocks noGrp="1"/>
+          </p:cNvSpPr>
+          <p:nvPr>
+            <p:ph type="sldNum" sz="quarter" idx="12"/>
+          </p:nvPr>
+        </p:nvSpPr>
+        <p:spPr/>
+        <p:txBody>
+          <a:bodyPr/>
+          <a:lstStyle/>
+          <a:p>
+            <a:fld id="{C7B66E1F-E0F2-4CE0-80BB-B0CD885DF2C2}" type="slidenum">
+              <a:rPr lang="zh-TW" altLang="en-US" smtClean="0"/>
+              <a:t>‹#›</a:t>
+            </a:fld>
+            <a:endParaRPr lang="zh-TW" altLang="en-US"/>
+          </a:p>
+        </p:txBody>
+      </p:sp>
+    </p:spTree>
+    <p:extLst>
+      <p:ext uri="{BB962C8B-B14F-4D97-AF65-F5344CB8AC3E}">
+        <p14:creationId xmlns:p14="http://schemas.microsoft.com/office/powerpoint/2010/main" val="1633503337"/>
+      </p:ext>
+    </p:extLst>
+  </p:cSld>
+  <p:clrMapOvr>
+    <a:masterClrMapping/>
+  </p:clrMapOvr>
+</p:sldLayout>
+</file>
+
+<file path=ppt/slideLayouts/slideLayout14.xml><?xml version="1.0" encoding="utf-8"?>
+<p:sldLayout xmlns:a="http://schemas.openxmlformats.org/drawingml/2006/main" xmlns:r="http://schemas.openxmlformats.org/officeDocument/2006/relationships" xmlns:p="http://schemas.openxmlformats.org/presentationml/2006/main" preserve="1">
+  <p:cSld name="3 欄">
+    <p:spTree>
+      <p:nvGrpSpPr>
+        <p:cNvPr id="1" name=""/>
+        <p:cNvGrpSpPr/>
+        <p:nvPr/>
+      </p:nvGrpSpPr>
+      <p:grpSpPr>
+        <a:xfrm>
+          <a:off x="0" y="0"/>
+          <a:ext cx="0" cy="0"/>
+          <a:chOff x="0" y="0"/>
+          <a:chExt cx="0" cy="0"/>
+        </a:xfrm>
+      </p:grpSpPr>
+      <p:pic>
+        <p:nvPicPr>
+          <p:cNvPr id="13" name="Picture 12" descr="Droplets-HD-Content-R1d.png"/>
+          <p:cNvPicPr>
+            <a:picLocks noChangeAspect="1"/>
+          </p:cNvPicPr>
+          <p:nvPr/>
+        </p:nvPicPr>
+        <p:blipFill>
+          <a:blip r:embed="rId2">
+            <a:extLst>
+              <a:ext uri="{28A0092B-C50C-407E-A947-70E740481C1C}">
+                <a14:useLocalDpi xmlns:a14="http://schemas.microsoft.com/office/drawing/2010/main" val="0"/>
+              </a:ext>
+            </a:extLst>
+          </a:blip>
+          <a:stretch>
+            <a:fillRect/>
+          </a:stretch>
+        </p:blipFill>
+        <p:spPr>
+          <a:xfrm>
+            <a:off x="0" y="0"/>
+            <a:ext cx="12192000" cy="6858000"/>
+          </a:xfrm>
+          <a:prstGeom prst="rect">
+            <a:avLst/>
+          </a:prstGeom>
+        </p:spPr>
+      </p:pic>
+      <p:sp>
+        <p:nvSpPr>
+          <p:cNvPr id="15" name="Title 1"/>
+          <p:cNvSpPr>
+            <a:spLocks noGrp="1"/>
+          </p:cNvSpPr>
+          <p:nvPr>
+            <p:ph type="title"/>
+          </p:nvPr>
+        </p:nvSpPr>
+        <p:spPr>
+          <a:xfrm>
+            <a:off x="913774" y="609600"/>
+            <a:ext cx="10364452" cy="1605094"/>
+          </a:xfrm>
+        </p:spPr>
+        <p:txBody>
+          <a:bodyPr/>
+          <a:lstStyle/>
+          <a:p>
+            <a:r>
+              <a:rPr lang="zh-TW" altLang="en-US"/>
+              <a:t>按一下以編輯母片標題樣式</a:t>
+            </a:r>
+            <a:endParaRPr lang="en-US" dirty="0"/>
+          </a:p>
+        </p:txBody>
+      </p:sp>
+      <p:sp>
+        <p:nvSpPr>
+          <p:cNvPr id="7" name="Text Placeholder 2"/>
+          <p:cNvSpPr>
+            <a:spLocks noGrp="1"/>
+          </p:cNvSpPr>
+          <p:nvPr>
+            <p:ph type="body" idx="1"/>
+          </p:nvPr>
+        </p:nvSpPr>
+        <p:spPr>
+          <a:xfrm>
+            <a:off x="913774" y="2367093"/>
+            <a:ext cx="3298976" cy="576262"/>
+          </a:xfrm>
+        </p:spPr>
+        <p:txBody>
+          <a:bodyPr anchor="b">
+            <a:noAutofit/>
+          </a:bodyPr>
+          <a:lstStyle>
+            <a:lvl1pPr marL="0" indent="0" algn="ctr">
+              <a:lnSpc>
+                <a:spcPct val="85000"/>
+              </a:lnSpc>
+              <a:buNone/>
+              <a:defRPr sz="2400" b="0">
+                <a:solidFill>
+                  <a:schemeClr val="tx1"/>
+                </a:solidFill>
+              </a:defRPr>
+            </a:lvl1pPr>
+            <a:lvl2pPr marL="457200" indent="0">
+              <a:buNone/>
+              <a:defRPr sz="2000" b="1"/>
+            </a:lvl2pPr>
+            <a:lvl3pPr marL="914400" indent="0">
+              <a:buNone/>
+              <a:defRPr sz="1800" b="1"/>
+            </a:lvl3pPr>
+            <a:lvl4pPr marL="1371600" indent="0">
+              <a:buNone/>
+              <a:defRPr sz="1600" b="1"/>
+            </a:lvl4pPr>
+            <a:lvl5pPr marL="1828800" indent="0">
+              <a:buNone/>
+              <a:defRPr sz="1600" b="1"/>
+            </a:lvl5pPr>
+            <a:lvl6pPr marL="2286000" indent="0">
+              <a:buNone/>
+              <a:defRPr sz="1600" b="1"/>
+            </a:lvl6pPr>
+            <a:lvl7pPr marL="2743200" indent="0">
+              <a:buNone/>
+              <a:defRPr sz="1600" b="1"/>
+            </a:lvl7pPr>
+            <a:lvl8pPr marL="3200400" indent="0">
+              <a:buNone/>
+              <a:defRPr sz="1600" b="1"/>
+            </a:lvl8pPr>
+            <a:lvl9pPr marL="3657600" indent="0">
+              <a:buNone/>
+              <a:defRPr sz="1600" b="1"/>
+            </a:lvl9pPr>
+          </a:lstStyle>
+          <a:p>
+            <a:pPr lvl="0"/>
+            <a:r>
+              <a:rPr lang="zh-TW" altLang="en-US"/>
+              <a:t>按一下以編輯母片文字樣式</a:t>
+            </a:r>
+          </a:p>
+        </p:txBody>
+      </p:sp>
+      <p:sp>
+        <p:nvSpPr>
+          <p:cNvPr id="8" name="Text Placeholder 3"/>
+          <p:cNvSpPr>
+            <a:spLocks noGrp="1"/>
+          </p:cNvSpPr>
+          <p:nvPr>
+            <p:ph type="body" sz="half" idx="15"/>
+          </p:nvPr>
+        </p:nvSpPr>
+        <p:spPr>
+          <a:xfrm>
+            <a:off x="913774" y="2943355"/>
+            <a:ext cx="3298976" cy="2847845"/>
+          </a:xfrm>
+        </p:spPr>
+        <p:txBody>
+          <a:bodyPr anchor="t">
+            <a:normAutofit/>
+          </a:bodyPr>
+          <a:lstStyle>
+            <a:lvl1pPr marL="0" indent="0" algn="ctr">
+              <a:buNone/>
+              <a:defRPr sz="1400"/>
+            </a:lvl1pPr>
+            <a:lvl2pPr marL="457200" indent="0">
+              <a:buNone/>
+              <a:defRPr sz="1200"/>
+            </a:lvl2pPr>
+            <a:lvl3pPr marL="914400" indent="0">
+              <a:buNone/>
+              <a:defRPr sz="1000"/>
+            </a:lvl3pPr>
+            <a:lvl4pPr marL="1371600" indent="0">
+              <a:buNone/>
+              <a:defRPr sz="900"/>
+            </a:lvl4pPr>
+            <a:lvl5pPr marL="1828800" indent="0">
+              <a:buNone/>
+              <a:defRPr sz="900"/>
+            </a:lvl5pPr>
+            <a:lvl6pPr marL="2286000" indent="0">
+              <a:buNone/>
+              <a:defRPr sz="900"/>
+            </a:lvl6pPr>
+            <a:lvl7pPr marL="2743200" indent="0">
+              <a:buNone/>
+              <a:defRPr sz="900"/>
+            </a:lvl7pPr>
+            <a:lvl8pPr marL="3200400" indent="0">
+              <a:buNone/>
+              <a:defRPr sz="900"/>
+            </a:lvl8pPr>
+            <a:lvl9pPr marL="3657600" indent="0">
+              <a:buNone/>
+              <a:defRPr sz="900"/>
+            </a:lvl9pPr>
+          </a:lstStyle>
+          <a:p>
+            <a:pPr lvl="0"/>
+            <a:r>
+              <a:rPr lang="zh-TW" altLang="en-US"/>
+              <a:t>按一下以編輯母片文字樣式</a:t>
+            </a:r>
+          </a:p>
+        </p:txBody>
+      </p:sp>
+      <p:sp>
+        <p:nvSpPr>
+          <p:cNvPr id="9" name="Text Placeholder 4"/>
+          <p:cNvSpPr>
+            <a:spLocks noGrp="1"/>
+          </p:cNvSpPr>
+          <p:nvPr>
+            <p:ph type="body" sz="quarter" idx="3"/>
+          </p:nvPr>
+        </p:nvSpPr>
+        <p:spPr>
+          <a:xfrm>
+            <a:off x="4452389" y="2367093"/>
+            <a:ext cx="3291521" cy="576262"/>
+          </a:xfrm>
+        </p:spPr>
+        <p:txBody>
+          <a:bodyPr anchor="b">
+            <a:noAutofit/>
+          </a:bodyPr>
+          <a:lstStyle>
+            <a:lvl1pPr marL="0" indent="0" algn="ctr">
+              <a:lnSpc>
+                <a:spcPct val="85000"/>
+              </a:lnSpc>
+              <a:buNone/>
+              <a:defRPr sz="2400" b="0">
+                <a:solidFill>
+                  <a:schemeClr val="tx1"/>
+                </a:solidFill>
+              </a:defRPr>
+            </a:lvl1pPr>
+            <a:lvl2pPr marL="457200" indent="0">
+              <a:buNone/>
+              <a:defRPr sz="2000" b="1"/>
+            </a:lvl2pPr>
+            <a:lvl3pPr marL="914400" indent="0">
+              <a:buNone/>
+              <a:defRPr sz="1800" b="1"/>
+            </a:lvl3pPr>
+            <a:lvl4pPr marL="1371600" indent="0">
+              <a:buNone/>
+              <a:defRPr sz="1600" b="1"/>
+            </a:lvl4pPr>
+            <a:lvl5pPr marL="1828800" indent="0">
+              <a:buNone/>
+              <a:defRPr sz="1600" b="1"/>
+            </a:lvl5pPr>
+            <a:lvl6pPr marL="2286000" indent="0">
+              <a:buNone/>
+              <a:defRPr sz="1600" b="1"/>
+            </a:lvl6pPr>
+            <a:lvl7pPr marL="2743200" indent="0">
+              <a:buNone/>
+              <a:defRPr sz="1600" b="1"/>
+            </a:lvl7pPr>
+            <a:lvl8pPr marL="3200400" indent="0">
+              <a:buNone/>
+              <a:defRPr sz="1600" b="1"/>
+            </a:lvl8pPr>
+            <a:lvl9pPr marL="3657600" indent="0">
+              <a:buNone/>
+              <a:defRPr sz="1600" b="1"/>
+            </a:lvl9pPr>
+          </a:lstStyle>
+          <a:p>
+            <a:pPr lvl="0"/>
+            <a:r>
+              <a:rPr lang="zh-TW" altLang="en-US"/>
+              <a:t>按一下以編輯母片文字樣式</a:t>
+            </a:r>
+          </a:p>
+        </p:txBody>
+      </p:sp>
+      <p:sp>
+        <p:nvSpPr>
+          <p:cNvPr id="10" name="Text Placeholder 3"/>
+          <p:cNvSpPr>
+            <a:spLocks noGrp="1"/>
+          </p:cNvSpPr>
+          <p:nvPr>
+            <p:ph type="body" sz="half" idx="16"/>
+          </p:nvPr>
+        </p:nvSpPr>
+        <p:spPr>
+          <a:xfrm>
+            <a:off x="4441348" y="2943355"/>
+            <a:ext cx="3303351" cy="2847845"/>
+          </a:xfrm>
+        </p:spPr>
+        <p:txBody>
+          <a:bodyPr anchor="t">
+            <a:normAutofit/>
+          </a:bodyPr>
+          <a:lstStyle>
+            <a:lvl1pPr marL="0" indent="0" algn="ctr">
+              <a:buNone/>
+              <a:defRPr sz="1400"/>
+            </a:lvl1pPr>
+            <a:lvl2pPr marL="457200" indent="0">
+              <a:buNone/>
+              <a:defRPr sz="1200"/>
+            </a:lvl2pPr>
+            <a:lvl3pPr marL="914400" indent="0">
+              <a:buNone/>
+              <a:defRPr sz="1000"/>
+            </a:lvl3pPr>
+            <a:lvl4pPr marL="1371600" indent="0">
+              <a:buNone/>
+              <a:defRPr sz="900"/>
+            </a:lvl4pPr>
+            <a:lvl5pPr marL="1828800" indent="0">
+              <a:buNone/>
+              <a:defRPr sz="900"/>
+            </a:lvl5pPr>
+            <a:lvl6pPr marL="2286000" indent="0">
+              <a:buNone/>
+              <a:defRPr sz="900"/>
+            </a:lvl6pPr>
+            <a:lvl7pPr marL="2743200" indent="0">
+              <a:buNone/>
+              <a:defRPr sz="900"/>
+            </a:lvl7pPr>
+            <a:lvl8pPr marL="3200400" indent="0">
+              <a:buNone/>
+              <a:defRPr sz="900"/>
+            </a:lvl8pPr>
+            <a:lvl9pPr marL="3657600" indent="0">
+              <a:buNone/>
+              <a:defRPr sz="900"/>
+            </a:lvl9pPr>
+          </a:lstStyle>
+          <a:p>
+            <a:pPr lvl="0"/>
+            <a:r>
+              <a:rPr lang="zh-TW" altLang="en-US"/>
+              <a:t>按一下以編輯母片文字樣式</a:t>
+            </a:r>
+          </a:p>
+        </p:txBody>
+      </p:sp>
+      <p:sp>
+        <p:nvSpPr>
+          <p:cNvPr id="11" name="Text Placeholder 4"/>
+          <p:cNvSpPr>
+            <a:spLocks noGrp="1"/>
+          </p:cNvSpPr>
+          <p:nvPr>
+            <p:ph type="body" sz="quarter" idx="13"/>
+          </p:nvPr>
+        </p:nvSpPr>
+        <p:spPr>
+          <a:xfrm>
+            <a:off x="7973298" y="2367093"/>
+            <a:ext cx="3304928" cy="576262"/>
+          </a:xfrm>
+        </p:spPr>
+        <p:txBody>
+          <a:bodyPr anchor="b">
+            <a:noAutofit/>
+          </a:bodyPr>
+          <a:lstStyle>
+            <a:lvl1pPr marL="0" indent="0" algn="ctr">
+              <a:lnSpc>
+                <a:spcPct val="85000"/>
+              </a:lnSpc>
+              <a:buNone/>
+              <a:defRPr sz="2400" b="0">
+                <a:solidFill>
+                  <a:schemeClr val="tx1"/>
+                </a:solidFill>
+              </a:defRPr>
+            </a:lvl1pPr>
+            <a:lvl2pPr marL="457200" indent="0">
+              <a:buNone/>
+              <a:defRPr sz="2000" b="1"/>
+            </a:lvl2pPr>
+            <a:lvl3pPr marL="914400" indent="0">
+              <a:buNone/>
+              <a:defRPr sz="1800" b="1"/>
+            </a:lvl3pPr>
+            <a:lvl4pPr marL="1371600" indent="0">
+              <a:buNone/>
+              <a:defRPr sz="1600" b="1"/>
+            </a:lvl4pPr>
+            <a:lvl5pPr marL="1828800" indent="0">
+              <a:buNone/>
+              <a:defRPr sz="1600" b="1"/>
+            </a:lvl5pPr>
+            <a:lvl6pPr marL="2286000" indent="0">
+              <a:buNone/>
+              <a:defRPr sz="1600" b="1"/>
+            </a:lvl6pPr>
+            <a:lvl7pPr marL="2743200" indent="0">
+              <a:buNone/>
+              <a:defRPr sz="1600" b="1"/>
+            </a:lvl7pPr>
+            <a:lvl8pPr marL="3200400" indent="0">
+              <a:buNone/>
+              <a:defRPr sz="1600" b="1"/>
+            </a:lvl8pPr>
+            <a:lvl9pPr marL="3657600" indent="0">
+              <a:buNone/>
+              <a:defRPr sz="1600" b="1"/>
+            </a:lvl9pPr>
+          </a:lstStyle>
+          <a:p>
+            <a:pPr lvl="0"/>
+            <a:r>
+              <a:rPr lang="zh-TW" altLang="en-US"/>
+              <a:t>按一下以編輯母片文字樣式</a:t>
+            </a:r>
+          </a:p>
+        </p:txBody>
+      </p:sp>
+      <p:sp>
+        <p:nvSpPr>
+          <p:cNvPr id="12" name="Text Placeholder 3"/>
+          <p:cNvSpPr>
+            <a:spLocks noGrp="1"/>
+          </p:cNvSpPr>
+          <p:nvPr>
+            <p:ph type="body" sz="half" idx="17"/>
+          </p:nvPr>
+        </p:nvSpPr>
+        <p:spPr>
+          <a:xfrm>
+            <a:off x="7973298" y="2943355"/>
+            <a:ext cx="3304928" cy="2847845"/>
+          </a:xfrm>
+        </p:spPr>
+        <p:txBody>
+          <a:bodyPr anchor="t">
+            <a:normAutofit/>
+          </a:bodyPr>
+          <a:lstStyle>
+            <a:lvl1pPr marL="0" indent="0" algn="ctr">
+              <a:buNone/>
+              <a:defRPr sz="1400"/>
+            </a:lvl1pPr>
+            <a:lvl2pPr marL="457200" indent="0">
+              <a:buNone/>
+              <a:defRPr sz="1200"/>
+            </a:lvl2pPr>
+            <a:lvl3pPr marL="914400" indent="0">
+              <a:buNone/>
+              <a:defRPr sz="1000"/>
+            </a:lvl3pPr>
+            <a:lvl4pPr marL="1371600" indent="0">
+              <a:buNone/>
+              <a:defRPr sz="900"/>
+            </a:lvl4pPr>
+            <a:lvl5pPr marL="1828800" indent="0">
+              <a:buNone/>
+              <a:defRPr sz="900"/>
+            </a:lvl5pPr>
+            <a:lvl6pPr marL="2286000" indent="0">
+              <a:buNone/>
+              <a:defRPr sz="900"/>
+            </a:lvl6pPr>
+            <a:lvl7pPr marL="2743200" indent="0">
+              <a:buNone/>
+              <a:defRPr sz="900"/>
+            </a:lvl7pPr>
+            <a:lvl8pPr marL="3200400" indent="0">
+              <a:buNone/>
+              <a:defRPr sz="900"/>
+            </a:lvl8pPr>
+            <a:lvl9pPr marL="3657600" indent="0">
+              <a:buNone/>
+              <a:defRPr sz="900"/>
+            </a:lvl9pPr>
+          </a:lstStyle>
+          <a:p>
+            <a:pPr lvl="0"/>
+            <a:r>
+              <a:rPr lang="zh-TW" altLang="en-US"/>
+              <a:t>按一下以編輯母片文字樣式</a:t>
+            </a:r>
+          </a:p>
+        </p:txBody>
+      </p:sp>
+      <p:sp>
+        <p:nvSpPr>
+          <p:cNvPr id="3" name="Date Placeholder 2"/>
+          <p:cNvSpPr>
+            <a:spLocks noGrp="1"/>
+          </p:cNvSpPr>
+          <p:nvPr>
+            <p:ph type="dt" sz="half" idx="10"/>
+          </p:nvPr>
+        </p:nvSpPr>
+        <p:spPr/>
+        <p:txBody>
+          <a:bodyPr/>
+          <a:lstStyle/>
+          <a:p>
+            <a:fld id="{4B79CABA-914F-43AC-AE68-5F197FBCE171}" type="datetimeFigureOut">
+              <a:rPr lang="zh-TW" altLang="en-US" smtClean="0"/>
+              <a:t>2024/10/20</a:t>
+            </a:fld>
+            <a:endParaRPr lang="zh-TW" altLang="en-US"/>
+          </a:p>
+        </p:txBody>
+      </p:sp>
+      <p:sp>
+        <p:nvSpPr>
+          <p:cNvPr id="4" name="Footer Placeholder 3"/>
+          <p:cNvSpPr>
+            <a:spLocks noGrp="1"/>
+          </p:cNvSpPr>
+          <p:nvPr>
+            <p:ph type="ftr" sz="quarter" idx="11"/>
+          </p:nvPr>
+        </p:nvSpPr>
+        <p:spPr/>
+        <p:txBody>
+          <a:bodyPr/>
+          <a:lstStyle/>
+          <a:p>
+            <a:endParaRPr lang="zh-TW" altLang="en-US"/>
+          </a:p>
+        </p:txBody>
+      </p:sp>
+      <p:sp>
+        <p:nvSpPr>
+          <p:cNvPr id="5" name="Slide Number Placeholder 4"/>
+          <p:cNvSpPr>
+            <a:spLocks noGrp="1"/>
+          </p:cNvSpPr>
+          <p:nvPr>
+            <p:ph type="sldNum" sz="quarter" idx="12"/>
+          </p:nvPr>
+        </p:nvSpPr>
+        <p:spPr/>
+        <p:txBody>
+          <a:bodyPr/>
+          <a:lstStyle/>
+          <a:p>
+            <a:fld id="{C7B66E1F-E0F2-4CE0-80BB-B0CD885DF2C2}" type="slidenum">
+              <a:rPr lang="zh-TW" altLang="en-US" smtClean="0"/>
+              <a:t>‹#›</a:t>
+            </a:fld>
+            <a:endParaRPr lang="zh-TW" altLang="en-US"/>
+          </a:p>
+        </p:txBody>
+      </p:sp>
+    </p:spTree>
+    <p:extLst>
+      <p:ext uri="{BB962C8B-B14F-4D97-AF65-F5344CB8AC3E}">
+        <p14:creationId xmlns:p14="http://schemas.microsoft.com/office/powerpoint/2010/main" val="553480249"/>
+      </p:ext>
+    </p:extLst>
+  </p:cSld>
+  <p:clrMapOvr>
+    <a:masterClrMapping/>
+  </p:clrMapOvr>
+</p:sldLayout>
+</file>
+
+<file path=ppt/slideLayouts/slideLayout15.xml><?xml version="1.0" encoding="utf-8"?>
+<p:sldLayout xmlns:a="http://schemas.openxmlformats.org/drawingml/2006/main" xmlns:r="http://schemas.openxmlformats.org/officeDocument/2006/relationships" xmlns:p="http://schemas.openxmlformats.org/presentationml/2006/main" preserve="1">
+  <p:cSld name="3 圖片欄">
+    <p:spTree>
+      <p:nvGrpSpPr>
+        <p:cNvPr id="1" name=""/>
+        <p:cNvGrpSpPr/>
+        <p:nvPr/>
+      </p:nvGrpSpPr>
+      <p:grpSpPr>
+        <a:xfrm>
+          <a:off x="0" y="0"/>
+          <a:ext cx="0" cy="0"/>
+          <a:chOff x="0" y="0"/>
+          <a:chExt cx="0" cy="0"/>
+        </a:xfrm>
+      </p:grpSpPr>
+      <p:pic>
+        <p:nvPicPr>
+          <p:cNvPr id="16" name="Picture 15" descr="Droplets-HD-Content-R1d.png"/>
+          <p:cNvPicPr>
+            <a:picLocks noChangeAspect="1"/>
+          </p:cNvPicPr>
+          <p:nvPr/>
+        </p:nvPicPr>
+        <p:blipFill>
+          <a:blip r:embed="rId2">
+            <a:extLst>
+              <a:ext uri="{28A0092B-C50C-407E-A947-70E740481C1C}">
+                <a14:useLocalDpi xmlns:a14="http://schemas.microsoft.com/office/drawing/2010/main" val="0"/>
+              </a:ext>
+            </a:extLst>
+          </a:blip>
+          <a:stretch>
+            <a:fillRect/>
+          </a:stretch>
+        </p:blipFill>
+        <p:spPr>
+          <a:xfrm>
+            <a:off x="0" y="0"/>
+            <a:ext cx="12192000" cy="6858000"/>
+          </a:xfrm>
+          <a:prstGeom prst="rect">
+            <a:avLst/>
+          </a:prstGeom>
+        </p:spPr>
+      </p:pic>
+      <p:sp>
+        <p:nvSpPr>
+          <p:cNvPr id="30" name="Title 1"/>
+          <p:cNvSpPr>
+            <a:spLocks noGrp="1"/>
+          </p:cNvSpPr>
+          <p:nvPr>
+            <p:ph type="title"/>
+          </p:nvPr>
+        </p:nvSpPr>
+        <p:spPr>
+          <a:xfrm>
+            <a:off x="913774" y="610772"/>
+            <a:ext cx="10364452" cy="1603922"/>
+          </a:xfrm>
+        </p:spPr>
+        <p:txBody>
+          <a:bodyPr/>
+          <a:lstStyle/>
+          <a:p>
+            <a:r>
+              <a:rPr lang="zh-TW" altLang="en-US"/>
+              <a:t>按一下以編輯母片標題樣式</a:t>
+            </a:r>
+            <a:endParaRPr lang="en-US" dirty="0"/>
+          </a:p>
+        </p:txBody>
+      </p:sp>
+      <p:sp>
+        <p:nvSpPr>
+          <p:cNvPr id="19" name="Text Placeholder 2"/>
+          <p:cNvSpPr>
+            <a:spLocks noGrp="1"/>
+          </p:cNvSpPr>
+          <p:nvPr>
+            <p:ph type="body" idx="1"/>
+          </p:nvPr>
+        </p:nvSpPr>
+        <p:spPr>
+          <a:xfrm>
+            <a:off x="913774" y="4204820"/>
+            <a:ext cx="3296409" cy="576262"/>
+          </a:xfrm>
+        </p:spPr>
+        <p:txBody>
+          <a:bodyPr anchor="b">
+            <a:noAutofit/>
+          </a:bodyPr>
+          <a:lstStyle>
+            <a:lvl1pPr marL="0" indent="0" algn="ctr">
+              <a:lnSpc>
+                <a:spcPct val="85000"/>
+              </a:lnSpc>
+              <a:buNone/>
+              <a:defRPr sz="2200" b="0">
+                <a:solidFill>
+                  <a:schemeClr val="tx1"/>
+                </a:solidFill>
+              </a:defRPr>
+            </a:lvl1pPr>
+            <a:lvl2pPr marL="457200" indent="0">
+              <a:buNone/>
+              <a:defRPr sz="2000" b="1"/>
+            </a:lvl2pPr>
+            <a:lvl3pPr marL="914400" indent="0">
+              <a:buNone/>
+              <a:defRPr sz="1800" b="1"/>
+            </a:lvl3pPr>
+            <a:lvl4pPr marL="1371600" indent="0">
+              <a:buNone/>
+              <a:defRPr sz="1600" b="1"/>
+            </a:lvl4pPr>
+            <a:lvl5pPr marL="1828800" indent="0">
+              <a:buNone/>
+              <a:defRPr sz="1600" b="1"/>
+            </a:lvl5pPr>
+            <a:lvl6pPr marL="2286000" indent="0">
+              <a:buNone/>
+              <a:defRPr sz="1600" b="1"/>
+            </a:lvl6pPr>
+            <a:lvl7pPr marL="2743200" indent="0">
+              <a:buNone/>
+              <a:defRPr sz="1600" b="1"/>
+            </a:lvl7pPr>
+            <a:lvl8pPr marL="3200400" indent="0">
+              <a:buNone/>
+              <a:defRPr sz="1600" b="1"/>
+            </a:lvl8pPr>
+            <a:lvl9pPr marL="3657600" indent="0">
+              <a:buNone/>
+              <a:defRPr sz="1600" b="1"/>
+            </a:lvl9pPr>
+          </a:lstStyle>
+          <a:p>
+            <a:pPr lvl="0"/>
+            <a:r>
+              <a:rPr lang="zh-TW" altLang="en-US"/>
+              <a:t>按一下以編輯母片文字樣式</a:t>
+            </a:r>
+          </a:p>
+        </p:txBody>
+      </p:sp>
+      <p:sp>
+        <p:nvSpPr>
+          <p:cNvPr id="20" name="Picture Placeholder 2"/>
+          <p:cNvSpPr>
+            <a:spLocks noGrp="1" noChangeAspect="1"/>
+          </p:cNvSpPr>
+          <p:nvPr>
+            <p:ph type="pic" idx="15"/>
+          </p:nvPr>
+        </p:nvSpPr>
+        <p:spPr>
+          <a:xfrm>
+            <a:off x="913774" y="2367093"/>
+            <a:ext cx="3296409" cy="1524000"/>
+          </a:xfrm>
+          <a:prstGeom prst="roundRect">
+            <a:avLst>
+              <a:gd name="adj" fmla="val 9363"/>
+            </a:avLst>
+          </a:prstGeom>
+          <a:noFill/>
+          <a:ln w="82550" cap="sq">
+            <a:solidFill>
+              <a:srgbClr val="EAEAEA"/>
+            </a:solidFill>
+            <a:miter lim="800000"/>
+          </a:ln>
+          <a:effectLst/>
+          <a:scene3d>
+            <a:camera prst="orthographicFront"/>
+            <a:lightRig rig="threePt" dir="t">
+              <a:rot lat="0" lon="0" rev="2700000"/>
+            </a:lightRig>
+          </a:scene3d>
+          <a:sp3d contourW="6350">
+            <a:bevelT h="38100"/>
+            <a:contourClr>
+              <a:srgbClr val="C0C0C0"/>
+            </a:contourClr>
+          </a:sp3d>
+        </p:spPr>
+        <p:txBody>
+          <a:bodyPr anchor="t">
+            <a:normAutofit/>
+          </a:bodyPr>
+          <a:lstStyle>
+            <a:lvl1pPr marL="0" indent="0" algn="ctr">
+              <a:buNone/>
+              <a:defRPr sz="1600"/>
+            </a:lvl1pPr>
+            <a:lvl2pPr marL="457200" indent="0">
+              <a:buNone/>
+              <a:defRPr sz="1600"/>
+            </a:lvl2pPr>
+            <a:lvl3pPr marL="914400" indent="0">
+              <a:buNone/>
+              <a:defRPr sz="1600"/>
+            </a:lvl3pPr>
+            <a:lvl4pPr marL="1371600" indent="0">
+              <a:buNone/>
+              <a:defRPr sz="1600"/>
+            </a:lvl4pPr>
+            <a:lvl5pPr marL="1828800" indent="0">
+              <a:buNone/>
+              <a:defRPr sz="1600"/>
+            </a:lvl5pPr>
+            <a:lvl6pPr marL="2286000" indent="0">
+              <a:buNone/>
+              <a:defRPr sz="1600"/>
+            </a:lvl6pPr>
+            <a:lvl7pPr marL="2743200" indent="0">
+              <a:buNone/>
+              <a:defRPr sz="1600"/>
+            </a:lvl7pPr>
+            <a:lvl8pPr marL="3200400" indent="0">
+              <a:buNone/>
+              <a:defRPr sz="1600"/>
+            </a:lvl8pPr>
+            <a:lvl9pPr marL="3657600" indent="0">
+              <a:buNone/>
+              <a:defRPr sz="1600"/>
+            </a:lvl9pPr>
+          </a:lstStyle>
+          <a:p>
+            <a:r>
+              <a:rPr lang="zh-TW" altLang="en-US"/>
+              <a:t>按一下圖示以新增圖片</a:t>
+            </a:r>
+            <a:endParaRPr lang="en-US" dirty="0"/>
+          </a:p>
+        </p:txBody>
+      </p:sp>
+      <p:sp>
+        <p:nvSpPr>
+          <p:cNvPr id="21" name="Text Placeholder 3"/>
+          <p:cNvSpPr>
+            <a:spLocks noGrp="1"/>
+          </p:cNvSpPr>
+          <p:nvPr>
+            <p:ph type="body" sz="half" idx="18"/>
+          </p:nvPr>
+        </p:nvSpPr>
+        <p:spPr>
+          <a:xfrm>
+            <a:off x="913774" y="4781082"/>
+            <a:ext cx="3296409" cy="1010118"/>
+          </a:xfrm>
+        </p:spPr>
+        <p:txBody>
+          <a:bodyPr anchor="t">
+            <a:normAutofit/>
+          </a:bodyPr>
+          <a:lstStyle>
+            <a:lvl1pPr marL="0" indent="0" algn="ctr">
+              <a:buNone/>
+              <a:defRPr sz="1400"/>
+            </a:lvl1pPr>
+            <a:lvl2pPr marL="457200" indent="0">
+              <a:buNone/>
+              <a:defRPr sz="1200"/>
+            </a:lvl2pPr>
+            <a:lvl3pPr marL="914400" indent="0">
+              <a:buNone/>
+              <a:defRPr sz="1000"/>
+            </a:lvl3pPr>
+            <a:lvl4pPr marL="1371600" indent="0">
+              <a:buNone/>
+              <a:defRPr sz="900"/>
+            </a:lvl4pPr>
+            <a:lvl5pPr marL="1828800" indent="0">
+              <a:buNone/>
+              <a:defRPr sz="900"/>
+            </a:lvl5pPr>
+            <a:lvl6pPr marL="2286000" indent="0">
+              <a:buNone/>
+              <a:defRPr sz="900"/>
+            </a:lvl6pPr>
+            <a:lvl7pPr marL="2743200" indent="0">
+              <a:buNone/>
+              <a:defRPr sz="900"/>
+            </a:lvl7pPr>
+            <a:lvl8pPr marL="3200400" indent="0">
+              <a:buNone/>
+              <a:defRPr sz="900"/>
+            </a:lvl8pPr>
+            <a:lvl9pPr marL="3657600" indent="0">
+              <a:buNone/>
+              <a:defRPr sz="900"/>
+            </a:lvl9pPr>
+          </a:lstStyle>
+          <a:p>
+            <a:pPr lvl="0"/>
+            <a:r>
+              <a:rPr lang="zh-TW" altLang="en-US"/>
+              <a:t>按一下以編輯母片文字樣式</a:t>
+            </a:r>
+          </a:p>
+        </p:txBody>
+      </p:sp>
+      <p:sp>
+        <p:nvSpPr>
+          <p:cNvPr id="22" name="Text Placeholder 4"/>
+          <p:cNvSpPr>
+            <a:spLocks noGrp="1"/>
+          </p:cNvSpPr>
+          <p:nvPr>
+            <p:ph type="body" sz="quarter" idx="3"/>
+          </p:nvPr>
+        </p:nvSpPr>
+        <p:spPr>
+          <a:xfrm>
+            <a:off x="4442759" y="4204820"/>
+            <a:ext cx="3301828" cy="576262"/>
+          </a:xfrm>
+        </p:spPr>
+        <p:txBody>
+          <a:bodyPr anchor="b">
+            <a:noAutofit/>
+          </a:bodyPr>
+          <a:lstStyle>
+            <a:lvl1pPr marL="0" indent="0" algn="ctr">
+              <a:lnSpc>
+                <a:spcPct val="85000"/>
+              </a:lnSpc>
+              <a:buNone/>
+              <a:defRPr sz="2200" b="0">
+                <a:solidFill>
+                  <a:schemeClr val="tx1"/>
+                </a:solidFill>
+              </a:defRPr>
+            </a:lvl1pPr>
+            <a:lvl2pPr marL="457200" indent="0">
+              <a:buNone/>
+              <a:defRPr sz="2000" b="1"/>
+            </a:lvl2pPr>
+            <a:lvl3pPr marL="914400" indent="0">
+              <a:buNone/>
+              <a:defRPr sz="1800" b="1"/>
+            </a:lvl3pPr>
+            <a:lvl4pPr marL="1371600" indent="0">
+              <a:buNone/>
+              <a:defRPr sz="1600" b="1"/>
+            </a:lvl4pPr>
+            <a:lvl5pPr marL="1828800" indent="0">
+              <a:buNone/>
+              <a:defRPr sz="1600" b="1"/>
+            </a:lvl5pPr>
+            <a:lvl6pPr marL="2286000" indent="0">
+              <a:buNone/>
+              <a:defRPr sz="1600" b="1"/>
+            </a:lvl6pPr>
+            <a:lvl7pPr marL="2743200" indent="0">
+              <a:buNone/>
+              <a:defRPr sz="1600" b="1"/>
+            </a:lvl7pPr>
+            <a:lvl8pPr marL="3200400" indent="0">
+              <a:buNone/>
+              <a:defRPr sz="1600" b="1"/>
+            </a:lvl8pPr>
+            <a:lvl9pPr marL="3657600" indent="0">
+              <a:buNone/>
+              <a:defRPr sz="1600" b="1"/>
+            </a:lvl9pPr>
+          </a:lstStyle>
+          <a:p>
+            <a:pPr lvl="0"/>
+            <a:r>
+              <a:rPr lang="zh-TW" altLang="en-US"/>
+              <a:t>按一下以編輯母片文字樣式</a:t>
+            </a:r>
+          </a:p>
+        </p:txBody>
+      </p:sp>
+      <p:sp>
+        <p:nvSpPr>
+          <p:cNvPr id="23" name="Picture Placeholder 2"/>
+          <p:cNvSpPr>
+            <a:spLocks noGrp="1" noChangeAspect="1"/>
+          </p:cNvSpPr>
+          <p:nvPr>
+            <p:ph type="pic" idx="21"/>
+          </p:nvPr>
+        </p:nvSpPr>
+        <p:spPr>
+          <a:xfrm>
+            <a:off x="4441348" y="2367093"/>
+            <a:ext cx="3303352" cy="1524000"/>
+          </a:xfrm>
+          <a:prstGeom prst="roundRect">
+            <a:avLst>
+              <a:gd name="adj" fmla="val 8841"/>
+            </a:avLst>
+          </a:prstGeom>
+          <a:noFill/>
+          <a:ln w="82550" cap="sq">
+            <a:solidFill>
+              <a:srgbClr val="EAEAEA"/>
+            </a:solidFill>
+            <a:miter lim="800000"/>
+          </a:ln>
+          <a:effectLst/>
+          <a:scene3d>
+            <a:camera prst="orthographicFront"/>
+            <a:lightRig rig="threePt" dir="t">
+              <a:rot lat="0" lon="0" rev="2700000"/>
+            </a:lightRig>
+          </a:scene3d>
+          <a:sp3d contourW="6350">
+            <a:bevelT h="38100"/>
+            <a:contourClr>
+              <a:srgbClr val="C0C0C0"/>
+            </a:contourClr>
+          </a:sp3d>
+        </p:spPr>
+        <p:txBody>
+          <a:bodyPr anchor="t">
+            <a:normAutofit/>
+          </a:bodyPr>
+          <a:lstStyle>
+            <a:lvl1pPr marL="0" indent="0" algn="ctr">
+              <a:buNone/>
+              <a:defRPr sz="1600"/>
+            </a:lvl1pPr>
+            <a:lvl2pPr marL="457200" indent="0">
+              <a:buNone/>
+              <a:defRPr sz="1600"/>
+            </a:lvl2pPr>
+            <a:lvl3pPr marL="914400" indent="0">
+              <a:buNone/>
+              <a:defRPr sz="1600"/>
+            </a:lvl3pPr>
+            <a:lvl4pPr marL="1371600" indent="0">
+              <a:buNone/>
+              <a:defRPr sz="1600"/>
+            </a:lvl4pPr>
+            <a:lvl5pPr marL="1828800" indent="0">
+              <a:buNone/>
+              <a:defRPr sz="1600"/>
+            </a:lvl5pPr>
+            <a:lvl6pPr marL="2286000" indent="0">
+              <a:buNone/>
+              <a:defRPr sz="1600"/>
+            </a:lvl6pPr>
+            <a:lvl7pPr marL="2743200" indent="0">
+              <a:buNone/>
+              <a:defRPr sz="1600"/>
+            </a:lvl7pPr>
+            <a:lvl8pPr marL="3200400" indent="0">
+              <a:buNone/>
+              <a:defRPr sz="1600"/>
+            </a:lvl8pPr>
+            <a:lvl9pPr marL="3657600" indent="0">
+              <a:buNone/>
+              <a:defRPr sz="1600"/>
+            </a:lvl9pPr>
+          </a:lstStyle>
+          <a:p>
+            <a:r>
+              <a:rPr lang="zh-TW" altLang="en-US"/>
+              <a:t>按一下圖示以新增圖片</a:t>
+            </a:r>
+            <a:endParaRPr lang="en-US" dirty="0"/>
+          </a:p>
+        </p:txBody>
+      </p:sp>
+      <p:sp>
+        <p:nvSpPr>
+          <p:cNvPr id="24" name="Text Placeholder 3"/>
+          <p:cNvSpPr>
+            <a:spLocks noGrp="1"/>
+          </p:cNvSpPr>
+          <p:nvPr>
+            <p:ph type="body" sz="half" idx="19"/>
+          </p:nvPr>
+        </p:nvSpPr>
+        <p:spPr>
+          <a:xfrm>
+            <a:off x="4441348" y="4781080"/>
+            <a:ext cx="3303352" cy="1010119"/>
+          </a:xfrm>
+        </p:spPr>
+        <p:txBody>
+          <a:bodyPr anchor="t">
+            <a:normAutofit/>
+          </a:bodyPr>
+          <a:lstStyle>
+            <a:lvl1pPr marL="0" indent="0" algn="ctr">
+              <a:buNone/>
+              <a:defRPr sz="1400"/>
+            </a:lvl1pPr>
+            <a:lvl2pPr marL="457200" indent="0">
+              <a:buNone/>
+              <a:defRPr sz="1200"/>
+            </a:lvl2pPr>
+            <a:lvl3pPr marL="914400" indent="0">
+              <a:buNone/>
+              <a:defRPr sz="1000"/>
+            </a:lvl3pPr>
+            <a:lvl4pPr marL="1371600" indent="0">
+              <a:buNone/>
+              <a:defRPr sz="900"/>
+            </a:lvl4pPr>
+            <a:lvl5pPr marL="1828800" indent="0">
+              <a:buNone/>
+              <a:defRPr sz="900"/>
+            </a:lvl5pPr>
+            <a:lvl6pPr marL="2286000" indent="0">
+              <a:buNone/>
+              <a:defRPr sz="900"/>
+            </a:lvl6pPr>
+            <a:lvl7pPr marL="2743200" indent="0">
+              <a:buNone/>
+              <a:defRPr sz="900"/>
+            </a:lvl7pPr>
+            <a:lvl8pPr marL="3200400" indent="0">
+              <a:buNone/>
+              <a:defRPr sz="900"/>
+            </a:lvl8pPr>
+            <a:lvl9pPr marL="3657600" indent="0">
+              <a:buNone/>
+              <a:defRPr sz="900"/>
+            </a:lvl9pPr>
+          </a:lstStyle>
+          <a:p>
+            <a:pPr lvl="0"/>
+            <a:r>
+              <a:rPr lang="zh-TW" altLang="en-US"/>
+              <a:t>按一下以編輯母片文字樣式</a:t>
+            </a:r>
+          </a:p>
+        </p:txBody>
+      </p:sp>
+      <p:sp>
+        <p:nvSpPr>
+          <p:cNvPr id="25" name="Text Placeholder 4"/>
+          <p:cNvSpPr>
+            <a:spLocks noGrp="1"/>
+          </p:cNvSpPr>
+          <p:nvPr>
+            <p:ph type="body" sz="quarter" idx="13"/>
+          </p:nvPr>
+        </p:nvSpPr>
+        <p:spPr>
+          <a:xfrm>
+            <a:off x="7973298" y="4204820"/>
+            <a:ext cx="3300681" cy="576262"/>
+          </a:xfrm>
+        </p:spPr>
+        <p:txBody>
+          <a:bodyPr anchor="b">
+            <a:noAutofit/>
+          </a:bodyPr>
+          <a:lstStyle>
+            <a:lvl1pPr marL="0" indent="0" algn="ctr">
+              <a:lnSpc>
+                <a:spcPct val="85000"/>
+              </a:lnSpc>
+              <a:buNone/>
+              <a:defRPr sz="2200" b="0">
+                <a:solidFill>
+                  <a:schemeClr val="tx1"/>
+                </a:solidFill>
+              </a:defRPr>
+            </a:lvl1pPr>
+            <a:lvl2pPr marL="457200" indent="0">
+              <a:buNone/>
+              <a:defRPr sz="2000" b="1"/>
+            </a:lvl2pPr>
+            <a:lvl3pPr marL="914400" indent="0">
+              <a:buNone/>
+              <a:defRPr sz="1800" b="1"/>
+            </a:lvl3pPr>
+            <a:lvl4pPr marL="1371600" indent="0">
+              <a:buNone/>
+              <a:defRPr sz="1600" b="1"/>
+            </a:lvl4pPr>
+            <a:lvl5pPr marL="1828800" indent="0">
+              <a:buNone/>
+              <a:defRPr sz="1600" b="1"/>
+            </a:lvl5pPr>
+            <a:lvl6pPr marL="2286000" indent="0">
+              <a:buNone/>
+              <a:defRPr sz="1600" b="1"/>
+            </a:lvl6pPr>
+            <a:lvl7pPr marL="2743200" indent="0">
+              <a:buNone/>
+              <a:defRPr sz="1600" b="1"/>
+            </a:lvl7pPr>
+            <a:lvl8pPr marL="3200400" indent="0">
+              <a:buNone/>
+              <a:defRPr sz="1600" b="1"/>
+            </a:lvl8pPr>
+            <a:lvl9pPr marL="3657600" indent="0">
+              <a:buNone/>
+              <a:defRPr sz="1600" b="1"/>
+            </a:lvl9pPr>
+          </a:lstStyle>
+          <a:p>
+            <a:pPr lvl="0"/>
+            <a:r>
+              <a:rPr lang="zh-TW" altLang="en-US"/>
+              <a:t>按一下以編輯母片文字樣式</a:t>
+            </a:r>
+          </a:p>
+        </p:txBody>
+      </p:sp>
+      <p:sp>
+        <p:nvSpPr>
+          <p:cNvPr id="26" name="Picture Placeholder 2"/>
+          <p:cNvSpPr>
+            <a:spLocks noGrp="1" noChangeAspect="1"/>
+          </p:cNvSpPr>
+          <p:nvPr>
+            <p:ph type="pic" idx="22"/>
+          </p:nvPr>
+        </p:nvSpPr>
+        <p:spPr>
+          <a:xfrm>
+            <a:off x="7973298" y="2367093"/>
+            <a:ext cx="3304928" cy="1524000"/>
+          </a:xfrm>
+          <a:prstGeom prst="roundRect">
+            <a:avLst>
+              <a:gd name="adj" fmla="val 8841"/>
+            </a:avLst>
+          </a:prstGeom>
+          <a:noFill/>
+          <a:ln w="82550" cap="sq">
+            <a:solidFill>
+              <a:srgbClr val="EAEAEA"/>
+            </a:solidFill>
+            <a:miter lim="800000"/>
+          </a:ln>
+          <a:effectLst/>
+          <a:scene3d>
+            <a:camera prst="orthographicFront"/>
+            <a:lightRig rig="threePt" dir="t">
+              <a:rot lat="0" lon="0" rev="2700000"/>
+            </a:lightRig>
+          </a:scene3d>
+          <a:sp3d contourW="6350">
+            <a:bevelT h="38100"/>
+            <a:contourClr>
+              <a:srgbClr val="C0C0C0"/>
+            </a:contourClr>
+          </a:sp3d>
+        </p:spPr>
+        <p:txBody>
+          <a:bodyPr anchor="t">
+            <a:normAutofit/>
+          </a:bodyPr>
+          <a:lstStyle>
+            <a:lvl1pPr marL="0" indent="0" algn="ctr">
+              <a:buNone/>
+              <a:defRPr sz="1600"/>
+            </a:lvl1pPr>
+            <a:lvl2pPr marL="457200" indent="0">
+              <a:buNone/>
+              <a:defRPr sz="1600"/>
+            </a:lvl2pPr>
+            <a:lvl3pPr marL="914400" indent="0">
+              <a:buNone/>
+              <a:defRPr sz="1600"/>
+            </a:lvl3pPr>
+            <a:lvl4pPr marL="1371600" indent="0">
+              <a:buNone/>
+              <a:defRPr sz="1600"/>
+            </a:lvl4pPr>
+            <a:lvl5pPr marL="1828800" indent="0">
+              <a:buNone/>
+              <a:defRPr sz="1600"/>
+            </a:lvl5pPr>
+            <a:lvl6pPr marL="2286000" indent="0">
+              <a:buNone/>
+              <a:defRPr sz="1600"/>
+            </a:lvl6pPr>
+            <a:lvl7pPr marL="2743200" indent="0">
+              <a:buNone/>
+              <a:defRPr sz="1600"/>
+            </a:lvl7pPr>
+            <a:lvl8pPr marL="3200400" indent="0">
+              <a:buNone/>
+              <a:defRPr sz="1600"/>
+            </a:lvl8pPr>
+            <a:lvl9pPr marL="3657600" indent="0">
+              <a:buNone/>
+              <a:defRPr sz="1600"/>
+            </a:lvl9pPr>
+          </a:lstStyle>
+          <a:p>
+            <a:r>
+              <a:rPr lang="zh-TW" altLang="en-US"/>
+              <a:t>按一下圖示以新增圖片</a:t>
+            </a:r>
+            <a:endParaRPr lang="en-US" dirty="0"/>
+          </a:p>
+        </p:txBody>
+      </p:sp>
+      <p:sp>
+        <p:nvSpPr>
+          <p:cNvPr id="27" name="Text Placeholder 3"/>
+          <p:cNvSpPr>
+            <a:spLocks noGrp="1"/>
+          </p:cNvSpPr>
+          <p:nvPr>
+            <p:ph type="body" sz="half" idx="20"/>
+          </p:nvPr>
+        </p:nvSpPr>
+        <p:spPr>
+          <a:xfrm>
+            <a:off x="7973173" y="4781078"/>
+            <a:ext cx="3305053" cy="1010121"/>
+          </a:xfrm>
+        </p:spPr>
+        <p:txBody>
+          <a:bodyPr anchor="t">
+            <a:normAutofit/>
+          </a:bodyPr>
+          <a:lstStyle>
+            <a:lvl1pPr marL="0" indent="0" algn="ctr">
+              <a:buNone/>
+              <a:defRPr sz="1400"/>
+            </a:lvl1pPr>
+            <a:lvl2pPr marL="457200" indent="0">
+              <a:buNone/>
+              <a:defRPr sz="1200"/>
+            </a:lvl2pPr>
+            <a:lvl3pPr marL="914400" indent="0">
+              <a:buNone/>
+              <a:defRPr sz="1000"/>
+            </a:lvl3pPr>
+            <a:lvl4pPr marL="1371600" indent="0">
+              <a:buNone/>
+              <a:defRPr sz="900"/>
+            </a:lvl4pPr>
+            <a:lvl5pPr marL="1828800" indent="0">
+              <a:buNone/>
+              <a:defRPr sz="900"/>
+            </a:lvl5pPr>
+            <a:lvl6pPr marL="2286000" indent="0">
+              <a:buNone/>
+              <a:defRPr sz="900"/>
+            </a:lvl6pPr>
+            <a:lvl7pPr marL="2743200" indent="0">
+              <a:buNone/>
+              <a:defRPr sz="900"/>
+            </a:lvl7pPr>
+            <a:lvl8pPr marL="3200400" indent="0">
+              <a:buNone/>
+              <a:defRPr sz="900"/>
+            </a:lvl8pPr>
+            <a:lvl9pPr marL="3657600" indent="0">
+              <a:buNone/>
+              <a:defRPr sz="900"/>
+            </a:lvl9pPr>
+          </a:lstStyle>
+          <a:p>
+            <a:pPr lvl="0"/>
+            <a:r>
+              <a:rPr lang="zh-TW" altLang="en-US"/>
+              <a:t>按一下以編輯母片文字樣式</a:t>
+            </a:r>
+          </a:p>
+        </p:txBody>
+      </p:sp>
+      <p:sp>
+        <p:nvSpPr>
+          <p:cNvPr id="3" name="Date Placeholder 2"/>
+          <p:cNvSpPr>
+            <a:spLocks noGrp="1"/>
+          </p:cNvSpPr>
+          <p:nvPr>
+            <p:ph type="dt" sz="half" idx="10"/>
+          </p:nvPr>
+        </p:nvSpPr>
+        <p:spPr/>
+        <p:txBody>
+          <a:bodyPr/>
+          <a:lstStyle/>
+          <a:p>
+            <a:fld id="{4B79CABA-914F-43AC-AE68-5F197FBCE171}" type="datetimeFigureOut">
+              <a:rPr lang="zh-TW" altLang="en-US" smtClean="0"/>
+              <a:t>2024/10/20</a:t>
+            </a:fld>
+            <a:endParaRPr lang="zh-TW" altLang="en-US"/>
+          </a:p>
+        </p:txBody>
+      </p:sp>
+      <p:sp>
+        <p:nvSpPr>
+          <p:cNvPr id="4" name="Footer Placeholder 3"/>
+          <p:cNvSpPr>
+            <a:spLocks noGrp="1"/>
+          </p:cNvSpPr>
+          <p:nvPr>
+            <p:ph type="ftr" sz="quarter" idx="11"/>
+          </p:nvPr>
+        </p:nvSpPr>
+        <p:spPr/>
+        <p:txBody>
+          <a:bodyPr/>
+          <a:lstStyle/>
+          <a:p>
+            <a:endParaRPr lang="zh-TW" altLang="en-US"/>
+          </a:p>
+        </p:txBody>
+      </p:sp>
+      <p:sp>
+        <p:nvSpPr>
+          <p:cNvPr id="5" name="Slide Number Placeholder 4"/>
+          <p:cNvSpPr>
+            <a:spLocks noGrp="1"/>
+          </p:cNvSpPr>
+          <p:nvPr>
+            <p:ph type="sldNum" sz="quarter" idx="12"/>
+          </p:nvPr>
+        </p:nvSpPr>
+        <p:spPr/>
+        <p:txBody>
+          <a:bodyPr/>
+          <a:lstStyle/>
+          <a:p>
+            <a:fld id="{C7B66E1F-E0F2-4CE0-80BB-B0CD885DF2C2}" type="slidenum">
+              <a:rPr lang="zh-TW" altLang="en-US" smtClean="0"/>
+              <a:t>‹#›</a:t>
+            </a:fld>
+            <a:endParaRPr lang="zh-TW" altLang="en-US"/>
+          </a:p>
+        </p:txBody>
+      </p:sp>
+    </p:spTree>
+    <p:extLst>
+      <p:ext uri="{BB962C8B-B14F-4D97-AF65-F5344CB8AC3E}">
+        <p14:creationId xmlns:p14="http://schemas.microsoft.com/office/powerpoint/2010/main" val="3506923791"/>
+      </p:ext>
+    </p:extLst>
+  </p:cSld>
+  <p:clrMapOvr>
+    <a:masterClrMapping/>
+  </p:clrMapOvr>
+</p:sldLayout>
+</file>
+
+<file path=ppt/slideLayouts/slideLayout16.xml><?xml version="1.0" encoding="utf-8"?>
 <p:sldLayout xmlns:a="http://schemas.openxmlformats.org/drawingml/2006/main" xmlns:r="http://schemas.openxmlformats.org/officeDocument/2006/relationships" xmlns:p="http://schemas.openxmlformats.org/presentationml/2006/main" type="vertTx" preserve="1">
   <p:cSld name="標題及直排文字">
     <p:spTree>
@@ -344,15 +4780,39 @@
           <a:chExt cx="0" cy="0"/>
         </a:xfrm>
       </p:grpSpPr>
-      <p:sp>
-        <p:nvSpPr>
-          <p:cNvPr id="2" name="標題 1">
+      <p:pic>
+        <p:nvPicPr>
+          <p:cNvPr id="8" name="Picture 7" descr="Droplets-HD-Content-R1d.png"/>
+          <p:cNvPicPr>
+            <a:picLocks noChangeAspect="1"/>
+          </p:cNvPicPr>
+          <p:nvPr/>
+        </p:nvPicPr>
+        <p:blipFill>
+          <a:blip r:embed="rId2">
             <a:extLst>
-              <a:ext uri="{FF2B5EF4-FFF2-40B4-BE49-F238E27FC236}">
-                <a16:creationId xmlns:a16="http://schemas.microsoft.com/office/drawing/2014/main" id="{A02F0018-7F8E-4206-A929-07CDC6B5F34A}"/>
+              <a:ext uri="{28A0092B-C50C-407E-A947-70E740481C1C}">
+                <a14:useLocalDpi xmlns:a14="http://schemas.microsoft.com/office/drawing/2010/main" val="0"/>
               </a:ext>
             </a:extLst>
-          </p:cNvPr>
+          </a:blip>
+          <a:stretch>
+            <a:fillRect/>
+          </a:stretch>
+        </p:blipFill>
+        <p:spPr>
+          <a:xfrm>
+            <a:off x="0" y="0"/>
+            <a:ext cx="12192000" cy="6858000"/>
+          </a:xfrm>
+          <a:prstGeom prst="rect">
+            <a:avLst/>
+          </a:prstGeom>
+        </p:spPr>
+      </p:pic>
+      <p:sp>
+        <p:nvSpPr>
+          <p:cNvPr id="2" name="Title 1"/>
           <p:cNvSpPr>
             <a:spLocks noGrp="1"/>
           </p:cNvSpPr>
@@ -369,26 +4829,26 @@
               <a:rPr lang="zh-TW" altLang="en-US"/>
               <a:t>按一下以編輯母片標題樣式</a:t>
             </a:r>
-          </a:p>
-        </p:txBody>
-      </p:sp>
-      <p:sp>
-        <p:nvSpPr>
-          <p:cNvPr id="3" name="直排文字版面配置區 2">
-            <a:extLst>
-              <a:ext uri="{FF2B5EF4-FFF2-40B4-BE49-F238E27FC236}">
-                <a16:creationId xmlns:a16="http://schemas.microsoft.com/office/drawing/2014/main" id="{9B801E88-34C3-4545-A358-81F5614FED64}"/>
-              </a:ext>
-            </a:extLst>
-          </p:cNvPr>
-          <p:cNvSpPr>
-            <a:spLocks noGrp="1"/>
-          </p:cNvSpPr>
-          <p:nvPr>
-            <p:ph type="body" orient="vert" idx="1"/>
-          </p:nvPr>
-        </p:nvSpPr>
-        <p:spPr/>
+            <a:endParaRPr lang="en-US" dirty="0"/>
+          </a:p>
+        </p:txBody>
+      </p:sp>
+      <p:sp>
+        <p:nvSpPr>
+          <p:cNvPr id="11" name="Vertical Text Placeholder 2"/>
+          <p:cNvSpPr>
+            <a:spLocks noGrp="1"/>
+          </p:cNvSpPr>
+          <p:nvPr>
+            <p:ph type="body" orient="vert" sz="quarter" idx="13"/>
+          </p:nvPr>
+        </p:nvSpPr>
+        <p:spPr>
+          <a:xfrm>
+            <a:off x="913775" y="2367093"/>
+            <a:ext cx="10364452" cy="3424107"/>
+          </a:xfrm>
+        </p:spPr>
         <p:txBody>
           <a:bodyPr vert="eaVert"/>
           <a:lstStyle/>
@@ -426,18 +4886,13 @@
               <a:rPr lang="zh-TW" altLang="en-US"/>
               <a:t>第五層</a:t>
             </a:r>
-          </a:p>
-        </p:txBody>
-      </p:sp>
-      <p:sp>
-        <p:nvSpPr>
-          <p:cNvPr id="4" name="日期版面配置區 3">
-            <a:extLst>
-              <a:ext uri="{FF2B5EF4-FFF2-40B4-BE49-F238E27FC236}">
-                <a16:creationId xmlns:a16="http://schemas.microsoft.com/office/drawing/2014/main" id="{60AFD716-8B99-4230-B55F-C8B88ECBB171}"/>
-              </a:ext>
-            </a:extLst>
-          </p:cNvPr>
+            <a:endParaRPr lang="en-US" dirty="0"/>
+          </a:p>
+        </p:txBody>
+      </p:sp>
+      <p:sp>
+        <p:nvSpPr>
+          <p:cNvPr id="4" name="Date Placeholder 3"/>
           <p:cNvSpPr>
             <a:spLocks noGrp="1"/>
           </p:cNvSpPr>
@@ -450,9 +4905,9 @@
           <a:bodyPr/>
           <a:lstStyle/>
           <a:p>
-            <a:fld id="{C3C90D7E-32D6-4894-AE08-7BBB3E610FC9}" type="datetimeFigureOut">
+            <a:fld id="{4B79CABA-914F-43AC-AE68-5F197FBCE171}" type="datetimeFigureOut">
               <a:rPr lang="zh-TW" altLang="en-US" smtClean="0"/>
-              <a:t>2024/9/16</a:t>
+              <a:t>2024/10/20</a:t>
             </a:fld>
             <a:endParaRPr lang="zh-TW" altLang="en-US"/>
           </a:p>
@@ -460,13 +4915,7 @@
       </p:sp>
       <p:sp>
         <p:nvSpPr>
-          <p:cNvPr id="5" name="頁尾版面配置區 4">
-            <a:extLst>
-              <a:ext uri="{FF2B5EF4-FFF2-40B4-BE49-F238E27FC236}">
-                <a16:creationId xmlns:a16="http://schemas.microsoft.com/office/drawing/2014/main" id="{EA374743-76D9-4BF8-A60C-2F50B2636A8A}"/>
-              </a:ext>
-            </a:extLst>
-          </p:cNvPr>
+          <p:cNvPr id="5" name="Footer Placeholder 4"/>
           <p:cNvSpPr>
             <a:spLocks noGrp="1"/>
           </p:cNvSpPr>
@@ -485,13 +4934,7 @@
       </p:sp>
       <p:sp>
         <p:nvSpPr>
-          <p:cNvPr id="6" name="投影片編號版面配置區 5">
-            <a:extLst>
-              <a:ext uri="{FF2B5EF4-FFF2-40B4-BE49-F238E27FC236}">
-                <a16:creationId xmlns:a16="http://schemas.microsoft.com/office/drawing/2014/main" id="{00454594-6C11-4013-A666-A151E960EC9B}"/>
-              </a:ext>
-            </a:extLst>
-          </p:cNvPr>
+          <p:cNvPr id="6" name="Slide Number Placeholder 5"/>
           <p:cNvSpPr>
             <a:spLocks noGrp="1"/>
           </p:cNvSpPr>
@@ -504,7 +4947,7 @@
           <a:bodyPr/>
           <a:lstStyle/>
           <a:p>
-            <a:fld id="{E31EC408-072F-4346-BD0A-D6AA5788A305}" type="slidenum">
+            <a:fld id="{C7B66E1F-E0F2-4CE0-80BB-B0CD885DF2C2}" type="slidenum">
               <a:rPr lang="zh-TW" altLang="en-US" smtClean="0"/>
               <a:t>‹#›</a:t>
             </a:fld>
@@ -515,7 +4958,7 @@
     </p:spTree>
     <p:extLst>
       <p:ext uri="{BB962C8B-B14F-4D97-AF65-F5344CB8AC3E}">
-        <p14:creationId xmlns:p14="http://schemas.microsoft.com/office/powerpoint/2010/main" val="188953001"/>
+        <p14:creationId xmlns:p14="http://schemas.microsoft.com/office/powerpoint/2010/main" val="2403232047"/>
       </p:ext>
     </p:extLst>
   </p:cSld>
@@ -525,7 +4968,7 @@
 </p:sldLayout>
 </file>
 
-<file path=ppt/slideLayouts/slideLayout11.xml><?xml version="1.0" encoding="utf-8"?>
+<file path=ppt/slideLayouts/slideLayout17.xml><?xml version="1.0" encoding="utf-8"?>
 <p:sldLayout xmlns:a="http://schemas.openxmlformats.org/drawingml/2006/main" xmlns:r="http://schemas.openxmlformats.org/officeDocument/2006/relationships" xmlns:p="http://schemas.openxmlformats.org/presentationml/2006/main" type="vertTitleAndTx" preserve="1">
   <p:cSld name="直排標題及文字">
     <p:spTree>
@@ -542,59 +4985,82 @@
           <a:chExt cx="0" cy="0"/>
         </a:xfrm>
       </p:grpSpPr>
-      <p:sp>
-        <p:nvSpPr>
-          <p:cNvPr id="2" name="直排標題 1">
+      <p:pic>
+        <p:nvPicPr>
+          <p:cNvPr id="9" name="Picture 8" descr="Droplets-HD-Content-R1d.png"/>
+          <p:cNvPicPr>
+            <a:picLocks noChangeAspect="1"/>
+          </p:cNvPicPr>
+          <p:nvPr/>
+        </p:nvPicPr>
+        <p:blipFill>
+          <a:blip r:embed="rId2">
             <a:extLst>
-              <a:ext uri="{FF2B5EF4-FFF2-40B4-BE49-F238E27FC236}">
-                <a16:creationId xmlns:a16="http://schemas.microsoft.com/office/drawing/2014/main" id="{70F760AC-E708-4605-85E2-7D0F424B3E29}"/>
+              <a:ext uri="{28A0092B-C50C-407E-A947-70E740481C1C}">
+                <a14:useLocalDpi xmlns:a14="http://schemas.microsoft.com/office/drawing/2010/main" val="0"/>
               </a:ext>
             </a:extLst>
-          </p:cNvPr>
-          <p:cNvSpPr>
-            <a:spLocks noGrp="1"/>
-          </p:cNvSpPr>
-          <p:nvPr>
-            <p:ph type="title" orient="vert"/>
-          </p:nvPr>
-        </p:nvSpPr>
+          </a:blip>
+          <a:stretch>
+            <a:fillRect/>
+          </a:stretch>
+        </p:blipFill>
         <p:spPr>
           <a:xfrm>
-            <a:off x="8724900" y="365125"/>
-            <a:ext cx="2628900" cy="5811838"/>
+            <a:off x="0" y="0"/>
+            <a:ext cx="12192000" cy="6858000"/>
+          </a:xfrm>
+          <a:prstGeom prst="rect">
+            <a:avLst/>
+          </a:prstGeom>
+        </p:spPr>
+      </p:pic>
+      <p:sp>
+        <p:nvSpPr>
+          <p:cNvPr id="2" name="Vertical Title 1"/>
+          <p:cNvSpPr>
+            <a:spLocks noGrp="1"/>
+          </p:cNvSpPr>
+          <p:nvPr>
+            <p:ph type="title" orient="vert"/>
+          </p:nvPr>
+        </p:nvSpPr>
+        <p:spPr>
+          <a:xfrm>
+            <a:off x="8724900" y="609601"/>
+            <a:ext cx="2553326" cy="5181599"/>
           </a:xfrm>
         </p:spPr>
         <p:txBody>
           <a:bodyPr vert="eaVert"/>
-          <a:lstStyle/>
+          <a:lstStyle>
+            <a:lvl1pPr algn="l">
+              <a:defRPr/>
+            </a:lvl1pPr>
+          </a:lstStyle>
           <a:p>
             <a:r>
               <a:rPr lang="zh-TW" altLang="en-US"/>
               <a:t>按一下以編輯母片標題樣式</a:t>
             </a:r>
-          </a:p>
-        </p:txBody>
-      </p:sp>
-      <p:sp>
-        <p:nvSpPr>
-          <p:cNvPr id="3" name="直排文字版面配置區 2">
-            <a:extLst>
-              <a:ext uri="{FF2B5EF4-FFF2-40B4-BE49-F238E27FC236}">
-                <a16:creationId xmlns:a16="http://schemas.microsoft.com/office/drawing/2014/main" id="{84BECF48-F3B6-4D47-82A8-C6AE92EDC2F0}"/>
-              </a:ext>
-            </a:extLst>
-          </p:cNvPr>
-          <p:cNvSpPr>
-            <a:spLocks noGrp="1"/>
-          </p:cNvSpPr>
-          <p:nvPr>
-            <p:ph type="body" orient="vert" idx="1"/>
+            <a:endParaRPr lang="en-US" dirty="0"/>
+          </a:p>
+        </p:txBody>
+      </p:sp>
+      <p:sp>
+        <p:nvSpPr>
+          <p:cNvPr id="8" name="Vertical Text Placeholder 2"/>
+          <p:cNvSpPr>
+            <a:spLocks noGrp="1"/>
+          </p:cNvSpPr>
+          <p:nvPr>
+            <p:ph type="body" orient="vert" sz="quarter" idx="13"/>
           </p:nvPr>
         </p:nvSpPr>
         <p:spPr>
           <a:xfrm>
-            <a:off x="838200" y="365125"/>
-            <a:ext cx="7734300" cy="5811838"/>
+            <a:off x="913775" y="609601"/>
+            <a:ext cx="7658724" cy="5181599"/>
           </a:xfrm>
         </p:spPr>
         <p:txBody>
@@ -634,18 +5100,13 @@
               <a:rPr lang="zh-TW" altLang="en-US"/>
               <a:t>第五層</a:t>
             </a:r>
-          </a:p>
-        </p:txBody>
-      </p:sp>
-      <p:sp>
-        <p:nvSpPr>
-          <p:cNvPr id="4" name="日期版面配置區 3">
-            <a:extLst>
-              <a:ext uri="{FF2B5EF4-FFF2-40B4-BE49-F238E27FC236}">
-                <a16:creationId xmlns:a16="http://schemas.microsoft.com/office/drawing/2014/main" id="{215DE52A-093E-4116-A2FE-F61BA999B89F}"/>
-              </a:ext>
-            </a:extLst>
-          </p:cNvPr>
+            <a:endParaRPr lang="en-US" dirty="0"/>
+          </a:p>
+        </p:txBody>
+      </p:sp>
+      <p:sp>
+        <p:nvSpPr>
+          <p:cNvPr id="4" name="Date Placeholder 3"/>
           <p:cNvSpPr>
             <a:spLocks noGrp="1"/>
           </p:cNvSpPr>
@@ -658,9 +5119,9 @@
           <a:bodyPr/>
           <a:lstStyle/>
           <a:p>
-            <a:fld id="{C3C90D7E-32D6-4894-AE08-7BBB3E610FC9}" type="datetimeFigureOut">
+            <a:fld id="{4B79CABA-914F-43AC-AE68-5F197FBCE171}" type="datetimeFigureOut">
               <a:rPr lang="zh-TW" altLang="en-US" smtClean="0"/>
-              <a:t>2024/9/16</a:t>
+              <a:t>2024/10/20</a:t>
             </a:fld>
             <a:endParaRPr lang="zh-TW" altLang="en-US"/>
           </a:p>
@@ -668,13 +5129,7 @@
       </p:sp>
       <p:sp>
         <p:nvSpPr>
-          <p:cNvPr id="5" name="頁尾版面配置區 4">
-            <a:extLst>
-              <a:ext uri="{FF2B5EF4-FFF2-40B4-BE49-F238E27FC236}">
-                <a16:creationId xmlns:a16="http://schemas.microsoft.com/office/drawing/2014/main" id="{34553FE1-A5D9-4070-AA9C-378F491D4677}"/>
-              </a:ext>
-            </a:extLst>
-          </p:cNvPr>
+          <p:cNvPr id="5" name="Footer Placeholder 4"/>
           <p:cNvSpPr>
             <a:spLocks noGrp="1"/>
           </p:cNvSpPr>
@@ -693,13 +5148,7 @@
       </p:sp>
       <p:sp>
         <p:nvSpPr>
-          <p:cNvPr id="6" name="投影片編號版面配置區 5">
-            <a:extLst>
-              <a:ext uri="{FF2B5EF4-FFF2-40B4-BE49-F238E27FC236}">
-                <a16:creationId xmlns:a16="http://schemas.microsoft.com/office/drawing/2014/main" id="{928EFDDC-5B11-4543-8144-518625EDA57F}"/>
-              </a:ext>
-            </a:extLst>
-          </p:cNvPr>
+          <p:cNvPr id="6" name="Slide Number Placeholder 5"/>
           <p:cNvSpPr>
             <a:spLocks noGrp="1"/>
           </p:cNvSpPr>
@@ -712,7 +5161,7 @@
           <a:bodyPr/>
           <a:lstStyle/>
           <a:p>
-            <a:fld id="{E31EC408-072F-4346-BD0A-D6AA5788A305}" type="slidenum">
+            <a:fld id="{C7B66E1F-E0F2-4CE0-80BB-B0CD885DF2C2}" type="slidenum">
               <a:rPr lang="zh-TW" altLang="en-US" smtClean="0"/>
               <a:t>‹#›</a:t>
             </a:fld>
@@ -723,7 +5172,7 @@
     </p:spTree>
     <p:extLst>
       <p:ext uri="{BB962C8B-B14F-4D97-AF65-F5344CB8AC3E}">
-        <p14:creationId xmlns:p14="http://schemas.microsoft.com/office/powerpoint/2010/main" val="2483123943"/>
+        <p14:creationId xmlns:p14="http://schemas.microsoft.com/office/powerpoint/2010/main" val="1815822257"/>
       </p:ext>
     </p:extLst>
   </p:cSld>
@@ -750,15 +5199,39 @@
           <a:chExt cx="0" cy="0"/>
         </a:xfrm>
       </p:grpSpPr>
-      <p:sp>
-        <p:nvSpPr>
-          <p:cNvPr id="2" name="標題 1">
+      <p:pic>
+        <p:nvPicPr>
+          <p:cNvPr id="3" name="Picture 2" descr="Droplets-HD-Content-R1d.png"/>
+          <p:cNvPicPr>
+            <a:picLocks noChangeAspect="1"/>
+          </p:cNvPicPr>
+          <p:nvPr/>
+        </p:nvPicPr>
+        <p:blipFill>
+          <a:blip r:embed="rId2">
             <a:extLst>
-              <a:ext uri="{FF2B5EF4-FFF2-40B4-BE49-F238E27FC236}">
-                <a16:creationId xmlns:a16="http://schemas.microsoft.com/office/drawing/2014/main" id="{A1BFCF4C-FB58-444C-B754-A594851E4C7B}"/>
+              <a:ext uri="{28A0092B-C50C-407E-A947-70E740481C1C}">
+                <a14:useLocalDpi xmlns:a14="http://schemas.microsoft.com/office/drawing/2010/main" val="0"/>
               </a:ext>
             </a:extLst>
-          </p:cNvPr>
+          </a:blip>
+          <a:stretch>
+            <a:fillRect/>
+          </a:stretch>
+        </p:blipFill>
+        <p:spPr>
+          <a:xfrm>
+            <a:off x="0" y="0"/>
+            <a:ext cx="12192000" cy="6858000"/>
+          </a:xfrm>
+          <a:prstGeom prst="rect">
+            <a:avLst/>
+          </a:prstGeom>
+        </p:spPr>
+      </p:pic>
+      <p:sp>
+        <p:nvSpPr>
+          <p:cNvPr id="2" name="Title 1"/>
           <p:cNvSpPr>
             <a:spLocks noGrp="1"/>
           </p:cNvSpPr>
@@ -775,26 +5248,26 @@
               <a:rPr lang="zh-TW" altLang="en-US"/>
               <a:t>按一下以編輯母片標題樣式</a:t>
             </a:r>
-          </a:p>
-        </p:txBody>
-      </p:sp>
-      <p:sp>
-        <p:nvSpPr>
-          <p:cNvPr id="3" name="內容版面配置區 2">
-            <a:extLst>
-              <a:ext uri="{FF2B5EF4-FFF2-40B4-BE49-F238E27FC236}">
-                <a16:creationId xmlns:a16="http://schemas.microsoft.com/office/drawing/2014/main" id="{987C475D-648F-4511-A6FE-04B04F755F93}"/>
-              </a:ext>
-            </a:extLst>
-          </p:cNvPr>
-          <p:cNvSpPr>
-            <a:spLocks noGrp="1"/>
-          </p:cNvSpPr>
-          <p:nvPr>
-            <p:ph idx="1"/>
-          </p:nvPr>
-        </p:nvSpPr>
-        <p:spPr/>
+            <a:endParaRPr lang="en-US" dirty="0"/>
+          </a:p>
+        </p:txBody>
+      </p:sp>
+      <p:sp>
+        <p:nvSpPr>
+          <p:cNvPr id="12" name="Content Placeholder 2"/>
+          <p:cNvSpPr>
+            <a:spLocks noGrp="1"/>
+          </p:cNvSpPr>
+          <p:nvPr>
+            <p:ph sz="quarter" idx="13"/>
+          </p:nvPr>
+        </p:nvSpPr>
+        <p:spPr>
+          <a:xfrm>
+            <a:off x="913774" y="2367092"/>
+            <a:ext cx="10363826" cy="3424107"/>
+          </a:xfrm>
+        </p:spPr>
         <p:txBody>
           <a:bodyPr/>
           <a:lstStyle/>
@@ -832,18 +5305,13 @@
               <a:rPr lang="zh-TW" altLang="en-US"/>
               <a:t>第五層</a:t>
             </a:r>
-          </a:p>
-        </p:txBody>
-      </p:sp>
-      <p:sp>
-        <p:nvSpPr>
-          <p:cNvPr id="4" name="日期版面配置區 3">
-            <a:extLst>
-              <a:ext uri="{FF2B5EF4-FFF2-40B4-BE49-F238E27FC236}">
-                <a16:creationId xmlns:a16="http://schemas.microsoft.com/office/drawing/2014/main" id="{F511FCF8-D8F7-4914-920F-D63F2D97F713}"/>
-              </a:ext>
-            </a:extLst>
-          </p:cNvPr>
+            <a:endParaRPr lang="en-US" dirty="0"/>
+          </a:p>
+        </p:txBody>
+      </p:sp>
+      <p:sp>
+        <p:nvSpPr>
+          <p:cNvPr id="4" name="Date Placeholder 3"/>
           <p:cNvSpPr>
             <a:spLocks noGrp="1"/>
           </p:cNvSpPr>
@@ -856,9 +5324,9 @@
           <a:bodyPr/>
           <a:lstStyle/>
           <a:p>
-            <a:fld id="{C3C90D7E-32D6-4894-AE08-7BBB3E610FC9}" type="datetimeFigureOut">
+            <a:fld id="{4B79CABA-914F-43AC-AE68-5F197FBCE171}" type="datetimeFigureOut">
               <a:rPr lang="zh-TW" altLang="en-US" smtClean="0"/>
-              <a:t>2024/9/16</a:t>
+              <a:t>2024/10/20</a:t>
             </a:fld>
             <a:endParaRPr lang="zh-TW" altLang="en-US"/>
           </a:p>
@@ -866,13 +5334,7 @@
       </p:sp>
       <p:sp>
         <p:nvSpPr>
-          <p:cNvPr id="5" name="頁尾版面配置區 4">
-            <a:extLst>
-              <a:ext uri="{FF2B5EF4-FFF2-40B4-BE49-F238E27FC236}">
-                <a16:creationId xmlns:a16="http://schemas.microsoft.com/office/drawing/2014/main" id="{7E1D3E8F-338D-4B4D-B411-5282866FF95D}"/>
-              </a:ext>
-            </a:extLst>
-          </p:cNvPr>
+          <p:cNvPr id="5" name="Footer Placeholder 4"/>
           <p:cNvSpPr>
             <a:spLocks noGrp="1"/>
           </p:cNvSpPr>
@@ -891,13 +5353,7 @@
       </p:sp>
       <p:sp>
         <p:nvSpPr>
-          <p:cNvPr id="6" name="投影片編號版面配置區 5">
-            <a:extLst>
-              <a:ext uri="{FF2B5EF4-FFF2-40B4-BE49-F238E27FC236}">
-                <a16:creationId xmlns:a16="http://schemas.microsoft.com/office/drawing/2014/main" id="{F7DF3AD5-06B6-42D8-AEDF-66CCE6582524}"/>
-              </a:ext>
-            </a:extLst>
-          </p:cNvPr>
+          <p:cNvPr id="6" name="Slide Number Placeholder 5"/>
           <p:cNvSpPr>
             <a:spLocks noGrp="1"/>
           </p:cNvSpPr>
@@ -910,7 +5366,7 @@
           <a:bodyPr/>
           <a:lstStyle/>
           <a:p>
-            <a:fld id="{E31EC408-072F-4346-BD0A-D6AA5788A305}" type="slidenum">
+            <a:fld id="{C7B66E1F-E0F2-4CE0-80BB-B0CD885DF2C2}" type="slidenum">
               <a:rPr lang="zh-TW" altLang="en-US" smtClean="0"/>
               <a:t>‹#›</a:t>
             </a:fld>
@@ -921,7 +5377,7 @@
     </p:spTree>
     <p:extLst>
       <p:ext uri="{BB962C8B-B14F-4D97-AF65-F5344CB8AC3E}">
-        <p14:creationId xmlns:p14="http://schemas.microsoft.com/office/powerpoint/2010/main" val="4198509733"/>
+        <p14:creationId xmlns:p14="http://schemas.microsoft.com/office/powerpoint/2010/main" val="1585216022"/>
       </p:ext>
     </p:extLst>
   </p:cSld>
@@ -948,33 +5404,59 @@
           <a:chExt cx="0" cy="0"/>
         </a:xfrm>
       </p:grpSpPr>
-      <p:sp>
-        <p:nvSpPr>
-          <p:cNvPr id="2" name="標題 1">
+      <p:pic>
+        <p:nvPicPr>
+          <p:cNvPr id="9" name="Picture 8" descr="Droplets-HD-Content-R1d.png"/>
+          <p:cNvPicPr>
+            <a:picLocks noChangeAspect="1"/>
+          </p:cNvPicPr>
+          <p:nvPr/>
+        </p:nvPicPr>
+        <p:blipFill>
+          <a:blip r:embed="rId2">
             <a:extLst>
-              <a:ext uri="{FF2B5EF4-FFF2-40B4-BE49-F238E27FC236}">
-                <a16:creationId xmlns:a16="http://schemas.microsoft.com/office/drawing/2014/main" id="{5986B870-2B24-4658-9AEB-3C92E8E40B41}"/>
+              <a:ext uri="{28A0092B-C50C-407E-A947-70E740481C1C}">
+                <a14:useLocalDpi xmlns:a14="http://schemas.microsoft.com/office/drawing/2010/main" val="0"/>
               </a:ext>
             </a:extLst>
-          </p:cNvPr>
-          <p:cNvSpPr>
-            <a:spLocks noGrp="1"/>
-          </p:cNvSpPr>
-          <p:nvPr>
-            <p:ph type="title"/>
-          </p:nvPr>
-        </p:nvSpPr>
+          </a:blip>
+          <a:stretch>
+            <a:fillRect/>
+          </a:stretch>
+        </p:blipFill>
         <p:spPr>
           <a:xfrm>
-            <a:off x="831850" y="1709738"/>
-            <a:ext cx="10515600" cy="2852737"/>
+            <a:off x="0" y="0"/>
+            <a:ext cx="12192000" cy="6858000"/>
+          </a:xfrm>
+          <a:prstGeom prst="rect">
+            <a:avLst/>
+          </a:prstGeom>
+        </p:spPr>
+      </p:pic>
+      <p:sp>
+        <p:nvSpPr>
+          <p:cNvPr id="2" name="Title 1"/>
+          <p:cNvSpPr>
+            <a:spLocks noGrp="1"/>
+          </p:cNvSpPr>
+          <p:nvPr>
+            <p:ph type="title"/>
+          </p:nvPr>
+        </p:nvSpPr>
+        <p:spPr>
+          <a:xfrm>
+            <a:off x="913774" y="828563"/>
+            <a:ext cx="10351752" cy="2736819"/>
           </a:xfrm>
         </p:spPr>
         <p:txBody>
-          <a:bodyPr anchor="b"/>
+          <a:bodyPr anchor="b">
+            <a:normAutofit/>
+          </a:bodyPr>
           <a:lstStyle>
             <a:lvl1pPr>
-              <a:defRPr sz="6000"/>
+              <a:defRPr sz="4000"/>
             </a:lvl1pPr>
           </a:lstStyle>
           <a:p>
@@ -982,18 +5464,13 @@
               <a:rPr lang="zh-TW" altLang="en-US"/>
               <a:t>按一下以編輯母片標題樣式</a:t>
             </a:r>
-          </a:p>
-        </p:txBody>
-      </p:sp>
-      <p:sp>
-        <p:nvSpPr>
-          <p:cNvPr id="3" name="文字版面配置區 2">
-            <a:extLst>
-              <a:ext uri="{FF2B5EF4-FFF2-40B4-BE49-F238E27FC236}">
-                <a16:creationId xmlns:a16="http://schemas.microsoft.com/office/drawing/2014/main" id="{90235018-E757-4630-8511-F466B919268F}"/>
-              </a:ext>
-            </a:extLst>
-          </p:cNvPr>
+            <a:endParaRPr lang="en-US" dirty="0"/>
+          </a:p>
+        </p:txBody>
+      </p:sp>
+      <p:sp>
+        <p:nvSpPr>
+          <p:cNvPr id="3" name="Text Placeholder 2"/>
           <p:cNvSpPr>
             <a:spLocks noGrp="1"/>
           </p:cNvSpPr>
@@ -1003,19 +5480,21 @@
         </p:nvSpPr>
         <p:spPr>
           <a:xfrm>
-            <a:off x="831850" y="4589463"/>
-            <a:ext cx="10515600" cy="1500187"/>
+            <a:off x="913774" y="3657457"/>
+            <a:ext cx="10351752" cy="1368183"/>
           </a:xfrm>
         </p:spPr>
         <p:txBody>
-          <a:bodyPr/>
+          <a:bodyPr>
+            <a:normAutofit/>
+          </a:bodyPr>
           <a:lstStyle>
-            <a:lvl1pPr marL="0" indent="0">
-              <a:buNone/>
-              <a:defRPr sz="2400">
+            <a:lvl1pPr marL="0" indent="0" algn="ctr">
+              <a:buNone/>
+              <a:defRPr sz="2000">
                 <a:solidFill>
-                  <a:schemeClr val="tx1">
-                    <a:tint val="75000"/>
+                  <a:schemeClr val="bg1">
+                    <a:lumMod val="50000"/>
                   </a:schemeClr>
                 </a:solidFill>
               </a:defRPr>
@@ -1112,13 +5591,7 @@
       </p:sp>
       <p:sp>
         <p:nvSpPr>
-          <p:cNvPr id="4" name="日期版面配置區 3">
-            <a:extLst>
-              <a:ext uri="{FF2B5EF4-FFF2-40B4-BE49-F238E27FC236}">
-                <a16:creationId xmlns:a16="http://schemas.microsoft.com/office/drawing/2014/main" id="{37546C76-CF19-433D-9070-0A54A149F1B2}"/>
-              </a:ext>
-            </a:extLst>
-          </p:cNvPr>
+          <p:cNvPr id="4" name="Date Placeholder 3"/>
           <p:cNvSpPr>
             <a:spLocks noGrp="1"/>
           </p:cNvSpPr>
@@ -1131,9 +5604,9 @@
           <a:bodyPr/>
           <a:lstStyle/>
           <a:p>
-            <a:fld id="{C3C90D7E-32D6-4894-AE08-7BBB3E610FC9}" type="datetimeFigureOut">
+            <a:fld id="{4B79CABA-914F-43AC-AE68-5F197FBCE171}" type="datetimeFigureOut">
               <a:rPr lang="zh-TW" altLang="en-US" smtClean="0"/>
-              <a:t>2024/9/16</a:t>
+              <a:t>2024/10/20</a:t>
             </a:fld>
             <a:endParaRPr lang="zh-TW" altLang="en-US"/>
           </a:p>
@@ -1141,13 +5614,7 @@
       </p:sp>
       <p:sp>
         <p:nvSpPr>
-          <p:cNvPr id="5" name="頁尾版面配置區 4">
-            <a:extLst>
-              <a:ext uri="{FF2B5EF4-FFF2-40B4-BE49-F238E27FC236}">
-                <a16:creationId xmlns:a16="http://schemas.microsoft.com/office/drawing/2014/main" id="{9C9DC25F-827C-4564-AD0E-7FD815D53AF7}"/>
-              </a:ext>
-            </a:extLst>
-          </p:cNvPr>
+          <p:cNvPr id="5" name="Footer Placeholder 4"/>
           <p:cNvSpPr>
             <a:spLocks noGrp="1"/>
           </p:cNvSpPr>
@@ -1166,13 +5633,7 @@
       </p:sp>
       <p:sp>
         <p:nvSpPr>
-          <p:cNvPr id="6" name="投影片編號版面配置區 5">
-            <a:extLst>
-              <a:ext uri="{FF2B5EF4-FFF2-40B4-BE49-F238E27FC236}">
-                <a16:creationId xmlns:a16="http://schemas.microsoft.com/office/drawing/2014/main" id="{8C0653A6-68AA-4213-8D62-EAF9243D6998}"/>
-              </a:ext>
-            </a:extLst>
-          </p:cNvPr>
+          <p:cNvPr id="6" name="Slide Number Placeholder 5"/>
           <p:cNvSpPr>
             <a:spLocks noGrp="1"/>
           </p:cNvSpPr>
@@ -1185,7 +5646,7 @@
           <a:bodyPr/>
           <a:lstStyle/>
           <a:p>
-            <a:fld id="{E31EC408-072F-4346-BD0A-D6AA5788A305}" type="slidenum">
+            <a:fld id="{C7B66E1F-E0F2-4CE0-80BB-B0CD885DF2C2}" type="slidenum">
               <a:rPr lang="zh-TW" altLang="en-US" smtClean="0"/>
               <a:t>‹#›</a:t>
             </a:fld>
@@ -1196,7 +5657,7 @@
     </p:spTree>
     <p:extLst>
       <p:ext uri="{BB962C8B-B14F-4D97-AF65-F5344CB8AC3E}">
-        <p14:creationId xmlns:p14="http://schemas.microsoft.com/office/powerpoint/2010/main" val="3126775509"/>
+        <p14:creationId xmlns:p14="http://schemas.microsoft.com/office/powerpoint/2010/main" val="687910592"/>
       </p:ext>
     </p:extLst>
   </p:cSld>
@@ -1223,15 +5684,39 @@
           <a:chExt cx="0" cy="0"/>
         </a:xfrm>
       </p:grpSpPr>
-      <p:sp>
-        <p:nvSpPr>
-          <p:cNvPr id="2" name="標題 1">
+      <p:pic>
+        <p:nvPicPr>
+          <p:cNvPr id="10" name="Picture 9" descr="Droplets-HD-Content-R1d.png"/>
+          <p:cNvPicPr>
+            <a:picLocks noChangeAspect="1"/>
+          </p:cNvPicPr>
+          <p:nvPr/>
+        </p:nvPicPr>
+        <p:blipFill>
+          <a:blip r:embed="rId2">
             <a:extLst>
-              <a:ext uri="{FF2B5EF4-FFF2-40B4-BE49-F238E27FC236}">
-                <a16:creationId xmlns:a16="http://schemas.microsoft.com/office/drawing/2014/main" id="{F8A74D77-9E6E-4FD1-97AD-0ADC1228B6AF}"/>
+              <a:ext uri="{28A0092B-C50C-407E-A947-70E740481C1C}">
+                <a14:useLocalDpi xmlns:a14="http://schemas.microsoft.com/office/drawing/2010/main" val="0"/>
               </a:ext>
             </a:extLst>
-          </p:cNvPr>
+          </a:blip>
+          <a:stretch>
+            <a:fillRect/>
+          </a:stretch>
+        </p:blipFill>
+        <p:spPr>
+          <a:xfrm>
+            <a:off x="0" y="0"/>
+            <a:ext cx="12192000" cy="6858000"/>
+          </a:xfrm>
+          <a:prstGeom prst="rect">
+            <a:avLst/>
+          </a:prstGeom>
+        </p:spPr>
+      </p:pic>
+      <p:sp>
+        <p:nvSpPr>
+          <p:cNvPr id="14" name="Title 1"/>
           <p:cNvSpPr>
             <a:spLocks noGrp="1"/>
           </p:cNvSpPr>
@@ -1239,7 +5724,12 @@
             <p:ph type="title"/>
           </p:nvPr>
         </p:nvSpPr>
-        <p:spPr/>
+        <p:spPr>
+          <a:xfrm>
+            <a:off x="913775" y="618517"/>
+            <a:ext cx="10364451" cy="1596177"/>
+          </a:xfrm>
+        </p:spPr>
         <p:txBody>
           <a:bodyPr/>
           <a:lstStyle/>
@@ -1248,29 +5738,24 @@
               <a:rPr lang="zh-TW" altLang="en-US"/>
               <a:t>按一下以編輯母片標題樣式</a:t>
             </a:r>
-          </a:p>
-        </p:txBody>
-      </p:sp>
-      <p:sp>
-        <p:nvSpPr>
-          <p:cNvPr id="3" name="內容版面配置區 2">
-            <a:extLst>
-              <a:ext uri="{FF2B5EF4-FFF2-40B4-BE49-F238E27FC236}">
-                <a16:creationId xmlns:a16="http://schemas.microsoft.com/office/drawing/2014/main" id="{9FDE4E9B-689C-4373-B281-9636BE211982}"/>
-              </a:ext>
-            </a:extLst>
-          </p:cNvPr>
-          <p:cNvSpPr>
-            <a:spLocks noGrp="1"/>
-          </p:cNvSpPr>
-          <p:nvPr>
-            <p:ph sz="half" idx="1"/>
+            <a:endParaRPr lang="en-US" dirty="0"/>
+          </a:p>
+        </p:txBody>
+      </p:sp>
+      <p:sp>
+        <p:nvSpPr>
+          <p:cNvPr id="12" name="Content Placeholder 2"/>
+          <p:cNvSpPr>
+            <a:spLocks noGrp="1"/>
+          </p:cNvSpPr>
+          <p:nvPr>
+            <p:ph sz="quarter" idx="13"/>
           </p:nvPr>
         </p:nvSpPr>
         <p:spPr>
           <a:xfrm>
-            <a:off x="838200" y="1825625"/>
-            <a:ext cx="5181600" cy="4351338"/>
+            <a:off x="913774" y="2367092"/>
+            <a:ext cx="5106026" cy="3424107"/>
           </a:xfrm>
         </p:spPr>
         <p:txBody>
@@ -1310,29 +5795,24 @@
               <a:rPr lang="zh-TW" altLang="en-US"/>
               <a:t>第五層</a:t>
             </a:r>
-          </a:p>
-        </p:txBody>
-      </p:sp>
-      <p:sp>
-        <p:nvSpPr>
-          <p:cNvPr id="4" name="內容版面配置區 3">
-            <a:extLst>
-              <a:ext uri="{FF2B5EF4-FFF2-40B4-BE49-F238E27FC236}">
-                <a16:creationId xmlns:a16="http://schemas.microsoft.com/office/drawing/2014/main" id="{CD25EC10-0BDA-4ECA-AB8E-059AC3378E22}"/>
-              </a:ext>
-            </a:extLst>
-          </p:cNvPr>
-          <p:cNvSpPr>
-            <a:spLocks noGrp="1"/>
-          </p:cNvSpPr>
-          <p:nvPr>
-            <p:ph sz="half" idx="2"/>
+            <a:endParaRPr lang="en-US" dirty="0"/>
+          </a:p>
+        </p:txBody>
+      </p:sp>
+      <p:sp>
+        <p:nvSpPr>
+          <p:cNvPr id="13" name="Content Placeholder 3"/>
+          <p:cNvSpPr>
+            <a:spLocks noGrp="1"/>
+          </p:cNvSpPr>
+          <p:nvPr>
+            <p:ph sz="quarter" idx="14"/>
           </p:nvPr>
         </p:nvSpPr>
         <p:spPr>
           <a:xfrm>
-            <a:off x="6172200" y="1825625"/>
-            <a:ext cx="5181600" cy="4351338"/>
+            <a:off x="6172200" y="2367092"/>
+            <a:ext cx="5105400" cy="3424107"/>
           </a:xfrm>
         </p:spPr>
         <p:txBody>
@@ -1372,18 +5852,13 @@
               <a:rPr lang="zh-TW" altLang="en-US"/>
               <a:t>第五層</a:t>
             </a:r>
-          </a:p>
-        </p:txBody>
-      </p:sp>
-      <p:sp>
-        <p:nvSpPr>
-          <p:cNvPr id="5" name="日期版面配置區 4">
-            <a:extLst>
-              <a:ext uri="{FF2B5EF4-FFF2-40B4-BE49-F238E27FC236}">
-                <a16:creationId xmlns:a16="http://schemas.microsoft.com/office/drawing/2014/main" id="{63DAF127-0983-4C38-869C-C0A513FA9147}"/>
-              </a:ext>
-            </a:extLst>
-          </p:cNvPr>
+            <a:endParaRPr lang="en-US" dirty="0"/>
+          </a:p>
+        </p:txBody>
+      </p:sp>
+      <p:sp>
+        <p:nvSpPr>
+          <p:cNvPr id="5" name="Date Placeholder 4"/>
           <p:cNvSpPr>
             <a:spLocks noGrp="1"/>
           </p:cNvSpPr>
@@ -1396,9 +5871,9 @@
           <a:bodyPr/>
           <a:lstStyle/>
           <a:p>
-            <a:fld id="{C3C90D7E-32D6-4894-AE08-7BBB3E610FC9}" type="datetimeFigureOut">
+            <a:fld id="{4B79CABA-914F-43AC-AE68-5F197FBCE171}" type="datetimeFigureOut">
               <a:rPr lang="zh-TW" altLang="en-US" smtClean="0"/>
-              <a:t>2024/9/16</a:t>
+              <a:t>2024/10/20</a:t>
             </a:fld>
             <a:endParaRPr lang="zh-TW" altLang="en-US"/>
           </a:p>
@@ -1406,13 +5881,7 @@
       </p:sp>
       <p:sp>
         <p:nvSpPr>
-          <p:cNvPr id="6" name="頁尾版面配置區 5">
-            <a:extLst>
-              <a:ext uri="{FF2B5EF4-FFF2-40B4-BE49-F238E27FC236}">
-                <a16:creationId xmlns:a16="http://schemas.microsoft.com/office/drawing/2014/main" id="{E014CBA6-CCE3-4CF4-8E13-D895EDBD8F25}"/>
-              </a:ext>
-            </a:extLst>
-          </p:cNvPr>
+          <p:cNvPr id="6" name="Footer Placeholder 5"/>
           <p:cNvSpPr>
             <a:spLocks noGrp="1"/>
           </p:cNvSpPr>
@@ -1431,13 +5900,7 @@
       </p:sp>
       <p:sp>
         <p:nvSpPr>
-          <p:cNvPr id="7" name="投影片編號版面配置區 6">
-            <a:extLst>
-              <a:ext uri="{FF2B5EF4-FFF2-40B4-BE49-F238E27FC236}">
-                <a16:creationId xmlns:a16="http://schemas.microsoft.com/office/drawing/2014/main" id="{5CEAA8E5-79B3-445E-B8C3-29BD56CE6D7A}"/>
-              </a:ext>
-            </a:extLst>
-          </p:cNvPr>
+          <p:cNvPr id="7" name="Slide Number Placeholder 6"/>
           <p:cNvSpPr>
             <a:spLocks noGrp="1"/>
           </p:cNvSpPr>
@@ -1450,7 +5913,7 @@
           <a:bodyPr/>
           <a:lstStyle/>
           <a:p>
-            <a:fld id="{E31EC408-072F-4346-BD0A-D6AA5788A305}" type="slidenum">
+            <a:fld id="{C7B66E1F-E0F2-4CE0-80BB-B0CD885DF2C2}" type="slidenum">
               <a:rPr lang="zh-TW" altLang="en-US" smtClean="0"/>
               <a:t>‹#›</a:t>
             </a:fld>
@@ -1461,7 +5924,7 @@
     </p:spTree>
     <p:extLst>
       <p:ext uri="{BB962C8B-B14F-4D97-AF65-F5344CB8AC3E}">
-        <p14:creationId xmlns:p14="http://schemas.microsoft.com/office/powerpoint/2010/main" val="3858213488"/>
+        <p14:creationId xmlns:p14="http://schemas.microsoft.com/office/powerpoint/2010/main" val="2171637986"/>
       </p:ext>
     </p:extLst>
   </p:cSld>
@@ -1488,26 +5951,50 @@
           <a:chExt cx="0" cy="0"/>
         </a:xfrm>
       </p:grpSpPr>
-      <p:sp>
-        <p:nvSpPr>
-          <p:cNvPr id="2" name="標題 1">
+      <p:pic>
+        <p:nvPicPr>
+          <p:cNvPr id="15" name="Picture 14" descr="Droplets-HD-Content-R1d.png"/>
+          <p:cNvPicPr>
+            <a:picLocks noChangeAspect="1"/>
+          </p:cNvPicPr>
+          <p:nvPr/>
+        </p:nvPicPr>
+        <p:blipFill>
+          <a:blip r:embed="rId2">
             <a:extLst>
-              <a:ext uri="{FF2B5EF4-FFF2-40B4-BE49-F238E27FC236}">
-                <a16:creationId xmlns:a16="http://schemas.microsoft.com/office/drawing/2014/main" id="{A00F76B6-8DEC-4A74-A06A-BA0146321CD8}"/>
+              <a:ext uri="{28A0092B-C50C-407E-A947-70E740481C1C}">
+                <a14:useLocalDpi xmlns:a14="http://schemas.microsoft.com/office/drawing/2010/main" val="0"/>
               </a:ext>
             </a:extLst>
-          </p:cNvPr>
-          <p:cNvSpPr>
-            <a:spLocks noGrp="1"/>
-          </p:cNvSpPr>
-          <p:nvPr>
-            <p:ph type="title"/>
-          </p:nvPr>
-        </p:nvSpPr>
+          </a:blip>
+          <a:stretch>
+            <a:fillRect/>
+          </a:stretch>
+        </p:blipFill>
         <p:spPr>
           <a:xfrm>
-            <a:off x="839788" y="365125"/>
-            <a:ext cx="10515600" cy="1325563"/>
+            <a:off x="0" y="0"/>
+            <a:ext cx="12192000" cy="6858000"/>
+          </a:xfrm>
+          <a:prstGeom prst="rect">
+            <a:avLst/>
+          </a:prstGeom>
+        </p:spPr>
+      </p:pic>
+      <p:sp>
+        <p:nvSpPr>
+          <p:cNvPr id="14" name="Title 1"/>
+          <p:cNvSpPr>
+            <a:spLocks noGrp="1"/>
+          </p:cNvSpPr>
+          <p:nvPr>
+            <p:ph type="title"/>
+          </p:nvPr>
+        </p:nvSpPr>
+        <p:spPr>
+          <a:xfrm>
+            <a:off x="913775" y="618517"/>
+            <a:ext cx="10364451" cy="1596177"/>
           </a:xfrm>
         </p:spPr>
         <p:txBody>
@@ -1518,18 +6005,13 @@
               <a:rPr lang="zh-TW" altLang="en-US"/>
               <a:t>按一下以編輯母片標題樣式</a:t>
             </a:r>
-          </a:p>
-        </p:txBody>
-      </p:sp>
-      <p:sp>
-        <p:nvSpPr>
-          <p:cNvPr id="3" name="文字版面配置區 2">
-            <a:extLst>
-              <a:ext uri="{FF2B5EF4-FFF2-40B4-BE49-F238E27FC236}">
-                <a16:creationId xmlns:a16="http://schemas.microsoft.com/office/drawing/2014/main" id="{EF00F5C5-99A7-4F16-855A-F170362659F7}"/>
-              </a:ext>
-            </a:extLst>
-          </p:cNvPr>
+            <a:endParaRPr lang="en-US" dirty="0"/>
+          </a:p>
+        </p:txBody>
+      </p:sp>
+      <p:sp>
+        <p:nvSpPr>
+          <p:cNvPr id="3" name="Text Placeholder 2"/>
           <p:cNvSpPr>
             <a:spLocks noGrp="1"/>
           </p:cNvSpPr>
@@ -1539,16 +6021,25 @@
         </p:nvSpPr>
         <p:spPr>
           <a:xfrm>
-            <a:off x="839788" y="1681163"/>
-            <a:ext cx="5157787" cy="823912"/>
+            <a:off x="1146328" y="2371018"/>
+            <a:ext cx="4873474" cy="679994"/>
           </a:xfrm>
         </p:spPr>
         <p:txBody>
-          <a:bodyPr anchor="b"/>
+          <a:bodyPr anchor="b">
+            <a:noAutofit/>
+          </a:bodyPr>
           <a:lstStyle>
             <a:lvl1pPr marL="0" indent="0">
-              <a:buNone/>
-              <a:defRPr sz="2400" b="1"/>
+              <a:lnSpc>
+                <a:spcPct val="85000"/>
+              </a:lnSpc>
+              <a:buNone/>
+              <a:defRPr sz="2600" b="0">
+                <a:solidFill>
+                  <a:schemeClr val="tx1"/>
+                </a:solidFill>
+              </a:defRPr>
             </a:lvl1pPr>
             <a:lvl2pPr marL="457200" indent="0">
               <a:buNone/>
@@ -1594,24 +6085,18 @@
       </p:sp>
       <p:sp>
         <p:nvSpPr>
-          <p:cNvPr id="4" name="內容版面配置區 3">
-            <a:extLst>
-              <a:ext uri="{FF2B5EF4-FFF2-40B4-BE49-F238E27FC236}">
-                <a16:creationId xmlns:a16="http://schemas.microsoft.com/office/drawing/2014/main" id="{6722BEB2-C9B4-4C14-8234-D17E84349984}"/>
-              </a:ext>
-            </a:extLst>
-          </p:cNvPr>
-          <p:cNvSpPr>
-            <a:spLocks noGrp="1"/>
-          </p:cNvSpPr>
-          <p:nvPr>
-            <p:ph sz="half" idx="2"/>
+          <p:cNvPr id="12" name="Content Placeholder 3"/>
+          <p:cNvSpPr>
+            <a:spLocks noGrp="1"/>
+          </p:cNvSpPr>
+          <p:nvPr>
+            <p:ph sz="quarter" idx="13"/>
           </p:nvPr>
         </p:nvSpPr>
         <p:spPr>
           <a:xfrm>
-            <a:off x="839788" y="2505075"/>
-            <a:ext cx="5157787" cy="3684588"/>
+            <a:off x="913774" y="3051012"/>
+            <a:ext cx="5106027" cy="2740187"/>
           </a:xfrm>
         </p:spPr>
         <p:txBody>
@@ -1651,18 +6136,13 @@
               <a:rPr lang="zh-TW" altLang="en-US"/>
               <a:t>第五層</a:t>
             </a:r>
-          </a:p>
-        </p:txBody>
-      </p:sp>
-      <p:sp>
-        <p:nvSpPr>
-          <p:cNvPr id="5" name="文字版面配置區 4">
-            <a:extLst>
-              <a:ext uri="{FF2B5EF4-FFF2-40B4-BE49-F238E27FC236}">
-                <a16:creationId xmlns:a16="http://schemas.microsoft.com/office/drawing/2014/main" id="{E4A41162-A0AC-4211-940F-4B92208F9B0E}"/>
-              </a:ext>
-            </a:extLst>
-          </p:cNvPr>
+            <a:endParaRPr lang="en-US" dirty="0"/>
+          </a:p>
+        </p:txBody>
+      </p:sp>
+      <p:sp>
+        <p:nvSpPr>
+          <p:cNvPr id="5" name="Text Placeholder 4"/>
           <p:cNvSpPr>
             <a:spLocks noGrp="1"/>
           </p:cNvSpPr>
@@ -1672,16 +6152,25 @@
         </p:nvSpPr>
         <p:spPr>
           <a:xfrm>
-            <a:off x="6172200" y="1681163"/>
-            <a:ext cx="5183188" cy="823912"/>
+            <a:off x="6396423" y="2371018"/>
+            <a:ext cx="4881804" cy="679994"/>
           </a:xfrm>
         </p:spPr>
         <p:txBody>
-          <a:bodyPr anchor="b"/>
+          <a:bodyPr anchor="b">
+            <a:noAutofit/>
+          </a:bodyPr>
           <a:lstStyle>
             <a:lvl1pPr marL="0" indent="0">
-              <a:buNone/>
-              <a:defRPr sz="2400" b="1"/>
+              <a:lnSpc>
+                <a:spcPct val="85000"/>
+              </a:lnSpc>
+              <a:buNone/>
+              <a:defRPr sz="2600" b="0">
+                <a:solidFill>
+                  <a:schemeClr val="tx1"/>
+                </a:solidFill>
+              </a:defRPr>
             </a:lvl1pPr>
             <a:lvl2pPr marL="457200" indent="0">
               <a:buNone/>
@@ -1727,24 +6216,18 @@
       </p:sp>
       <p:sp>
         <p:nvSpPr>
-          <p:cNvPr id="6" name="內容版面配置區 5">
-            <a:extLst>
-              <a:ext uri="{FF2B5EF4-FFF2-40B4-BE49-F238E27FC236}">
-                <a16:creationId xmlns:a16="http://schemas.microsoft.com/office/drawing/2014/main" id="{E8EA159A-F9D7-4F58-A7C3-6E5B65E42266}"/>
-              </a:ext>
-            </a:extLst>
-          </p:cNvPr>
-          <p:cNvSpPr>
-            <a:spLocks noGrp="1"/>
-          </p:cNvSpPr>
-          <p:nvPr>
-            <p:ph sz="quarter" idx="4"/>
+          <p:cNvPr id="13" name="Content Placeholder 5"/>
+          <p:cNvSpPr>
+            <a:spLocks noGrp="1"/>
+          </p:cNvSpPr>
+          <p:nvPr>
+            <p:ph sz="quarter" idx="14"/>
           </p:nvPr>
         </p:nvSpPr>
         <p:spPr>
           <a:xfrm>
-            <a:off x="6172200" y="2505075"/>
-            <a:ext cx="5183188" cy="3684588"/>
+            <a:off x="6172200" y="3051012"/>
+            <a:ext cx="5105401" cy="2740187"/>
           </a:xfrm>
         </p:spPr>
         <p:txBody>
@@ -1784,18 +6267,13 @@
               <a:rPr lang="zh-TW" altLang="en-US"/>
               <a:t>第五層</a:t>
             </a:r>
-          </a:p>
-        </p:txBody>
-      </p:sp>
-      <p:sp>
-        <p:nvSpPr>
-          <p:cNvPr id="7" name="日期版面配置區 6">
-            <a:extLst>
-              <a:ext uri="{FF2B5EF4-FFF2-40B4-BE49-F238E27FC236}">
-                <a16:creationId xmlns:a16="http://schemas.microsoft.com/office/drawing/2014/main" id="{AE973E80-9141-48B7-A9D7-605A4541768F}"/>
-              </a:ext>
-            </a:extLst>
-          </p:cNvPr>
+            <a:endParaRPr lang="en-US" dirty="0"/>
+          </a:p>
+        </p:txBody>
+      </p:sp>
+      <p:sp>
+        <p:nvSpPr>
+          <p:cNvPr id="7" name="Date Placeholder 6"/>
           <p:cNvSpPr>
             <a:spLocks noGrp="1"/>
           </p:cNvSpPr>
@@ -1808,9 +6286,9 @@
           <a:bodyPr/>
           <a:lstStyle/>
           <a:p>
-            <a:fld id="{C3C90D7E-32D6-4894-AE08-7BBB3E610FC9}" type="datetimeFigureOut">
+            <a:fld id="{4B79CABA-914F-43AC-AE68-5F197FBCE171}" type="datetimeFigureOut">
               <a:rPr lang="zh-TW" altLang="en-US" smtClean="0"/>
-              <a:t>2024/9/16</a:t>
+              <a:t>2024/10/20</a:t>
             </a:fld>
             <a:endParaRPr lang="zh-TW" altLang="en-US"/>
           </a:p>
@@ -1818,13 +6296,7 @@
       </p:sp>
       <p:sp>
         <p:nvSpPr>
-          <p:cNvPr id="8" name="頁尾版面配置區 7">
-            <a:extLst>
-              <a:ext uri="{FF2B5EF4-FFF2-40B4-BE49-F238E27FC236}">
-                <a16:creationId xmlns:a16="http://schemas.microsoft.com/office/drawing/2014/main" id="{6520B07A-79F8-43E7-8013-632DD2AED223}"/>
-              </a:ext>
-            </a:extLst>
-          </p:cNvPr>
+          <p:cNvPr id="8" name="Footer Placeholder 7"/>
           <p:cNvSpPr>
             <a:spLocks noGrp="1"/>
           </p:cNvSpPr>
@@ -1843,13 +6315,7 @@
       </p:sp>
       <p:sp>
         <p:nvSpPr>
-          <p:cNvPr id="9" name="投影片編號版面配置區 8">
-            <a:extLst>
-              <a:ext uri="{FF2B5EF4-FFF2-40B4-BE49-F238E27FC236}">
-                <a16:creationId xmlns:a16="http://schemas.microsoft.com/office/drawing/2014/main" id="{3B997D8F-4F1C-4DE6-A82C-3E0C38ACAE96}"/>
-              </a:ext>
-            </a:extLst>
-          </p:cNvPr>
+          <p:cNvPr id="9" name="Slide Number Placeholder 8"/>
           <p:cNvSpPr>
             <a:spLocks noGrp="1"/>
           </p:cNvSpPr>
@@ -1862,7 +6328,7 @@
           <a:bodyPr/>
           <a:lstStyle/>
           <a:p>
-            <a:fld id="{E31EC408-072F-4346-BD0A-D6AA5788A305}" type="slidenum">
+            <a:fld id="{C7B66E1F-E0F2-4CE0-80BB-B0CD885DF2C2}" type="slidenum">
               <a:rPr lang="zh-TW" altLang="en-US" smtClean="0"/>
               <a:t>‹#›</a:t>
             </a:fld>
@@ -1873,7 +6339,7 @@
     </p:spTree>
     <p:extLst>
       <p:ext uri="{BB962C8B-B14F-4D97-AF65-F5344CB8AC3E}">
-        <p14:creationId xmlns:p14="http://schemas.microsoft.com/office/powerpoint/2010/main" val="3379995638"/>
+        <p14:creationId xmlns:p14="http://schemas.microsoft.com/office/powerpoint/2010/main" val="1906816862"/>
       </p:ext>
     </p:extLst>
   </p:cSld>
@@ -1900,15 +6366,39 @@
           <a:chExt cx="0" cy="0"/>
         </a:xfrm>
       </p:grpSpPr>
-      <p:sp>
-        <p:nvSpPr>
-          <p:cNvPr id="2" name="標題 1">
+      <p:pic>
+        <p:nvPicPr>
+          <p:cNvPr id="8" name="Picture 7" descr="Droplets-HD-Content-R1d.png"/>
+          <p:cNvPicPr>
+            <a:picLocks noChangeAspect="1"/>
+          </p:cNvPicPr>
+          <p:nvPr/>
+        </p:nvPicPr>
+        <p:blipFill>
+          <a:blip r:embed="rId2">
             <a:extLst>
-              <a:ext uri="{FF2B5EF4-FFF2-40B4-BE49-F238E27FC236}">
-                <a16:creationId xmlns:a16="http://schemas.microsoft.com/office/drawing/2014/main" id="{6CE04611-FD10-429D-89AA-73C259B64293}"/>
+              <a:ext uri="{28A0092B-C50C-407E-A947-70E740481C1C}">
+                <a14:useLocalDpi xmlns:a14="http://schemas.microsoft.com/office/drawing/2010/main" val="0"/>
               </a:ext>
             </a:extLst>
-          </p:cNvPr>
+          </a:blip>
+          <a:stretch>
+            <a:fillRect/>
+          </a:stretch>
+        </p:blipFill>
+        <p:spPr>
+          <a:xfrm>
+            <a:off x="0" y="0"/>
+            <a:ext cx="12192000" cy="6858000"/>
+          </a:xfrm>
+          <a:prstGeom prst="rect">
+            <a:avLst/>
+          </a:prstGeom>
+        </p:spPr>
+      </p:pic>
+      <p:sp>
+        <p:nvSpPr>
+          <p:cNvPr id="2" name="Title 1"/>
           <p:cNvSpPr>
             <a:spLocks noGrp="1"/>
           </p:cNvSpPr>
@@ -1925,18 +6415,13 @@
               <a:rPr lang="zh-TW" altLang="en-US"/>
               <a:t>按一下以編輯母片標題樣式</a:t>
             </a:r>
-          </a:p>
-        </p:txBody>
-      </p:sp>
-      <p:sp>
-        <p:nvSpPr>
-          <p:cNvPr id="3" name="日期版面配置區 2">
-            <a:extLst>
-              <a:ext uri="{FF2B5EF4-FFF2-40B4-BE49-F238E27FC236}">
-                <a16:creationId xmlns:a16="http://schemas.microsoft.com/office/drawing/2014/main" id="{2D9009F3-A280-4DA8-ACC4-187DE2172BCA}"/>
-              </a:ext>
-            </a:extLst>
-          </p:cNvPr>
+            <a:endParaRPr lang="en-US" dirty="0"/>
+          </a:p>
+        </p:txBody>
+      </p:sp>
+      <p:sp>
+        <p:nvSpPr>
+          <p:cNvPr id="3" name="Date Placeholder 2"/>
           <p:cNvSpPr>
             <a:spLocks noGrp="1"/>
           </p:cNvSpPr>
@@ -1949,9 +6434,9 @@
           <a:bodyPr/>
           <a:lstStyle/>
           <a:p>
-            <a:fld id="{C3C90D7E-32D6-4894-AE08-7BBB3E610FC9}" type="datetimeFigureOut">
+            <a:fld id="{4B79CABA-914F-43AC-AE68-5F197FBCE171}" type="datetimeFigureOut">
               <a:rPr lang="zh-TW" altLang="en-US" smtClean="0"/>
-              <a:t>2024/9/16</a:t>
+              <a:t>2024/10/20</a:t>
             </a:fld>
             <a:endParaRPr lang="zh-TW" altLang="en-US"/>
           </a:p>
@@ -1959,13 +6444,7 @@
       </p:sp>
       <p:sp>
         <p:nvSpPr>
-          <p:cNvPr id="4" name="頁尾版面配置區 3">
-            <a:extLst>
-              <a:ext uri="{FF2B5EF4-FFF2-40B4-BE49-F238E27FC236}">
-                <a16:creationId xmlns:a16="http://schemas.microsoft.com/office/drawing/2014/main" id="{F8FD791E-F627-4DDB-AD69-F7639FDD1767}"/>
-              </a:ext>
-            </a:extLst>
-          </p:cNvPr>
+          <p:cNvPr id="4" name="Footer Placeholder 3"/>
           <p:cNvSpPr>
             <a:spLocks noGrp="1"/>
           </p:cNvSpPr>
@@ -1984,13 +6463,7 @@
       </p:sp>
       <p:sp>
         <p:nvSpPr>
-          <p:cNvPr id="5" name="投影片編號版面配置區 4">
-            <a:extLst>
-              <a:ext uri="{FF2B5EF4-FFF2-40B4-BE49-F238E27FC236}">
-                <a16:creationId xmlns:a16="http://schemas.microsoft.com/office/drawing/2014/main" id="{CE9C3C73-9A1B-4A20-B40C-BF8E0726E9AE}"/>
-              </a:ext>
-            </a:extLst>
-          </p:cNvPr>
+          <p:cNvPr id="5" name="Slide Number Placeholder 4"/>
           <p:cNvSpPr>
             <a:spLocks noGrp="1"/>
           </p:cNvSpPr>
@@ -2003,7 +6476,7 @@
           <a:bodyPr/>
           <a:lstStyle/>
           <a:p>
-            <a:fld id="{E31EC408-072F-4346-BD0A-D6AA5788A305}" type="slidenum">
+            <a:fld id="{C7B66E1F-E0F2-4CE0-80BB-B0CD885DF2C2}" type="slidenum">
               <a:rPr lang="zh-TW" altLang="en-US" smtClean="0"/>
               <a:t>‹#›</a:t>
             </a:fld>
@@ -2014,7 +6487,7 @@
     </p:spTree>
     <p:extLst>
       <p:ext uri="{BB962C8B-B14F-4D97-AF65-F5344CB8AC3E}">
-        <p14:creationId xmlns:p14="http://schemas.microsoft.com/office/powerpoint/2010/main" val="3116621787"/>
+        <p14:creationId xmlns:p14="http://schemas.microsoft.com/office/powerpoint/2010/main" val="1661246236"/>
       </p:ext>
     </p:extLst>
   </p:cSld>
@@ -2041,15 +6514,39 @@
           <a:chExt cx="0" cy="0"/>
         </a:xfrm>
       </p:grpSpPr>
-      <p:sp>
-        <p:nvSpPr>
-          <p:cNvPr id="2" name="日期版面配置區 1">
+      <p:pic>
+        <p:nvPicPr>
+          <p:cNvPr id="7" name="Picture 6" descr="Droplets-HD-Content-R1d.png"/>
+          <p:cNvPicPr>
+            <a:picLocks noChangeAspect="1"/>
+          </p:cNvPicPr>
+          <p:nvPr/>
+        </p:nvPicPr>
+        <p:blipFill>
+          <a:blip r:embed="rId2">
             <a:extLst>
-              <a:ext uri="{FF2B5EF4-FFF2-40B4-BE49-F238E27FC236}">
-                <a16:creationId xmlns:a16="http://schemas.microsoft.com/office/drawing/2014/main" id="{1E1D8EED-F2A7-4221-9887-0DBB62EB3F80}"/>
+              <a:ext uri="{28A0092B-C50C-407E-A947-70E740481C1C}">
+                <a14:useLocalDpi xmlns:a14="http://schemas.microsoft.com/office/drawing/2010/main" val="0"/>
               </a:ext>
             </a:extLst>
-          </p:cNvPr>
+          </a:blip>
+          <a:stretch>
+            <a:fillRect/>
+          </a:stretch>
+        </p:blipFill>
+        <p:spPr>
+          <a:xfrm>
+            <a:off x="0" y="0"/>
+            <a:ext cx="12192000" cy="6858000"/>
+          </a:xfrm>
+          <a:prstGeom prst="rect">
+            <a:avLst/>
+          </a:prstGeom>
+        </p:spPr>
+      </p:pic>
+      <p:sp>
+        <p:nvSpPr>
+          <p:cNvPr id="2" name="Date Placeholder 1"/>
           <p:cNvSpPr>
             <a:spLocks noGrp="1"/>
           </p:cNvSpPr>
@@ -2062,9 +6559,9 @@
           <a:bodyPr/>
           <a:lstStyle/>
           <a:p>
-            <a:fld id="{C3C90D7E-32D6-4894-AE08-7BBB3E610FC9}" type="datetimeFigureOut">
+            <a:fld id="{4B79CABA-914F-43AC-AE68-5F197FBCE171}" type="datetimeFigureOut">
               <a:rPr lang="zh-TW" altLang="en-US" smtClean="0"/>
-              <a:t>2024/9/16</a:t>
+              <a:t>2024/10/20</a:t>
             </a:fld>
             <a:endParaRPr lang="zh-TW" altLang="en-US"/>
           </a:p>
@@ -2072,13 +6569,7 @@
       </p:sp>
       <p:sp>
         <p:nvSpPr>
-          <p:cNvPr id="3" name="頁尾版面配置區 2">
-            <a:extLst>
-              <a:ext uri="{FF2B5EF4-FFF2-40B4-BE49-F238E27FC236}">
-                <a16:creationId xmlns:a16="http://schemas.microsoft.com/office/drawing/2014/main" id="{10593B39-DC86-45A7-85EF-B4DB9C28DC80}"/>
-              </a:ext>
-            </a:extLst>
-          </p:cNvPr>
+          <p:cNvPr id="3" name="Footer Placeholder 2"/>
           <p:cNvSpPr>
             <a:spLocks noGrp="1"/>
           </p:cNvSpPr>
@@ -2097,13 +6588,7 @@
       </p:sp>
       <p:sp>
         <p:nvSpPr>
-          <p:cNvPr id="4" name="投影片編號版面配置區 3">
-            <a:extLst>
-              <a:ext uri="{FF2B5EF4-FFF2-40B4-BE49-F238E27FC236}">
-                <a16:creationId xmlns:a16="http://schemas.microsoft.com/office/drawing/2014/main" id="{3D9056B2-6966-4CAF-94D1-2295A737E168}"/>
-              </a:ext>
-            </a:extLst>
-          </p:cNvPr>
+          <p:cNvPr id="4" name="Slide Number Placeholder 3"/>
           <p:cNvSpPr>
             <a:spLocks noGrp="1"/>
           </p:cNvSpPr>
@@ -2116,7 +6601,7 @@
           <a:bodyPr/>
           <a:lstStyle/>
           <a:p>
-            <a:fld id="{E31EC408-072F-4346-BD0A-D6AA5788A305}" type="slidenum">
+            <a:fld id="{C7B66E1F-E0F2-4CE0-80BB-B0CD885DF2C2}" type="slidenum">
               <a:rPr lang="zh-TW" altLang="en-US" smtClean="0"/>
               <a:t>‹#›</a:t>
             </a:fld>
@@ -2127,7 +6612,7 @@
     </p:spTree>
     <p:extLst>
       <p:ext uri="{BB962C8B-B14F-4D97-AF65-F5344CB8AC3E}">
-        <p14:creationId xmlns:p14="http://schemas.microsoft.com/office/powerpoint/2010/main" val="3887241942"/>
+        <p14:creationId xmlns:p14="http://schemas.microsoft.com/office/powerpoint/2010/main" val="3427144119"/>
       </p:ext>
     </p:extLst>
   </p:cSld>
@@ -2154,32 +6639,56 @@
           <a:chExt cx="0" cy="0"/>
         </a:xfrm>
       </p:grpSpPr>
-      <p:sp>
-        <p:nvSpPr>
-          <p:cNvPr id="2" name="標題 1">
+      <p:pic>
+        <p:nvPicPr>
+          <p:cNvPr id="11" name="Picture 10" descr="Droplets-HD-Content-R1d.png"/>
+          <p:cNvPicPr>
+            <a:picLocks noChangeAspect="1"/>
+          </p:cNvPicPr>
+          <p:nvPr/>
+        </p:nvPicPr>
+        <p:blipFill>
+          <a:blip r:embed="rId2">
             <a:extLst>
-              <a:ext uri="{FF2B5EF4-FFF2-40B4-BE49-F238E27FC236}">
-                <a16:creationId xmlns:a16="http://schemas.microsoft.com/office/drawing/2014/main" id="{5C3076DF-D16B-4600-9550-96C6A8DD7F1A}"/>
+              <a:ext uri="{28A0092B-C50C-407E-A947-70E740481C1C}">
+                <a14:useLocalDpi xmlns:a14="http://schemas.microsoft.com/office/drawing/2010/main" val="0"/>
               </a:ext>
             </a:extLst>
-          </p:cNvPr>
-          <p:cNvSpPr>
-            <a:spLocks noGrp="1"/>
-          </p:cNvSpPr>
-          <p:nvPr>
-            <p:ph type="title"/>
-          </p:nvPr>
-        </p:nvSpPr>
+          </a:blip>
+          <a:stretch>
+            <a:fillRect/>
+          </a:stretch>
+        </p:blipFill>
         <p:spPr>
           <a:xfrm>
-            <a:off x="839788" y="457200"/>
-            <a:ext cx="3932237" cy="1600200"/>
+            <a:off x="0" y="0"/>
+            <a:ext cx="12192000" cy="6858000"/>
+          </a:xfrm>
+          <a:prstGeom prst="rect">
+            <a:avLst/>
+          </a:prstGeom>
+        </p:spPr>
+      </p:pic>
+      <p:sp>
+        <p:nvSpPr>
+          <p:cNvPr id="2" name="Title 1"/>
+          <p:cNvSpPr>
+            <a:spLocks noGrp="1"/>
+          </p:cNvSpPr>
+          <p:nvPr>
+            <p:ph type="title"/>
+          </p:nvPr>
+        </p:nvSpPr>
+        <p:spPr>
+          <a:xfrm>
+            <a:off x="913775" y="609600"/>
+            <a:ext cx="3935688" cy="2023252"/>
           </a:xfrm>
         </p:spPr>
         <p:txBody>
           <a:bodyPr anchor="b"/>
           <a:lstStyle>
-            <a:lvl1pPr>
+            <a:lvl1pPr algn="ctr">
               <a:defRPr sz="3200"/>
             </a:lvl1pPr>
           </a:lstStyle>
@@ -2188,62 +6697,29 @@
               <a:rPr lang="zh-TW" altLang="en-US"/>
               <a:t>按一下以編輯母片標題樣式</a:t>
             </a:r>
-          </a:p>
-        </p:txBody>
-      </p:sp>
-      <p:sp>
-        <p:nvSpPr>
-          <p:cNvPr id="3" name="內容版面配置區 2">
-            <a:extLst>
-              <a:ext uri="{FF2B5EF4-FFF2-40B4-BE49-F238E27FC236}">
-                <a16:creationId xmlns:a16="http://schemas.microsoft.com/office/drawing/2014/main" id="{9CD3D667-FDE5-4F5D-9495-588EC18912CE}"/>
-              </a:ext>
-            </a:extLst>
-          </p:cNvPr>
-          <p:cNvSpPr>
-            <a:spLocks noGrp="1"/>
-          </p:cNvSpPr>
-          <p:nvPr>
-            <p:ph idx="1"/>
+            <a:endParaRPr lang="en-US" dirty="0"/>
+          </a:p>
+        </p:txBody>
+      </p:sp>
+      <p:sp>
+        <p:nvSpPr>
+          <p:cNvPr id="10" name="Content Placeholder 2"/>
+          <p:cNvSpPr>
+            <a:spLocks noGrp="1"/>
+          </p:cNvSpPr>
+          <p:nvPr>
+            <p:ph sz="quarter" idx="13"/>
           </p:nvPr>
         </p:nvSpPr>
         <p:spPr>
           <a:xfrm>
-            <a:off x="5183188" y="987425"/>
-            <a:ext cx="6172200" cy="4873625"/>
+            <a:off x="5078062" y="609600"/>
+            <a:ext cx="6200163" cy="5181599"/>
           </a:xfrm>
         </p:spPr>
         <p:txBody>
           <a:bodyPr/>
-          <a:lstStyle>
-            <a:lvl1pPr>
-              <a:defRPr sz="3200"/>
-            </a:lvl1pPr>
-            <a:lvl2pPr>
-              <a:defRPr sz="2800"/>
-            </a:lvl2pPr>
-            <a:lvl3pPr>
-              <a:defRPr sz="2400"/>
-            </a:lvl3pPr>
-            <a:lvl4pPr>
-              <a:defRPr sz="2000"/>
-            </a:lvl4pPr>
-            <a:lvl5pPr>
-              <a:defRPr sz="2000"/>
-            </a:lvl5pPr>
-            <a:lvl6pPr>
-              <a:defRPr sz="2000"/>
-            </a:lvl6pPr>
-            <a:lvl7pPr>
-              <a:defRPr sz="2000"/>
-            </a:lvl7pPr>
-            <a:lvl8pPr>
-              <a:defRPr sz="2000"/>
-            </a:lvl8pPr>
-            <a:lvl9pPr>
-              <a:defRPr sz="2000"/>
-            </a:lvl9pPr>
-          </a:lstStyle>
+          <a:lstStyle/>
           <a:p>
             <a:pPr lvl="0"/>
             <a:r>
@@ -2278,18 +6754,13 @@
               <a:rPr lang="zh-TW" altLang="en-US"/>
               <a:t>第五層</a:t>
             </a:r>
-          </a:p>
-        </p:txBody>
-      </p:sp>
-      <p:sp>
-        <p:nvSpPr>
-          <p:cNvPr id="4" name="文字版面配置區 3">
-            <a:extLst>
-              <a:ext uri="{FF2B5EF4-FFF2-40B4-BE49-F238E27FC236}">
-                <a16:creationId xmlns:a16="http://schemas.microsoft.com/office/drawing/2014/main" id="{22F511E7-BEEF-4F51-BA0E-52C1908D5608}"/>
-              </a:ext>
-            </a:extLst>
-          </p:cNvPr>
+            <a:endParaRPr lang="en-US" dirty="0"/>
+          </a:p>
+        </p:txBody>
+      </p:sp>
+      <p:sp>
+        <p:nvSpPr>
+          <p:cNvPr id="4" name="Text Placeholder 3"/>
           <p:cNvSpPr>
             <a:spLocks noGrp="1"/>
           </p:cNvSpPr>
@@ -2299,14 +6770,14 @@
         </p:nvSpPr>
         <p:spPr>
           <a:xfrm>
-            <a:off x="839788" y="2057400"/>
-            <a:ext cx="3932237" cy="3811588"/>
+            <a:off x="913774" y="2632852"/>
+            <a:ext cx="3935689" cy="3158348"/>
           </a:xfrm>
         </p:spPr>
         <p:txBody>
           <a:bodyPr/>
           <a:lstStyle>
-            <a:lvl1pPr marL="0" indent="0">
+            <a:lvl1pPr marL="0" indent="0" algn="ctr">
               <a:buNone/>
               <a:defRPr sz="1600"/>
             </a:lvl1pPr>
@@ -2354,13 +6825,7 @@
       </p:sp>
       <p:sp>
         <p:nvSpPr>
-          <p:cNvPr id="5" name="日期版面配置區 4">
-            <a:extLst>
-              <a:ext uri="{FF2B5EF4-FFF2-40B4-BE49-F238E27FC236}">
-                <a16:creationId xmlns:a16="http://schemas.microsoft.com/office/drawing/2014/main" id="{88060697-A92E-4178-A790-FCBB90D70573}"/>
-              </a:ext>
-            </a:extLst>
-          </p:cNvPr>
+          <p:cNvPr id="5" name="Date Placeholder 4"/>
           <p:cNvSpPr>
             <a:spLocks noGrp="1"/>
           </p:cNvSpPr>
@@ -2373,9 +6838,9 @@
           <a:bodyPr/>
           <a:lstStyle/>
           <a:p>
-            <a:fld id="{C3C90D7E-32D6-4894-AE08-7BBB3E610FC9}" type="datetimeFigureOut">
+            <a:fld id="{4B79CABA-914F-43AC-AE68-5F197FBCE171}" type="datetimeFigureOut">
               <a:rPr lang="zh-TW" altLang="en-US" smtClean="0"/>
-              <a:t>2024/9/16</a:t>
+              <a:t>2024/10/20</a:t>
             </a:fld>
             <a:endParaRPr lang="zh-TW" altLang="en-US"/>
           </a:p>
@@ -2383,13 +6848,7 @@
       </p:sp>
       <p:sp>
         <p:nvSpPr>
-          <p:cNvPr id="6" name="頁尾版面配置區 5">
-            <a:extLst>
-              <a:ext uri="{FF2B5EF4-FFF2-40B4-BE49-F238E27FC236}">
-                <a16:creationId xmlns:a16="http://schemas.microsoft.com/office/drawing/2014/main" id="{2A8E3F57-A99A-4C4C-BF14-EE42AB99CE78}"/>
-              </a:ext>
-            </a:extLst>
-          </p:cNvPr>
+          <p:cNvPr id="6" name="Footer Placeholder 5"/>
           <p:cNvSpPr>
             <a:spLocks noGrp="1"/>
           </p:cNvSpPr>
@@ -2408,13 +6867,7 @@
       </p:sp>
       <p:sp>
         <p:nvSpPr>
-          <p:cNvPr id="7" name="投影片編號版面配置區 6">
-            <a:extLst>
-              <a:ext uri="{FF2B5EF4-FFF2-40B4-BE49-F238E27FC236}">
-                <a16:creationId xmlns:a16="http://schemas.microsoft.com/office/drawing/2014/main" id="{39234440-6924-48D7-AC1A-200D5946BCA9}"/>
-              </a:ext>
-            </a:extLst>
-          </p:cNvPr>
+          <p:cNvPr id="7" name="Slide Number Placeholder 6"/>
           <p:cNvSpPr>
             <a:spLocks noGrp="1"/>
           </p:cNvSpPr>
@@ -2427,7 +6880,7 @@
           <a:bodyPr/>
           <a:lstStyle/>
           <a:p>
-            <a:fld id="{E31EC408-072F-4346-BD0A-D6AA5788A305}" type="slidenum">
+            <a:fld id="{C7B66E1F-E0F2-4CE0-80BB-B0CD885DF2C2}" type="slidenum">
               <a:rPr lang="zh-TW" altLang="en-US" smtClean="0"/>
               <a:t>‹#›</a:t>
             </a:fld>
@@ -2438,7 +6891,7 @@
     </p:spTree>
     <p:extLst>
       <p:ext uri="{BB962C8B-B14F-4D97-AF65-F5344CB8AC3E}">
-        <p14:creationId xmlns:p14="http://schemas.microsoft.com/office/powerpoint/2010/main" val="2036183199"/>
+        <p14:creationId xmlns:p14="http://schemas.microsoft.com/office/powerpoint/2010/main" val="2671541771"/>
       </p:ext>
     </p:extLst>
   </p:cSld>
@@ -2465,32 +6918,56 @@
           <a:chExt cx="0" cy="0"/>
         </a:xfrm>
       </p:grpSpPr>
-      <p:sp>
-        <p:nvSpPr>
-          <p:cNvPr id="2" name="標題 1">
+      <p:pic>
+        <p:nvPicPr>
+          <p:cNvPr id="10" name="Picture 9" descr="Droplets-HD-Content-R1d.png"/>
+          <p:cNvPicPr>
+            <a:picLocks noChangeAspect="1"/>
+          </p:cNvPicPr>
+          <p:nvPr/>
+        </p:nvPicPr>
+        <p:blipFill>
+          <a:blip r:embed="rId2">
             <a:extLst>
-              <a:ext uri="{FF2B5EF4-FFF2-40B4-BE49-F238E27FC236}">
-                <a16:creationId xmlns:a16="http://schemas.microsoft.com/office/drawing/2014/main" id="{B2E81694-0B93-4D65-9DA3-21597478A96C}"/>
+              <a:ext uri="{28A0092B-C50C-407E-A947-70E740481C1C}">
+                <a14:useLocalDpi xmlns:a14="http://schemas.microsoft.com/office/drawing/2010/main" val="0"/>
               </a:ext>
             </a:extLst>
-          </p:cNvPr>
-          <p:cNvSpPr>
-            <a:spLocks noGrp="1"/>
-          </p:cNvSpPr>
-          <p:nvPr>
-            <p:ph type="title"/>
-          </p:nvPr>
-        </p:nvSpPr>
+          </a:blip>
+          <a:stretch>
+            <a:fillRect/>
+          </a:stretch>
+        </p:blipFill>
         <p:spPr>
           <a:xfrm>
-            <a:off x="839788" y="457200"/>
-            <a:ext cx="3932237" cy="1600200"/>
+            <a:off x="0" y="0"/>
+            <a:ext cx="12192000" cy="6858000"/>
+          </a:xfrm>
+          <a:prstGeom prst="rect">
+            <a:avLst/>
+          </a:prstGeom>
+        </p:spPr>
+      </p:pic>
+      <p:sp>
+        <p:nvSpPr>
+          <p:cNvPr id="2" name="Title 1"/>
+          <p:cNvSpPr>
+            <a:spLocks noGrp="1"/>
+          </p:cNvSpPr>
+          <p:nvPr>
+            <p:ph type="title"/>
+          </p:nvPr>
+        </p:nvSpPr>
+        <p:spPr>
+          <a:xfrm>
+            <a:off x="913774" y="609600"/>
+            <a:ext cx="5934969" cy="2023254"/>
           </a:xfrm>
         </p:spPr>
         <p:txBody>
           <a:bodyPr anchor="b"/>
           <a:lstStyle>
-            <a:lvl1pPr>
+            <a:lvl1pPr algn="ctr">
               <a:defRPr sz="3200"/>
             </a:lvl1pPr>
           </a:lstStyle>
@@ -2499,20 +6976,15 @@
               <a:rPr lang="zh-TW" altLang="en-US"/>
               <a:t>按一下以編輯母片標題樣式</a:t>
             </a:r>
-          </a:p>
-        </p:txBody>
-      </p:sp>
-      <p:sp>
-        <p:nvSpPr>
-          <p:cNvPr id="3" name="圖片版面配置區 2">
-            <a:extLst>
-              <a:ext uri="{FF2B5EF4-FFF2-40B4-BE49-F238E27FC236}">
-                <a16:creationId xmlns:a16="http://schemas.microsoft.com/office/drawing/2014/main" id="{23E4D718-8CB0-4334-BB8A-FB8B57D7CDC6}"/>
-              </a:ext>
-            </a:extLst>
-          </p:cNvPr>
-          <p:cNvSpPr>
-            <a:spLocks noGrp="1"/>
+            <a:endParaRPr lang="en-US" dirty="0"/>
+          </a:p>
+        </p:txBody>
+      </p:sp>
+      <p:sp>
+        <p:nvSpPr>
+          <p:cNvPr id="3" name="Picture Placeholder 2"/>
+          <p:cNvSpPr>
+            <a:spLocks noGrp="1" noChangeAspect="1"/>
           </p:cNvSpPr>
           <p:nvPr>
             <p:ph type="pic" idx="1"/>
@@ -2520,12 +6992,37 @@
         </p:nvSpPr>
         <p:spPr>
           <a:xfrm>
-            <a:off x="5183188" y="987425"/>
-            <a:ext cx="6172200" cy="4873625"/>
+            <a:off x="7424803" y="609601"/>
+            <a:ext cx="3255358" cy="5181600"/>
           </a:xfrm>
+          <a:prstGeom prst="roundRect">
+            <a:avLst>
+              <a:gd name="adj" fmla="val 4943"/>
+            </a:avLst>
+          </a:prstGeom>
+          <a:noFill/>
+          <a:ln w="82550" cap="sq">
+            <a:solidFill>
+              <a:srgbClr val="EAEAEA"/>
+            </a:solidFill>
+            <a:miter lim="800000"/>
+          </a:ln>
+          <a:effectLst/>
+          <a:scene3d>
+            <a:camera prst="orthographicFront"/>
+            <a:lightRig rig="threePt" dir="t">
+              <a:rot lat="0" lon="0" rev="2700000"/>
+            </a:lightRig>
+          </a:scene3d>
+          <a:sp3d contourW="6350">
+            <a:bevelT h="38100"/>
+            <a:contourClr>
+              <a:srgbClr val="C0C0C0"/>
+            </a:contourClr>
+          </a:sp3d>
         </p:spPr>
         <p:txBody>
-          <a:bodyPr/>
+          <a:bodyPr anchor="t"/>
           <a:lstStyle>
             <a:lvl1pPr marL="0" indent="0">
               <a:buNone/>
@@ -2565,19 +7062,17 @@
             </a:lvl9pPr>
           </a:lstStyle>
           <a:p>
-            <a:endParaRPr lang="zh-TW" altLang="en-US"/>
-          </a:p>
-        </p:txBody>
-      </p:sp>
-      <p:sp>
-        <p:nvSpPr>
-          <p:cNvPr id="4" name="文字版面配置區 3">
-            <a:extLst>
-              <a:ext uri="{FF2B5EF4-FFF2-40B4-BE49-F238E27FC236}">
-                <a16:creationId xmlns:a16="http://schemas.microsoft.com/office/drawing/2014/main" id="{0DC47463-53E7-4FE3-B60B-1657D11127BD}"/>
-              </a:ext>
-            </a:extLst>
-          </p:cNvPr>
+            <a:r>
+              <a:rPr lang="zh-TW" altLang="en-US"/>
+              <a:t>按一下圖示以新增圖片</a:t>
+            </a:r>
+            <a:endParaRPr lang="en-US" dirty="0"/>
+          </a:p>
+        </p:txBody>
+      </p:sp>
+      <p:sp>
+        <p:nvSpPr>
+          <p:cNvPr id="4" name="Text Placeholder 3"/>
           <p:cNvSpPr>
             <a:spLocks noGrp="1"/>
           </p:cNvSpPr>
@@ -2587,14 +7082,14 @@
         </p:nvSpPr>
         <p:spPr>
           <a:xfrm>
-            <a:off x="839788" y="2057400"/>
-            <a:ext cx="3932237" cy="3811588"/>
+            <a:off x="913794" y="2632852"/>
+            <a:ext cx="5934949" cy="3158347"/>
           </a:xfrm>
         </p:spPr>
         <p:txBody>
           <a:bodyPr/>
           <a:lstStyle>
-            <a:lvl1pPr marL="0" indent="0">
+            <a:lvl1pPr marL="0" indent="0" algn="ctr">
               <a:buNone/>
               <a:defRPr sz="1600"/>
             </a:lvl1pPr>
@@ -2642,13 +7137,7 @@
       </p:sp>
       <p:sp>
         <p:nvSpPr>
-          <p:cNvPr id="5" name="日期版面配置區 4">
-            <a:extLst>
-              <a:ext uri="{FF2B5EF4-FFF2-40B4-BE49-F238E27FC236}">
-                <a16:creationId xmlns:a16="http://schemas.microsoft.com/office/drawing/2014/main" id="{28875DC5-6AFF-40C0-8C77-F81A0A3E1B0F}"/>
-              </a:ext>
-            </a:extLst>
-          </p:cNvPr>
+          <p:cNvPr id="5" name="Date Placeholder 4"/>
           <p:cNvSpPr>
             <a:spLocks noGrp="1"/>
           </p:cNvSpPr>
@@ -2661,9 +7150,9 @@
           <a:bodyPr/>
           <a:lstStyle/>
           <a:p>
-            <a:fld id="{C3C90D7E-32D6-4894-AE08-7BBB3E610FC9}" type="datetimeFigureOut">
+            <a:fld id="{4B79CABA-914F-43AC-AE68-5F197FBCE171}" type="datetimeFigureOut">
               <a:rPr lang="zh-TW" altLang="en-US" smtClean="0"/>
-              <a:t>2024/9/16</a:t>
+              <a:t>2024/10/20</a:t>
             </a:fld>
             <a:endParaRPr lang="zh-TW" altLang="en-US"/>
           </a:p>
@@ -2671,13 +7160,7 @@
       </p:sp>
       <p:sp>
         <p:nvSpPr>
-          <p:cNvPr id="6" name="頁尾版面配置區 5">
-            <a:extLst>
-              <a:ext uri="{FF2B5EF4-FFF2-40B4-BE49-F238E27FC236}">
-                <a16:creationId xmlns:a16="http://schemas.microsoft.com/office/drawing/2014/main" id="{24F8A973-6D07-4F0C-97A0-280FEFC238E0}"/>
-              </a:ext>
-            </a:extLst>
-          </p:cNvPr>
+          <p:cNvPr id="6" name="Footer Placeholder 5"/>
           <p:cNvSpPr>
             <a:spLocks noGrp="1"/>
           </p:cNvSpPr>
@@ -2696,13 +7179,7 @@
       </p:sp>
       <p:sp>
         <p:nvSpPr>
-          <p:cNvPr id="7" name="投影片編號版面配置區 6">
-            <a:extLst>
-              <a:ext uri="{FF2B5EF4-FFF2-40B4-BE49-F238E27FC236}">
-                <a16:creationId xmlns:a16="http://schemas.microsoft.com/office/drawing/2014/main" id="{DB60BB1E-F41B-40F0-929B-5208374980BF}"/>
-              </a:ext>
-            </a:extLst>
-          </p:cNvPr>
+          <p:cNvPr id="7" name="Slide Number Placeholder 6"/>
           <p:cNvSpPr>
             <a:spLocks noGrp="1"/>
           </p:cNvSpPr>
@@ -2715,7 +7192,7 @@
           <a:bodyPr/>
           <a:lstStyle/>
           <a:p>
-            <a:fld id="{E31EC408-072F-4346-BD0A-D6AA5788A305}" type="slidenum">
+            <a:fld id="{C7B66E1F-E0F2-4CE0-80BB-B0CD885DF2C2}" type="slidenum">
               <a:rPr lang="zh-TW" altLang="en-US" smtClean="0"/>
               <a:t>‹#›</a:t>
             </a:fld>
@@ -2726,7 +7203,7 @@
     </p:spTree>
     <p:extLst>
       <p:ext uri="{BB962C8B-B14F-4D97-AF65-F5344CB8AC3E}">
-        <p14:creationId xmlns:p14="http://schemas.microsoft.com/office/powerpoint/2010/main" val="3148270851"/>
+        <p14:creationId xmlns:p14="http://schemas.microsoft.com/office/powerpoint/2010/main" val="2595100763"/>
       </p:ext>
     </p:extLst>
   </p:cSld>
@@ -2740,7 +7217,7 @@
 <p:sldMaster xmlns:a="http://schemas.openxmlformats.org/drawingml/2006/main" xmlns:r="http://schemas.openxmlformats.org/officeDocument/2006/relationships" xmlns:p="http://schemas.openxmlformats.org/presentationml/2006/main">
   <p:cSld>
     <p:bg>
-      <p:bgRef idx="1001">
+      <p:bgRef idx="1002">
         <a:schemeClr val="bg1"/>
       </p:bgRef>
     </p:bg>
@@ -2758,15 +7235,51 @@
           <a:chExt cx="0" cy="0"/>
         </a:xfrm>
       </p:grpSpPr>
-      <p:sp>
-        <p:nvSpPr>
-          <p:cNvPr id="2" name="標題版面配置區 1">
+      <p:pic>
+        <p:nvPicPr>
+          <p:cNvPr id="1026" name="Picture 2" descr="\\DROBO-FS\QuickDrops\JB\PPTX NG\Droplets\LightingOverlay.png"/>
+          <p:cNvPicPr>
+            <a:picLocks noChangeAspect="1" noChangeArrowheads="1"/>
+          </p:cNvPicPr>
+          <p:nvPr/>
+        </p:nvPicPr>
+        <p:blipFill>
+          <a:blip r:embed="rId19">
+            <a:alphaModFix/>
             <a:extLst>
-              <a:ext uri="{FF2B5EF4-FFF2-40B4-BE49-F238E27FC236}">
-                <a16:creationId xmlns:a16="http://schemas.microsoft.com/office/drawing/2014/main" id="{B8575AAC-624C-4B52-ABD4-699B1E35D2CF}"/>
+              <a:ext uri="{28A0092B-C50C-407E-A947-70E740481C1C}">
+                <a14:useLocalDpi xmlns:a14="http://schemas.microsoft.com/office/drawing/2010/main" val="0"/>
               </a:ext>
             </a:extLst>
-          </p:cNvPr>
+          </a:blip>
+          <a:srcRect/>
+          <a:stretch>
+            <a:fillRect/>
+          </a:stretch>
+        </p:blipFill>
+        <p:spPr bwMode="auto">
+          <a:xfrm>
+            <a:off x="0" y="-1"/>
+            <a:ext cx="12192003" cy="6858001"/>
+          </a:xfrm>
+          <a:prstGeom prst="rect">
+            <a:avLst/>
+          </a:prstGeom>
+          <a:noFill/>
+          <a:extLst>
+            <a:ext uri="{909E8E84-426E-40DD-AFC4-6F175D3DCCD1}">
+              <a14:hiddenFill xmlns:a14="http://schemas.microsoft.com/office/drawing/2010/main">
+                <a:solidFill>
+                  <a:srgbClr val="FFFFFF"/>
+                </a:solidFill>
+              </a14:hiddenFill>
+            </a:ext>
+          </a:extLst>
+        </p:spPr>
+      </p:pic>
+      <p:sp>
+        <p:nvSpPr>
+          <p:cNvPr id="2" name="Title Placeholder 1"/>
           <p:cNvSpPr>
             <a:spLocks noGrp="1"/>
           </p:cNvSpPr>
@@ -2776,8 +7289,8 @@
         </p:nvSpPr>
         <p:spPr>
           <a:xfrm>
-            <a:off x="838200" y="365125"/>
-            <a:ext cx="10515600" cy="1325563"/>
+            <a:off x="913775" y="618517"/>
+            <a:ext cx="10364451" cy="1596177"/>
           </a:xfrm>
           <a:prstGeom prst="rect">
             <a:avLst/>
@@ -2793,18 +7306,13 @@
               <a:rPr lang="zh-TW" altLang="en-US"/>
               <a:t>按一下以編輯母片標題樣式</a:t>
             </a:r>
-          </a:p>
-        </p:txBody>
-      </p:sp>
-      <p:sp>
-        <p:nvSpPr>
-          <p:cNvPr id="3" name="文字版面配置區 2">
-            <a:extLst>
-              <a:ext uri="{FF2B5EF4-FFF2-40B4-BE49-F238E27FC236}">
-                <a16:creationId xmlns:a16="http://schemas.microsoft.com/office/drawing/2014/main" id="{76722991-C57D-471F-8271-C419A1CFB074}"/>
-              </a:ext>
-            </a:extLst>
-          </p:cNvPr>
+            <a:endParaRPr lang="en-US" dirty="0"/>
+          </a:p>
+        </p:txBody>
+      </p:sp>
+      <p:sp>
+        <p:nvSpPr>
+          <p:cNvPr id="3" name="Text Placeholder 2"/>
           <p:cNvSpPr>
             <a:spLocks noGrp="1"/>
           </p:cNvSpPr>
@@ -2814,8 +7322,8 @@
         </p:nvSpPr>
         <p:spPr>
           <a:xfrm>
-            <a:off x="838200" y="1825625"/>
-            <a:ext cx="10515600" cy="4351338"/>
+            <a:off x="913775" y="2367093"/>
+            <a:ext cx="10364452" cy="3424107"/>
           </a:xfrm>
           <a:prstGeom prst="rect">
             <a:avLst/>
@@ -2860,18 +7368,13 @@
               <a:rPr lang="zh-TW" altLang="en-US"/>
               <a:t>第五層</a:t>
             </a:r>
-          </a:p>
-        </p:txBody>
-      </p:sp>
-      <p:sp>
-        <p:nvSpPr>
-          <p:cNvPr id="4" name="日期版面配置區 3">
-            <a:extLst>
-              <a:ext uri="{FF2B5EF4-FFF2-40B4-BE49-F238E27FC236}">
-                <a16:creationId xmlns:a16="http://schemas.microsoft.com/office/drawing/2014/main" id="{85C839DD-8CBF-4E23-A0C7-7C039E950BB8}"/>
-              </a:ext>
-            </a:extLst>
-          </p:cNvPr>
+            <a:endParaRPr lang="en-US" dirty="0"/>
+          </a:p>
+        </p:txBody>
+      </p:sp>
+      <p:sp>
+        <p:nvSpPr>
+          <p:cNvPr id="4" name="Date Placeholder 3"/>
           <p:cNvSpPr>
             <a:spLocks noGrp="1"/>
           </p:cNvSpPr>
@@ -2881,7 +7384,7 @@
         </p:nvSpPr>
         <p:spPr>
           <a:xfrm>
-            <a:off x="838200" y="6356350"/>
+            <a:off x="7678737" y="5883275"/>
             <a:ext cx="2743200" cy="365125"/>
           </a:xfrm>
           <a:prstGeom prst="rect">
@@ -2891,20 +7394,18 @@
         <p:txBody>
           <a:bodyPr vert="horz" lIns="91440" tIns="45720" rIns="91440" bIns="45720" rtlCol="0" anchor="ctr"/>
           <a:lstStyle>
-            <a:lvl1pPr algn="l">
-              <a:defRPr sz="1200">
+            <a:lvl1pPr algn="r">
+              <a:defRPr sz="1000">
                 <a:solidFill>
-                  <a:schemeClr val="tx1">
-                    <a:tint val="75000"/>
-                  </a:schemeClr>
+                  <a:schemeClr val="tx1"/>
                 </a:solidFill>
               </a:defRPr>
             </a:lvl1pPr>
           </a:lstStyle>
           <a:p>
-            <a:fld id="{C3C90D7E-32D6-4894-AE08-7BBB3E610FC9}" type="datetimeFigureOut">
+            <a:fld id="{4B79CABA-914F-43AC-AE68-5F197FBCE171}" type="datetimeFigureOut">
               <a:rPr lang="zh-TW" altLang="en-US" smtClean="0"/>
-              <a:t>2024/9/16</a:t>
+              <a:t>2024/10/20</a:t>
             </a:fld>
             <a:endParaRPr lang="zh-TW" altLang="en-US"/>
           </a:p>
@@ -2912,13 +7413,7 @@
       </p:sp>
       <p:sp>
         <p:nvSpPr>
-          <p:cNvPr id="5" name="頁尾版面配置區 4">
-            <a:extLst>
-              <a:ext uri="{FF2B5EF4-FFF2-40B4-BE49-F238E27FC236}">
-                <a16:creationId xmlns:a16="http://schemas.microsoft.com/office/drawing/2014/main" id="{12802D8A-77D4-418C-8190-43B6ADED2131}"/>
-              </a:ext>
-            </a:extLst>
-          </p:cNvPr>
+          <p:cNvPr id="5" name="Footer Placeholder 4"/>
           <p:cNvSpPr>
             <a:spLocks noGrp="1"/>
           </p:cNvSpPr>
@@ -2928,8 +7423,8 @@
         </p:nvSpPr>
         <p:spPr>
           <a:xfrm>
-            <a:off x="4038600" y="6356350"/>
-            <a:ext cx="4114800" cy="365125"/>
+            <a:off x="913774" y="5883275"/>
+            <a:ext cx="6672887" cy="365125"/>
           </a:xfrm>
           <a:prstGeom prst="rect">
             <a:avLst/>
@@ -2938,12 +7433,10 @@
         <p:txBody>
           <a:bodyPr vert="horz" lIns="91440" tIns="45720" rIns="91440" bIns="45720" rtlCol="0" anchor="ctr"/>
           <a:lstStyle>
-            <a:lvl1pPr algn="ctr">
-              <a:defRPr sz="1200">
+            <a:lvl1pPr algn="l">
+              <a:defRPr sz="1000">
                 <a:solidFill>
-                  <a:schemeClr val="tx1">
-                    <a:tint val="75000"/>
-                  </a:schemeClr>
+                  <a:schemeClr val="tx1"/>
                 </a:solidFill>
               </a:defRPr>
             </a:lvl1pPr>
@@ -2955,13 +7448,7 @@
       </p:sp>
       <p:sp>
         <p:nvSpPr>
-          <p:cNvPr id="6" name="投影片編號版面配置區 5">
-            <a:extLst>
-              <a:ext uri="{FF2B5EF4-FFF2-40B4-BE49-F238E27FC236}">
-                <a16:creationId xmlns:a16="http://schemas.microsoft.com/office/drawing/2014/main" id="{7072B55E-2BE2-4AF4-AFF8-2A716F492F1C}"/>
-              </a:ext>
-            </a:extLst>
-          </p:cNvPr>
+          <p:cNvPr id="6" name="Slide Number Placeholder 5"/>
           <p:cNvSpPr>
             <a:spLocks noGrp="1"/>
           </p:cNvSpPr>
@@ -2971,8 +7458,8 @@
         </p:nvSpPr>
         <p:spPr>
           <a:xfrm>
-            <a:off x="8610600" y="6356350"/>
-            <a:ext cx="2743200" cy="365125"/>
+            <a:off x="10514011" y="5883275"/>
+            <a:ext cx="764215" cy="365125"/>
           </a:xfrm>
           <a:prstGeom prst="rect">
             <a:avLst/>
@@ -2982,17 +7469,15 @@
           <a:bodyPr vert="horz" lIns="91440" tIns="45720" rIns="91440" bIns="45720" rtlCol="0" anchor="ctr"/>
           <a:lstStyle>
             <a:lvl1pPr algn="r">
-              <a:defRPr sz="1200">
+              <a:defRPr sz="1000">
                 <a:solidFill>
-                  <a:schemeClr val="tx1">
-                    <a:tint val="75000"/>
-                  </a:schemeClr>
+                  <a:schemeClr val="tx1"/>
                 </a:solidFill>
               </a:defRPr>
             </a:lvl1pPr>
           </a:lstStyle>
           <a:p>
-            <a:fld id="{E31EC408-072F-4346-BD0A-D6AA5788A305}" type="slidenum">
+            <a:fld id="{C7B66E1F-E0F2-4CE0-80BB-B0CD885DF2C2}" type="slidenum">
               <a:rPr lang="zh-TW" altLang="en-US" smtClean="0"/>
               <a:t>‹#›</a:t>
             </a:fld>
@@ -3003,27 +7488,33 @@
     </p:spTree>
     <p:extLst>
       <p:ext uri="{BB962C8B-B14F-4D97-AF65-F5344CB8AC3E}">
-        <p14:creationId xmlns:p14="http://schemas.microsoft.com/office/powerpoint/2010/main" val="2016052060"/>
+        <p14:creationId xmlns:p14="http://schemas.microsoft.com/office/powerpoint/2010/main" val="1737561219"/>
       </p:ext>
     </p:extLst>
   </p:cSld>
   <p:clrMap bg1="lt1" tx1="dk1" bg2="lt2" tx2="dk2" accent1="accent1" accent2="accent2" accent3="accent3" accent4="accent4" accent5="accent5" accent6="accent6" hlink="hlink" folHlink="folHlink"/>
   <p:sldLayoutIdLst>
-    <p:sldLayoutId id="2147483649" r:id="rId1"/>
-    <p:sldLayoutId id="2147483650" r:id="rId2"/>
-    <p:sldLayoutId id="2147483651" r:id="rId3"/>
-    <p:sldLayoutId id="2147483652" r:id="rId4"/>
-    <p:sldLayoutId id="2147483653" r:id="rId5"/>
-    <p:sldLayoutId id="2147483654" r:id="rId6"/>
-    <p:sldLayoutId id="2147483655" r:id="rId7"/>
-    <p:sldLayoutId id="2147483656" r:id="rId8"/>
-    <p:sldLayoutId id="2147483657" r:id="rId9"/>
-    <p:sldLayoutId id="2147483658" r:id="rId10"/>
-    <p:sldLayoutId id="2147483659" r:id="rId11"/>
+    <p:sldLayoutId id="2147483673" r:id="rId1"/>
+    <p:sldLayoutId id="2147483674" r:id="rId2"/>
+    <p:sldLayoutId id="2147483675" r:id="rId3"/>
+    <p:sldLayoutId id="2147483676" r:id="rId4"/>
+    <p:sldLayoutId id="2147483677" r:id="rId5"/>
+    <p:sldLayoutId id="2147483678" r:id="rId6"/>
+    <p:sldLayoutId id="2147483679" r:id="rId7"/>
+    <p:sldLayoutId id="2147483680" r:id="rId8"/>
+    <p:sldLayoutId id="2147483681" r:id="rId9"/>
+    <p:sldLayoutId id="2147483682" r:id="rId10"/>
+    <p:sldLayoutId id="2147483683" r:id="rId11"/>
+    <p:sldLayoutId id="2147483684" r:id="rId12"/>
+    <p:sldLayoutId id="2147483685" r:id="rId13"/>
+    <p:sldLayoutId id="2147483686" r:id="rId14"/>
+    <p:sldLayoutId id="2147483687" r:id="rId15"/>
+    <p:sldLayoutId id="2147483688" r:id="rId16"/>
+    <p:sldLayoutId id="2147483689" r:id="rId17"/>
   </p:sldLayoutIdLst>
   <p:txStyles>
     <p:titleStyle>
-      <a:lvl1pPr algn="l" defTabSz="914400" rtl="0" eaLnBrk="1" latinLnBrk="0" hangingPunct="1">
+      <a:lvl1pPr algn="ctr" defTabSz="914400" rtl="0" eaLnBrk="1" latinLnBrk="0" hangingPunct="1">
         <a:lnSpc>
           <a:spcPct val="90000"/>
         </a:lnSpc>
@@ -3031,10 +7522,11 @@
           <a:spcPct val="0"/>
         </a:spcBef>
         <a:buNone/>
-        <a:defRPr sz="4400" kern="1200">
+        <a:defRPr sz="3600" kern="1200" cap="all" baseline="0">
           <a:solidFill>
             <a:schemeClr val="tx1"/>
           </a:solidFill>
+          <a:effectLst/>
           <a:latin typeface="+mj-lt"/>
           <a:ea typeface="+mj-ea"/>
           <a:cs typeface="+mj-cs"/>
@@ -3044,17 +7536,21 @@
     <p:bodyStyle>
       <a:lvl1pPr marL="228600" indent="-228600" algn="l" defTabSz="914400" rtl="0" eaLnBrk="1" latinLnBrk="0" hangingPunct="1">
         <a:lnSpc>
-          <a:spcPct val="90000"/>
+          <a:spcPct val="120000"/>
         </a:lnSpc>
         <a:spcBef>
           <a:spcPts val="1000"/>
         </a:spcBef>
+        <a:buClr>
+          <a:schemeClr val="tx1"/>
+        </a:buClr>
         <a:buFont typeface="Arial" panose="020B0604020202020204" pitchFamily="34" charset="0"/>
         <a:buChar char="•"/>
-        <a:defRPr sz="2800" kern="1200">
+        <a:defRPr sz="2000" kern="1200" cap="all" baseline="0">
           <a:solidFill>
             <a:schemeClr val="tx1"/>
           </a:solidFill>
+          <a:effectLst/>
           <a:latin typeface="+mn-lt"/>
           <a:ea typeface="+mn-ea"/>
           <a:cs typeface="+mn-cs"/>
@@ -3062,17 +7558,21 @@
       </a:lvl1pPr>
       <a:lvl2pPr marL="685800" indent="-228600" algn="l" defTabSz="914400" rtl="0" eaLnBrk="1" latinLnBrk="0" hangingPunct="1">
         <a:lnSpc>
-          <a:spcPct val="90000"/>
+          <a:spcPct val="120000"/>
         </a:lnSpc>
         <a:spcBef>
           <a:spcPts val="500"/>
         </a:spcBef>
+        <a:buClr>
+          <a:schemeClr val="tx1"/>
+        </a:buClr>
         <a:buFont typeface="Arial" panose="020B0604020202020204" pitchFamily="34" charset="0"/>
         <a:buChar char="•"/>
-        <a:defRPr sz="2400" kern="1200">
+        <a:defRPr sz="1800" kern="1200" cap="all" baseline="0">
           <a:solidFill>
             <a:schemeClr val="tx1"/>
           </a:solidFill>
+          <a:effectLst/>
           <a:latin typeface="+mn-lt"/>
           <a:ea typeface="+mn-ea"/>
           <a:cs typeface="+mn-cs"/>
@@ -3080,17 +7580,21 @@
       </a:lvl2pPr>
       <a:lvl3pPr marL="1143000" indent="-228600" algn="l" defTabSz="914400" rtl="0" eaLnBrk="1" latinLnBrk="0" hangingPunct="1">
         <a:lnSpc>
-          <a:spcPct val="90000"/>
+          <a:spcPct val="120000"/>
         </a:lnSpc>
         <a:spcBef>
           <a:spcPts val="500"/>
         </a:spcBef>
+        <a:buClr>
+          <a:schemeClr val="tx1"/>
+        </a:buClr>
         <a:buFont typeface="Arial" panose="020B0604020202020204" pitchFamily="34" charset="0"/>
         <a:buChar char="•"/>
-        <a:defRPr sz="2000" kern="1200">
+        <a:defRPr sz="1600" kern="1200" cap="all" baseline="0">
           <a:solidFill>
             <a:schemeClr val="tx1"/>
           </a:solidFill>
+          <a:effectLst/>
           <a:latin typeface="+mn-lt"/>
           <a:ea typeface="+mn-ea"/>
           <a:cs typeface="+mn-cs"/>
@@ -3098,17 +7602,21 @@
       </a:lvl3pPr>
       <a:lvl4pPr marL="1600200" indent="-228600" algn="l" defTabSz="914400" rtl="0" eaLnBrk="1" latinLnBrk="0" hangingPunct="1">
         <a:lnSpc>
-          <a:spcPct val="90000"/>
+          <a:spcPct val="120000"/>
         </a:lnSpc>
         <a:spcBef>
           <a:spcPts val="500"/>
         </a:spcBef>
+        <a:buClr>
+          <a:schemeClr val="tx1"/>
+        </a:buClr>
         <a:buFont typeface="Arial" panose="020B0604020202020204" pitchFamily="34" charset="0"/>
         <a:buChar char="•"/>
-        <a:defRPr sz="1800" kern="1200">
+        <a:defRPr sz="1400" kern="1200" cap="all" baseline="0">
           <a:solidFill>
             <a:schemeClr val="tx1"/>
           </a:solidFill>
+          <a:effectLst/>
           <a:latin typeface="+mn-lt"/>
           <a:ea typeface="+mn-ea"/>
           <a:cs typeface="+mn-cs"/>
@@ -3116,17 +7624,21 @@
       </a:lvl4pPr>
       <a:lvl5pPr marL="2057400" indent="-228600" algn="l" defTabSz="914400" rtl="0" eaLnBrk="1" latinLnBrk="0" hangingPunct="1">
         <a:lnSpc>
-          <a:spcPct val="90000"/>
+          <a:spcPct val="120000"/>
         </a:lnSpc>
         <a:spcBef>
           <a:spcPts val="500"/>
         </a:spcBef>
+        <a:buClr>
+          <a:schemeClr val="tx1"/>
+        </a:buClr>
         <a:buFont typeface="Arial" panose="020B0604020202020204" pitchFamily="34" charset="0"/>
         <a:buChar char="•"/>
-        <a:defRPr sz="1800" kern="1200">
+        <a:defRPr sz="1400" kern="1200" cap="all" baseline="0">
           <a:solidFill>
             <a:schemeClr val="tx1"/>
           </a:solidFill>
+          <a:effectLst/>
           <a:latin typeface="+mn-lt"/>
           <a:ea typeface="+mn-ea"/>
           <a:cs typeface="+mn-cs"/>
@@ -3134,17 +7646,21 @@
       </a:lvl5pPr>
       <a:lvl6pPr marL="2514600" indent="-228600" algn="l" defTabSz="914400" rtl="0" eaLnBrk="1" latinLnBrk="0" hangingPunct="1">
         <a:lnSpc>
-          <a:spcPct val="90000"/>
+          <a:spcPct val="120000"/>
         </a:lnSpc>
         <a:spcBef>
           <a:spcPts val="500"/>
         </a:spcBef>
+        <a:buClr>
+          <a:schemeClr val="tx1"/>
+        </a:buClr>
         <a:buFont typeface="Arial" panose="020B0604020202020204" pitchFamily="34" charset="0"/>
         <a:buChar char="•"/>
-        <a:defRPr sz="1800" kern="1200">
+        <a:defRPr sz="1400" kern="1200" cap="all" baseline="0">
           <a:solidFill>
             <a:schemeClr val="tx1"/>
           </a:solidFill>
+          <a:effectLst/>
           <a:latin typeface="+mn-lt"/>
           <a:ea typeface="+mn-ea"/>
           <a:cs typeface="+mn-cs"/>
@@ -3152,17 +7668,21 @@
       </a:lvl6pPr>
       <a:lvl7pPr marL="2971800" indent="-228600" algn="l" defTabSz="914400" rtl="0" eaLnBrk="1" latinLnBrk="0" hangingPunct="1">
         <a:lnSpc>
-          <a:spcPct val="90000"/>
+          <a:spcPct val="120000"/>
         </a:lnSpc>
         <a:spcBef>
           <a:spcPts val="500"/>
         </a:spcBef>
+        <a:buClr>
+          <a:schemeClr val="tx1"/>
+        </a:buClr>
         <a:buFont typeface="Arial" panose="020B0604020202020204" pitchFamily="34" charset="0"/>
         <a:buChar char="•"/>
-        <a:defRPr sz="1800" kern="1200">
+        <a:defRPr sz="1400" kern="1200" cap="all" baseline="0">
           <a:solidFill>
             <a:schemeClr val="tx1"/>
           </a:solidFill>
+          <a:effectLst/>
           <a:latin typeface="+mn-lt"/>
           <a:ea typeface="+mn-ea"/>
           <a:cs typeface="+mn-cs"/>
@@ -3170,17 +7690,21 @@
       </a:lvl7pPr>
       <a:lvl8pPr marL="3429000" indent="-228600" algn="l" defTabSz="914400" rtl="0" eaLnBrk="1" latinLnBrk="0" hangingPunct="1">
         <a:lnSpc>
-          <a:spcPct val="90000"/>
+          <a:spcPct val="120000"/>
         </a:lnSpc>
         <a:spcBef>
           <a:spcPts val="500"/>
         </a:spcBef>
+        <a:buClr>
+          <a:schemeClr val="tx1"/>
+        </a:buClr>
         <a:buFont typeface="Arial" panose="020B0604020202020204" pitchFamily="34" charset="0"/>
         <a:buChar char="•"/>
-        <a:defRPr sz="1800" kern="1200">
+        <a:defRPr sz="1400" kern="1200" cap="all" baseline="0">
           <a:solidFill>
             <a:schemeClr val="tx1"/>
           </a:solidFill>
+          <a:effectLst/>
           <a:latin typeface="+mn-lt"/>
           <a:ea typeface="+mn-ea"/>
           <a:cs typeface="+mn-cs"/>
@@ -3188,17 +7712,21 @@
       </a:lvl8pPr>
       <a:lvl9pPr marL="3886200" indent="-228600" algn="l" defTabSz="914400" rtl="0" eaLnBrk="1" latinLnBrk="0" hangingPunct="1">
         <a:lnSpc>
-          <a:spcPct val="90000"/>
+          <a:spcPct val="120000"/>
         </a:lnSpc>
         <a:spcBef>
           <a:spcPts val="500"/>
         </a:spcBef>
+        <a:buClr>
+          <a:schemeClr val="tx1"/>
+        </a:buClr>
         <a:buFont typeface="Arial" panose="020B0604020202020204" pitchFamily="34" charset="0"/>
         <a:buChar char="•"/>
-        <a:defRPr sz="1800" kern="1200">
+        <a:defRPr sz="1400" kern="1200" cap="all" baseline="0">
           <a:solidFill>
             <a:schemeClr val="tx1"/>
           </a:solidFill>
+          <a:effectLst/>
           <a:latin typeface="+mn-lt"/>
           <a:ea typeface="+mn-ea"/>
           <a:cs typeface="+mn-cs"/>
@@ -3207,7 +7735,7 @@
     </p:bodyStyle>
     <p:otherStyle>
       <a:defPPr>
-        <a:defRPr lang="zh-TW"/>
+        <a:defRPr lang="en-US"/>
       </a:defPPr>
       <a:lvl1pPr marL="0" algn="l" defTabSz="914400" rtl="0" eaLnBrk="1" latinLnBrk="0" hangingPunct="1">
         <a:defRPr sz="1800" kern="1200">
@@ -3301,6 +7829,11 @@
       </a:lvl9pPr>
     </p:otherStyle>
   </p:txStyles>
+  <p:extLst>
+    <p:ext uri="{27BBF7A9-308A-43DC-89C8-2F10F3537804}">
+      <p15:sldGuideLst xmlns:p15="http://schemas.microsoft.com/office/powerpoint/2012/main"/>
+    </p:ext>
+  </p:extLst>
 </p:sldMaster>
 </file>
 
@@ -3323,68 +7856,1801 @@
       </p:grpSpPr>
       <p:sp>
         <p:nvSpPr>
-          <p:cNvPr id="2" name="標題 1">
+          <p:cNvPr id="8" name="文字方塊 7">
             <a:extLst>
               <a:ext uri="{FF2B5EF4-FFF2-40B4-BE49-F238E27FC236}">
-                <a16:creationId xmlns:a16="http://schemas.microsoft.com/office/drawing/2014/main" id="{32532283-9F93-4E44-8138-32796965361F}"/>
+                <a16:creationId xmlns:a16="http://schemas.microsoft.com/office/drawing/2014/main" id="{71D04F42-BD22-426C-8579-10DB66D2A64F}"/>
               </a:ext>
             </a:extLst>
           </p:cNvPr>
-          <p:cNvSpPr>
-            <a:spLocks noGrp="1"/>
-          </p:cNvSpPr>
-          <p:nvPr>
-            <p:ph type="ctrTitle"/>
-          </p:nvPr>
-        </p:nvSpPr>
-        <p:spPr/>
-        <p:txBody>
-          <a:bodyPr/>
-          <a:lstStyle/>
-          <a:p>
-            <a:endParaRPr lang="zh-TW" altLang="en-US"/>
-          </a:p>
-        </p:txBody>
-      </p:sp>
-      <p:sp>
-        <p:nvSpPr>
-          <p:cNvPr id="3" name="副標題 2">
-            <a:extLst>
-              <a:ext uri="{FF2B5EF4-FFF2-40B4-BE49-F238E27FC236}">
-                <a16:creationId xmlns:a16="http://schemas.microsoft.com/office/drawing/2014/main" id="{8C946F38-524D-4B98-B9CB-80AEE57E455A}"/>
-              </a:ext>
-            </a:extLst>
-          </p:cNvPr>
-          <p:cNvSpPr>
-            <a:spLocks noGrp="1"/>
-          </p:cNvSpPr>
-          <p:nvPr>
-            <p:ph type="subTitle" idx="1"/>
-          </p:nvPr>
-        </p:nvSpPr>
-        <p:spPr/>
-        <p:txBody>
-          <a:bodyPr/>
-          <a:lstStyle/>
-          <a:p>
-            <a:endParaRPr lang="zh-TW" altLang="en-US"/>
+          <p:cNvSpPr txBox="1"/>
+          <p:nvPr/>
+        </p:nvSpPr>
+        <p:spPr>
+          <a:xfrm>
+            <a:off x="868155" y="1341045"/>
+            <a:ext cx="4881004" cy="1754326"/>
+          </a:xfrm>
+          <a:prstGeom prst="rect">
+            <a:avLst/>
+          </a:prstGeom>
+          <a:noFill/>
+        </p:spPr>
+        <p:txBody>
+          <a:bodyPr wrap="square" rtlCol="0">
+            <a:spAutoFit/>
+          </a:bodyPr>
+          <a:lstStyle/>
+          <a:p>
+            <a:pPr algn="ctr"/>
+            <a:r>
+              <a:rPr lang="zh-TW" altLang="en-US" sz="5400" dirty="0">
+                <a:latin typeface="+mj-ea"/>
+                <a:ea typeface="+mj-ea"/>
+              </a:rPr>
+              <a:t>冒險故事</a:t>
+            </a:r>
+            <a:endParaRPr lang="en-US" altLang="zh-TW" sz="5400" dirty="0">
+              <a:latin typeface="+mj-ea"/>
+              <a:ea typeface="+mj-ea"/>
+            </a:endParaRPr>
+          </a:p>
+          <a:p>
+            <a:pPr algn="ctr"/>
+            <a:r>
+              <a:rPr lang="en-US" altLang="zh-TW" sz="5400" dirty="0">
+                <a:latin typeface="+mj-ea"/>
+                <a:ea typeface="+mj-ea"/>
+              </a:rPr>
+              <a:t>(</a:t>
+            </a:r>
+            <a:r>
+              <a:rPr lang="en-US" altLang="zh-TW" sz="5400" dirty="0" err="1">
+                <a:latin typeface="+mj-ea"/>
+                <a:ea typeface="+mj-ea"/>
+              </a:rPr>
+              <a:t>VTube</a:t>
+            </a:r>
+            <a:r>
+              <a:rPr lang="en-US" altLang="zh-TW" sz="5400" dirty="0">
+                <a:latin typeface="+mj-ea"/>
+                <a:ea typeface="+mj-ea"/>
+              </a:rPr>
+              <a:t> Studio)</a:t>
+            </a:r>
+            <a:endParaRPr lang="zh-TW" altLang="en-US" sz="5400" dirty="0">
+              <a:latin typeface="+mj-ea"/>
+              <a:ea typeface="+mj-ea"/>
+            </a:endParaRPr>
           </a:p>
         </p:txBody>
       </p:sp>
     </p:spTree>
     <p:extLst>
       <p:ext uri="{BB962C8B-B14F-4D97-AF65-F5344CB8AC3E}">
-        <p14:creationId xmlns:p14="http://schemas.microsoft.com/office/powerpoint/2010/main" val="1328321055"/>
+        <p14:creationId xmlns:p14="http://schemas.microsoft.com/office/powerpoint/2010/main" val="2011810730"/>
       </p:ext>
     </p:extLst>
   </p:cSld>
   <p:clrMapOvr>
     <a:masterClrMapping/>
   </p:clrMapOvr>
+  <mc:AlternateContent xmlns:mc="http://schemas.openxmlformats.org/markup-compatibility/2006">
+    <mc:Choice xmlns:p159="http://schemas.microsoft.com/office/powerpoint/2015/09/main" Requires="p159">
+      <p:transition xmlns:p14="http://schemas.microsoft.com/office/powerpoint/2010/main" spd="slow" p14:dur="2000">
+        <p159:morph option="byObject"/>
+      </p:transition>
+    </mc:Choice>
+    <mc:Fallback>
+      <p:transition spd="slow">
+        <p:fade/>
+      </p:transition>
+    </mc:Fallback>
+  </mc:AlternateContent>
+</p:sld>
+</file>
+
+<file path=ppt/slides/slide10.xml><?xml version="1.0" encoding="utf-8"?>
+<p:sld xmlns:a="http://schemas.openxmlformats.org/drawingml/2006/main" xmlns:r="http://schemas.openxmlformats.org/officeDocument/2006/relationships" xmlns:p="http://schemas.openxmlformats.org/presentationml/2006/main">
+  <p:cSld>
+    <p:spTree>
+      <p:nvGrpSpPr>
+        <p:cNvPr id="1" name=""/>
+        <p:cNvGrpSpPr/>
+        <p:nvPr/>
+      </p:nvGrpSpPr>
+      <p:grpSpPr>
+        <a:xfrm>
+          <a:off x="0" y="0"/>
+          <a:ext cx="0" cy="0"/>
+          <a:chOff x="0" y="0"/>
+          <a:chExt cx="0" cy="0"/>
+        </a:xfrm>
+      </p:grpSpPr>
+      <p:pic>
+        <p:nvPicPr>
+          <p:cNvPr id="6" name="圖片 5">
+            <a:extLst>
+              <a:ext uri="{FF2B5EF4-FFF2-40B4-BE49-F238E27FC236}">
+                <a16:creationId xmlns:a16="http://schemas.microsoft.com/office/drawing/2014/main" id="{2CBD1FB7-B8A4-4412-86B5-8490FF40F25B}"/>
+              </a:ext>
+            </a:extLst>
+          </p:cNvPr>
+          <p:cNvPicPr>
+            <a:picLocks noChangeAspect="1"/>
+          </p:cNvPicPr>
+          <p:nvPr/>
+        </p:nvPicPr>
+        <p:blipFill rotWithShape="1">
+          <a:blip r:embed="rId3">
+            <a:extLst>
+              <a:ext uri="{28A0092B-C50C-407E-A947-70E740481C1C}">
+                <a14:useLocalDpi xmlns:a14="http://schemas.microsoft.com/office/drawing/2010/main" val="0"/>
+              </a:ext>
+            </a:extLst>
+          </a:blip>
+          <a:srcRect r="46333"/>
+          <a:stretch/>
+        </p:blipFill>
+        <p:spPr>
+          <a:xfrm>
+            <a:off x="0" y="-25400"/>
+            <a:ext cx="3680460" cy="6858000"/>
+          </a:xfrm>
+          <a:prstGeom prst="rect">
+            <a:avLst/>
+          </a:prstGeom>
+        </p:spPr>
+      </p:pic>
+      <p:sp>
+        <p:nvSpPr>
+          <p:cNvPr id="2" name="標題 1">
+            <a:extLst>
+              <a:ext uri="{FF2B5EF4-FFF2-40B4-BE49-F238E27FC236}">
+                <a16:creationId xmlns:a16="http://schemas.microsoft.com/office/drawing/2014/main" id="{05A4A35E-9D68-46CB-A01A-CCF314E7F4BA}"/>
+              </a:ext>
+            </a:extLst>
+          </p:cNvPr>
+          <p:cNvSpPr>
+            <a:spLocks noGrp="1"/>
+          </p:cNvSpPr>
+          <p:nvPr>
+            <p:ph type="title"/>
+          </p:nvPr>
+        </p:nvSpPr>
+        <p:spPr/>
+        <p:txBody>
+          <a:bodyPr/>
+          <a:lstStyle/>
+          <a:p>
+            <a:pPr algn="l"/>
+            <a:r>
+              <a:rPr lang="en-US" altLang="zh-TW" dirty="0"/>
+              <a:t>5. </a:t>
+            </a:r>
+            <a:r>
+              <a:rPr lang="zh-TW" altLang="en-US" dirty="0"/>
+              <a:t>意外</a:t>
+            </a:r>
+          </a:p>
+        </p:txBody>
+      </p:sp>
+    </p:spTree>
+    <p:extLst>
+      <p:ext uri="{BB962C8B-B14F-4D97-AF65-F5344CB8AC3E}">
+        <p14:creationId xmlns:p14="http://schemas.microsoft.com/office/powerpoint/2010/main" val="973147768"/>
+      </p:ext>
+    </p:extLst>
+  </p:cSld>
+  <p:clrMapOvr>
+    <a:masterClrMapping/>
+  </p:clrMapOvr>
+  <mc:AlternateContent xmlns:mc="http://schemas.openxmlformats.org/markup-compatibility/2006">
+    <mc:Choice xmlns:p159="http://schemas.microsoft.com/office/powerpoint/2015/09/main" Requires="p159">
+      <p:transition xmlns:p14="http://schemas.microsoft.com/office/powerpoint/2010/main" spd="slow" p14:dur="2000">
+        <p159:morph option="byObject"/>
+      </p:transition>
+    </mc:Choice>
+    <mc:Fallback>
+      <p:transition spd="slow">
+        <p:fade/>
+      </p:transition>
+    </mc:Fallback>
+  </mc:AlternateContent>
+</p:sld>
+</file>
+
+<file path=ppt/slides/slide11.xml><?xml version="1.0" encoding="utf-8"?>
+<p:sld xmlns:a="http://schemas.openxmlformats.org/drawingml/2006/main" xmlns:r="http://schemas.openxmlformats.org/officeDocument/2006/relationships" xmlns:p="http://schemas.openxmlformats.org/presentationml/2006/main">
+  <p:cSld>
+    <p:spTree>
+      <p:nvGrpSpPr>
+        <p:cNvPr id="1" name=""/>
+        <p:cNvGrpSpPr/>
+        <p:nvPr/>
+      </p:nvGrpSpPr>
+      <p:grpSpPr>
+        <a:xfrm>
+          <a:off x="0" y="0"/>
+          <a:ext cx="0" cy="0"/>
+          <a:chOff x="0" y="0"/>
+          <a:chExt cx="0" cy="0"/>
+        </a:xfrm>
+      </p:grpSpPr>
+      <p:pic>
+        <p:nvPicPr>
+          <p:cNvPr id="6" name="圖片 5">
+            <a:extLst>
+              <a:ext uri="{FF2B5EF4-FFF2-40B4-BE49-F238E27FC236}">
+                <a16:creationId xmlns:a16="http://schemas.microsoft.com/office/drawing/2014/main" id="{2CBD1FB7-B8A4-4412-86B5-8490FF40F25B}"/>
+              </a:ext>
+            </a:extLst>
+          </p:cNvPr>
+          <p:cNvPicPr>
+            <a:picLocks noChangeAspect="1"/>
+          </p:cNvPicPr>
+          <p:nvPr/>
+        </p:nvPicPr>
+        <p:blipFill>
+          <a:blip r:embed="rId3">
+            <a:extLst>
+              <a:ext uri="{28A0092B-C50C-407E-A947-70E740481C1C}">
+                <a14:useLocalDpi xmlns:a14="http://schemas.microsoft.com/office/drawing/2010/main" val="0"/>
+              </a:ext>
+            </a:extLst>
+          </a:blip>
+          <a:stretch>
+            <a:fillRect/>
+          </a:stretch>
+        </p:blipFill>
+        <p:spPr>
+          <a:xfrm>
+            <a:off x="0" y="-25400"/>
+            <a:ext cx="6858000" cy="6858000"/>
+          </a:xfrm>
+          <a:prstGeom prst="rect">
+            <a:avLst/>
+          </a:prstGeom>
+        </p:spPr>
+      </p:pic>
+      <p:sp>
+        <p:nvSpPr>
+          <p:cNvPr id="2" name="標題 1">
+            <a:extLst>
+              <a:ext uri="{FF2B5EF4-FFF2-40B4-BE49-F238E27FC236}">
+                <a16:creationId xmlns:a16="http://schemas.microsoft.com/office/drawing/2014/main" id="{05A4A35E-9D68-46CB-A01A-CCF314E7F4BA}"/>
+              </a:ext>
+            </a:extLst>
+          </p:cNvPr>
+          <p:cNvSpPr>
+            <a:spLocks noGrp="1"/>
+          </p:cNvSpPr>
+          <p:nvPr>
+            <p:ph type="title"/>
+          </p:nvPr>
+        </p:nvSpPr>
+        <p:spPr/>
+        <p:txBody>
+          <a:bodyPr/>
+          <a:lstStyle/>
+          <a:p>
+            <a:pPr algn="l"/>
+            <a:r>
+              <a:rPr lang="en-US" altLang="zh-TW" dirty="0"/>
+              <a:t>5. </a:t>
+            </a:r>
+            <a:r>
+              <a:rPr lang="zh-TW" altLang="en-US" dirty="0"/>
+              <a:t>意外</a:t>
+            </a:r>
+          </a:p>
+        </p:txBody>
+      </p:sp>
+    </p:spTree>
+    <p:extLst>
+      <p:ext uri="{BB962C8B-B14F-4D97-AF65-F5344CB8AC3E}">
+        <p14:creationId xmlns:p14="http://schemas.microsoft.com/office/powerpoint/2010/main" val="1321349596"/>
+      </p:ext>
+    </p:extLst>
+  </p:cSld>
+  <p:clrMapOvr>
+    <a:masterClrMapping/>
+  </p:clrMapOvr>
+  <mc:AlternateContent xmlns:mc="http://schemas.openxmlformats.org/markup-compatibility/2006">
+    <mc:Choice xmlns:p159="http://schemas.microsoft.com/office/powerpoint/2015/09/main" Requires="p159">
+      <p:transition xmlns:p14="http://schemas.microsoft.com/office/powerpoint/2010/main" spd="slow" p14:dur="2000">
+        <p159:morph option="byObject"/>
+      </p:transition>
+    </mc:Choice>
+    <mc:Fallback>
+      <p:transition spd="slow">
+        <p:fade/>
+      </p:transition>
+    </mc:Fallback>
+  </mc:AlternateContent>
+</p:sld>
+</file>
+
+<file path=ppt/slides/slide12.xml><?xml version="1.0" encoding="utf-8"?>
+<p:sld xmlns:a="http://schemas.openxmlformats.org/drawingml/2006/main" xmlns:r="http://schemas.openxmlformats.org/officeDocument/2006/relationships" xmlns:p="http://schemas.openxmlformats.org/presentationml/2006/main">
+  <p:cSld>
+    <p:spTree>
+      <p:nvGrpSpPr>
+        <p:cNvPr id="1" name=""/>
+        <p:cNvGrpSpPr/>
+        <p:nvPr/>
+      </p:nvGrpSpPr>
+      <p:grpSpPr>
+        <a:xfrm>
+          <a:off x="0" y="0"/>
+          <a:ext cx="0" cy="0"/>
+          <a:chOff x="0" y="0"/>
+          <a:chExt cx="0" cy="0"/>
+        </a:xfrm>
+      </p:grpSpPr>
+      <p:pic>
+        <p:nvPicPr>
+          <p:cNvPr id="4" name="圖片 3">
+            <a:extLst>
+              <a:ext uri="{FF2B5EF4-FFF2-40B4-BE49-F238E27FC236}">
+                <a16:creationId xmlns:a16="http://schemas.microsoft.com/office/drawing/2014/main" id="{CDE07BEF-6FC6-4587-B294-3E3DCC1F18B0}"/>
+              </a:ext>
+            </a:extLst>
+          </p:cNvPr>
+          <p:cNvPicPr>
+            <a:picLocks noChangeAspect="1"/>
+          </p:cNvPicPr>
+          <p:nvPr/>
+        </p:nvPicPr>
+        <p:blipFill rotWithShape="1">
+          <a:blip r:embed="rId3">
+            <a:extLst>
+              <a:ext uri="{28A0092B-C50C-407E-A947-70E740481C1C}">
+                <a14:useLocalDpi xmlns:a14="http://schemas.microsoft.com/office/drawing/2010/main" val="0"/>
+              </a:ext>
+            </a:extLst>
+          </a:blip>
+          <a:srcRect t="38111" r="50666"/>
+          <a:stretch/>
+        </p:blipFill>
+        <p:spPr>
+          <a:xfrm>
+            <a:off x="0" y="3964"/>
+            <a:ext cx="5463540" cy="6854036"/>
+          </a:xfrm>
+          <a:prstGeom prst="rect">
+            <a:avLst/>
+          </a:prstGeom>
+        </p:spPr>
+      </p:pic>
+      <p:sp>
+        <p:nvSpPr>
+          <p:cNvPr id="2" name="標題 1">
+            <a:extLst>
+              <a:ext uri="{FF2B5EF4-FFF2-40B4-BE49-F238E27FC236}">
+                <a16:creationId xmlns:a16="http://schemas.microsoft.com/office/drawing/2014/main" id="{05A4A35E-9D68-46CB-A01A-CCF314E7F4BA}"/>
+              </a:ext>
+            </a:extLst>
+          </p:cNvPr>
+          <p:cNvSpPr>
+            <a:spLocks noGrp="1"/>
+          </p:cNvSpPr>
+          <p:nvPr>
+            <p:ph type="title"/>
+          </p:nvPr>
+        </p:nvSpPr>
+        <p:spPr/>
+        <p:txBody>
+          <a:bodyPr/>
+          <a:lstStyle/>
+          <a:p>
+            <a:pPr algn="l"/>
+            <a:r>
+              <a:rPr lang="en-US" altLang="zh-TW" dirty="0"/>
+              <a:t>6. </a:t>
+            </a:r>
+            <a:r>
+              <a:rPr lang="zh-TW" altLang="en-US" dirty="0"/>
+              <a:t>轉彎</a:t>
+            </a:r>
+          </a:p>
+        </p:txBody>
+      </p:sp>
+    </p:spTree>
+    <p:extLst>
+      <p:ext uri="{BB962C8B-B14F-4D97-AF65-F5344CB8AC3E}">
+        <p14:creationId xmlns:p14="http://schemas.microsoft.com/office/powerpoint/2010/main" val="2390699053"/>
+      </p:ext>
+    </p:extLst>
+  </p:cSld>
+  <p:clrMapOvr>
+    <a:masterClrMapping/>
+  </p:clrMapOvr>
+  <mc:AlternateContent xmlns:mc="http://schemas.openxmlformats.org/markup-compatibility/2006">
+    <mc:Choice xmlns:p159="http://schemas.microsoft.com/office/powerpoint/2015/09/main" Requires="p159">
+      <p:transition xmlns:p14="http://schemas.microsoft.com/office/powerpoint/2010/main" spd="slow" p14:dur="2000">
+        <p159:morph option="byObject"/>
+      </p:transition>
+    </mc:Choice>
+    <mc:Fallback>
+      <p:transition spd="slow">
+        <p:fade/>
+      </p:transition>
+    </mc:Fallback>
+  </mc:AlternateContent>
+</p:sld>
+</file>
+
+<file path=ppt/slides/slide13.xml><?xml version="1.0" encoding="utf-8"?>
+<p:sld xmlns:a="http://schemas.openxmlformats.org/drawingml/2006/main" xmlns:r="http://schemas.openxmlformats.org/officeDocument/2006/relationships" xmlns:p="http://schemas.openxmlformats.org/presentationml/2006/main">
+  <p:cSld>
+    <p:spTree>
+      <p:nvGrpSpPr>
+        <p:cNvPr id="1" name=""/>
+        <p:cNvGrpSpPr/>
+        <p:nvPr/>
+      </p:nvGrpSpPr>
+      <p:grpSpPr>
+        <a:xfrm>
+          <a:off x="0" y="0"/>
+          <a:ext cx="0" cy="0"/>
+          <a:chOff x="0" y="0"/>
+          <a:chExt cx="0" cy="0"/>
+        </a:xfrm>
+      </p:grpSpPr>
+      <p:pic>
+        <p:nvPicPr>
+          <p:cNvPr id="4" name="圖片 3">
+            <a:extLst>
+              <a:ext uri="{FF2B5EF4-FFF2-40B4-BE49-F238E27FC236}">
+                <a16:creationId xmlns:a16="http://schemas.microsoft.com/office/drawing/2014/main" id="{CDE07BEF-6FC6-4587-B294-3E3DCC1F18B0}"/>
+              </a:ext>
+            </a:extLst>
+          </p:cNvPr>
+          <p:cNvPicPr>
+            <a:picLocks noChangeAspect="1"/>
+          </p:cNvPicPr>
+          <p:nvPr/>
+        </p:nvPicPr>
+        <p:blipFill>
+          <a:blip r:embed="rId3">
+            <a:extLst>
+              <a:ext uri="{28A0092B-C50C-407E-A947-70E740481C1C}">
+                <a14:useLocalDpi xmlns:a14="http://schemas.microsoft.com/office/drawing/2010/main" val="0"/>
+              </a:ext>
+            </a:extLst>
+          </a:blip>
+          <a:stretch>
+            <a:fillRect/>
+          </a:stretch>
+        </p:blipFill>
+        <p:spPr>
+          <a:xfrm>
+            <a:off x="0" y="0"/>
+            <a:ext cx="6858000" cy="6858000"/>
+          </a:xfrm>
+          <a:prstGeom prst="rect">
+            <a:avLst/>
+          </a:prstGeom>
+        </p:spPr>
+      </p:pic>
+      <p:sp>
+        <p:nvSpPr>
+          <p:cNvPr id="2" name="標題 1">
+            <a:extLst>
+              <a:ext uri="{FF2B5EF4-FFF2-40B4-BE49-F238E27FC236}">
+                <a16:creationId xmlns:a16="http://schemas.microsoft.com/office/drawing/2014/main" id="{05A4A35E-9D68-46CB-A01A-CCF314E7F4BA}"/>
+              </a:ext>
+            </a:extLst>
+          </p:cNvPr>
+          <p:cNvSpPr>
+            <a:spLocks noGrp="1"/>
+          </p:cNvSpPr>
+          <p:nvPr>
+            <p:ph type="title"/>
+          </p:nvPr>
+        </p:nvSpPr>
+        <p:spPr/>
+        <p:txBody>
+          <a:bodyPr/>
+          <a:lstStyle/>
+          <a:p>
+            <a:pPr algn="l"/>
+            <a:r>
+              <a:rPr lang="en-US" altLang="zh-TW" dirty="0"/>
+              <a:t>6. </a:t>
+            </a:r>
+            <a:r>
+              <a:rPr lang="zh-TW" altLang="en-US" dirty="0"/>
+              <a:t>轉彎</a:t>
+            </a:r>
+          </a:p>
+        </p:txBody>
+      </p:sp>
+    </p:spTree>
+    <p:extLst>
+      <p:ext uri="{BB962C8B-B14F-4D97-AF65-F5344CB8AC3E}">
+        <p14:creationId xmlns:p14="http://schemas.microsoft.com/office/powerpoint/2010/main" val="2517992151"/>
+      </p:ext>
+    </p:extLst>
+  </p:cSld>
+  <p:clrMapOvr>
+    <a:masterClrMapping/>
+  </p:clrMapOvr>
+  <mc:AlternateContent xmlns:mc="http://schemas.openxmlformats.org/markup-compatibility/2006">
+    <mc:Choice xmlns:p159="http://schemas.microsoft.com/office/powerpoint/2015/09/main" Requires="p159">
+      <p:transition xmlns:p14="http://schemas.microsoft.com/office/powerpoint/2010/main" spd="slow" p14:dur="2000">
+        <p159:morph option="byObject"/>
+      </p:transition>
+    </mc:Choice>
+    <mc:Fallback>
+      <p:transition spd="slow">
+        <p:fade/>
+      </p:transition>
+    </mc:Fallback>
+  </mc:AlternateContent>
+</p:sld>
+</file>
+
+<file path=ppt/slides/slide14.xml><?xml version="1.0" encoding="utf-8"?>
+<p:sld xmlns:a="http://schemas.openxmlformats.org/drawingml/2006/main" xmlns:r="http://schemas.openxmlformats.org/officeDocument/2006/relationships" xmlns:p="http://schemas.openxmlformats.org/presentationml/2006/main">
+  <p:cSld>
+    <p:spTree>
+      <p:nvGrpSpPr>
+        <p:cNvPr id="1" name=""/>
+        <p:cNvGrpSpPr/>
+        <p:nvPr/>
+      </p:nvGrpSpPr>
+      <p:grpSpPr>
+        <a:xfrm>
+          <a:off x="0" y="0"/>
+          <a:ext cx="0" cy="0"/>
+          <a:chOff x="0" y="0"/>
+          <a:chExt cx="0" cy="0"/>
+        </a:xfrm>
+      </p:grpSpPr>
+      <p:pic>
+        <p:nvPicPr>
+          <p:cNvPr id="6" name="圖片 5">
+            <a:extLst>
+              <a:ext uri="{FF2B5EF4-FFF2-40B4-BE49-F238E27FC236}">
+                <a16:creationId xmlns:a16="http://schemas.microsoft.com/office/drawing/2014/main" id="{F6E40B85-FCCE-4E11-B6E5-C103CF05F160}"/>
+              </a:ext>
+            </a:extLst>
+          </p:cNvPr>
+          <p:cNvPicPr>
+            <a:picLocks noChangeAspect="1"/>
+          </p:cNvPicPr>
+          <p:nvPr/>
+        </p:nvPicPr>
+        <p:blipFill>
+          <a:blip r:embed="rId3">
+            <a:extLst>
+              <a:ext uri="{28A0092B-C50C-407E-A947-70E740481C1C}">
+                <a14:useLocalDpi xmlns:a14="http://schemas.microsoft.com/office/drawing/2010/main" val="0"/>
+              </a:ext>
+            </a:extLst>
+          </a:blip>
+          <a:stretch>
+            <a:fillRect/>
+          </a:stretch>
+        </p:blipFill>
+        <p:spPr>
+          <a:xfrm>
+            <a:off x="0" y="0"/>
+            <a:ext cx="6858000" cy="6858000"/>
+          </a:xfrm>
+          <a:prstGeom prst="rect">
+            <a:avLst/>
+          </a:prstGeom>
+        </p:spPr>
+      </p:pic>
+      <p:sp>
+        <p:nvSpPr>
+          <p:cNvPr id="2" name="標題 1">
+            <a:extLst>
+              <a:ext uri="{FF2B5EF4-FFF2-40B4-BE49-F238E27FC236}">
+                <a16:creationId xmlns:a16="http://schemas.microsoft.com/office/drawing/2014/main" id="{05A4A35E-9D68-46CB-A01A-CCF314E7F4BA}"/>
+              </a:ext>
+            </a:extLst>
+          </p:cNvPr>
+          <p:cNvSpPr>
+            <a:spLocks noGrp="1"/>
+          </p:cNvSpPr>
+          <p:nvPr>
+            <p:ph type="title"/>
+          </p:nvPr>
+        </p:nvSpPr>
+        <p:spPr/>
+        <p:txBody>
+          <a:bodyPr/>
+          <a:lstStyle/>
+          <a:p>
+            <a:pPr algn="l"/>
+            <a:r>
+              <a:rPr lang="en-US" altLang="zh-TW" dirty="0"/>
+              <a:t>7. </a:t>
+            </a:r>
+            <a:r>
+              <a:rPr lang="zh-TW" altLang="en-US" dirty="0"/>
+              <a:t>結局</a:t>
+            </a:r>
+          </a:p>
+        </p:txBody>
+      </p:sp>
+    </p:spTree>
+    <p:extLst>
+      <p:ext uri="{BB962C8B-B14F-4D97-AF65-F5344CB8AC3E}">
+        <p14:creationId xmlns:p14="http://schemas.microsoft.com/office/powerpoint/2010/main" val="1144132341"/>
+      </p:ext>
+    </p:extLst>
+  </p:cSld>
+  <p:clrMapOvr>
+    <a:masterClrMapping/>
+  </p:clrMapOvr>
+  <mc:AlternateContent xmlns:mc="http://schemas.openxmlformats.org/markup-compatibility/2006">
+    <mc:Choice xmlns:p159="http://schemas.microsoft.com/office/powerpoint/2015/09/main" Requires="p159">
+      <p:transition xmlns:p14="http://schemas.microsoft.com/office/powerpoint/2010/main" spd="slow" p14:dur="2000">
+        <p159:morph option="byObject"/>
+      </p:transition>
+    </mc:Choice>
+    <mc:Fallback>
+      <p:transition spd="slow">
+        <p:fade/>
+      </p:transition>
+    </mc:Fallback>
+  </mc:AlternateContent>
+</p:sld>
+</file>
+
+<file path=ppt/slides/slide2.xml><?xml version="1.0" encoding="utf-8"?>
+<p:sld xmlns:a="http://schemas.openxmlformats.org/drawingml/2006/main" xmlns:r="http://schemas.openxmlformats.org/officeDocument/2006/relationships" xmlns:p="http://schemas.openxmlformats.org/presentationml/2006/main">
+  <p:cSld>
+    <p:spTree>
+      <p:nvGrpSpPr>
+        <p:cNvPr id="1" name=""/>
+        <p:cNvGrpSpPr/>
+        <p:nvPr/>
+      </p:nvGrpSpPr>
+      <p:grpSpPr>
+        <a:xfrm>
+          <a:off x="0" y="0"/>
+          <a:ext cx="0" cy="0"/>
+          <a:chOff x="0" y="0"/>
+          <a:chExt cx="0" cy="0"/>
+        </a:xfrm>
+      </p:grpSpPr>
+      <p:pic>
+        <p:nvPicPr>
+          <p:cNvPr id="4" name="圖片 3">
+            <a:extLst>
+              <a:ext uri="{FF2B5EF4-FFF2-40B4-BE49-F238E27FC236}">
+                <a16:creationId xmlns:a16="http://schemas.microsoft.com/office/drawing/2014/main" id="{570F4279-4943-4741-B16D-7C7C963EC71B}"/>
+              </a:ext>
+            </a:extLst>
+          </p:cNvPr>
+          <p:cNvPicPr>
+            <a:picLocks noChangeAspect="1"/>
+          </p:cNvPicPr>
+          <p:nvPr/>
+        </p:nvPicPr>
+        <p:blipFill rotWithShape="1">
+          <a:blip r:embed="rId3">
+            <a:extLst>
+              <a:ext uri="{28A0092B-C50C-407E-A947-70E740481C1C}">
+                <a14:useLocalDpi xmlns:a14="http://schemas.microsoft.com/office/drawing/2010/main" val="0"/>
+              </a:ext>
+            </a:extLst>
+          </a:blip>
+          <a:srcRect b="52156"/>
+          <a:stretch/>
+        </p:blipFill>
+        <p:spPr>
+          <a:xfrm>
+            <a:off x="0" y="-20516"/>
+            <a:ext cx="10478789" cy="5013430"/>
+          </a:xfrm>
+          <a:prstGeom prst="rect">
+            <a:avLst/>
+          </a:prstGeom>
+        </p:spPr>
+      </p:pic>
+      <p:sp>
+        <p:nvSpPr>
+          <p:cNvPr id="2" name="標題 1">
+            <a:extLst>
+              <a:ext uri="{FF2B5EF4-FFF2-40B4-BE49-F238E27FC236}">
+                <a16:creationId xmlns:a16="http://schemas.microsoft.com/office/drawing/2014/main" id="{05A4A35E-9D68-46CB-A01A-CCF314E7F4BA}"/>
+              </a:ext>
+            </a:extLst>
+          </p:cNvPr>
+          <p:cNvSpPr>
+            <a:spLocks noGrp="1"/>
+          </p:cNvSpPr>
+          <p:nvPr>
+            <p:ph type="title"/>
+          </p:nvPr>
+        </p:nvSpPr>
+        <p:spPr/>
+        <p:txBody>
+          <a:bodyPr/>
+          <a:lstStyle/>
+          <a:p>
+            <a:pPr algn="l"/>
+            <a:r>
+              <a:rPr lang="en-US" altLang="zh-TW" dirty="0"/>
+              <a:t>1. </a:t>
+            </a:r>
+            <a:r>
+              <a:rPr lang="zh-TW" altLang="en-US" dirty="0"/>
+              <a:t>目標</a:t>
+            </a:r>
+          </a:p>
+        </p:txBody>
+      </p:sp>
+    </p:spTree>
+    <p:extLst>
+      <p:ext uri="{BB962C8B-B14F-4D97-AF65-F5344CB8AC3E}">
+        <p14:creationId xmlns:p14="http://schemas.microsoft.com/office/powerpoint/2010/main" val="3635743979"/>
+      </p:ext>
+    </p:extLst>
+  </p:cSld>
+  <p:clrMapOvr>
+    <a:masterClrMapping/>
+  </p:clrMapOvr>
+  <mc:AlternateContent xmlns:mc="http://schemas.openxmlformats.org/markup-compatibility/2006">
+    <mc:Choice xmlns:p159="http://schemas.microsoft.com/office/powerpoint/2015/09/main" Requires="p159">
+      <p:transition xmlns:p14="http://schemas.microsoft.com/office/powerpoint/2010/main" spd="slow" p14:dur="2000">
+        <p159:morph option="byObject"/>
+      </p:transition>
+    </mc:Choice>
+    <mc:Fallback>
+      <p:transition spd="slow">
+        <p:fade/>
+      </p:transition>
+    </mc:Fallback>
+  </mc:AlternateContent>
+</p:sld>
+</file>
+
+<file path=ppt/slides/slide3.xml><?xml version="1.0" encoding="utf-8"?>
+<p:sld xmlns:a="http://schemas.openxmlformats.org/drawingml/2006/main" xmlns:r="http://schemas.openxmlformats.org/officeDocument/2006/relationships" xmlns:p="http://schemas.openxmlformats.org/presentationml/2006/main">
+  <p:cSld>
+    <p:spTree>
+      <p:nvGrpSpPr>
+        <p:cNvPr id="1" name=""/>
+        <p:cNvGrpSpPr/>
+        <p:nvPr/>
+      </p:nvGrpSpPr>
+      <p:grpSpPr>
+        <a:xfrm>
+          <a:off x="0" y="0"/>
+          <a:ext cx="0" cy="0"/>
+          <a:chOff x="0" y="0"/>
+          <a:chExt cx="0" cy="0"/>
+        </a:xfrm>
+      </p:grpSpPr>
+      <p:pic>
+        <p:nvPicPr>
+          <p:cNvPr id="4" name="圖片 3">
+            <a:extLst>
+              <a:ext uri="{FF2B5EF4-FFF2-40B4-BE49-F238E27FC236}">
+                <a16:creationId xmlns:a16="http://schemas.microsoft.com/office/drawing/2014/main" id="{570F4279-4943-4741-B16D-7C7C963EC71B}"/>
+              </a:ext>
+            </a:extLst>
+          </p:cNvPr>
+          <p:cNvPicPr>
+            <a:picLocks noChangeAspect="1"/>
+          </p:cNvPicPr>
+          <p:nvPr/>
+        </p:nvPicPr>
+        <p:blipFill>
+          <a:blip r:embed="rId3">
+            <a:extLst>
+              <a:ext uri="{28A0092B-C50C-407E-A947-70E740481C1C}">
+                <a14:useLocalDpi xmlns:a14="http://schemas.microsoft.com/office/drawing/2010/main" val="0"/>
+              </a:ext>
+            </a:extLst>
+          </a:blip>
+          <a:stretch>
+            <a:fillRect/>
+          </a:stretch>
+        </p:blipFill>
+        <p:spPr>
+          <a:xfrm>
+            <a:off x="0" y="-20516"/>
+            <a:ext cx="6899031" cy="6899031"/>
+          </a:xfrm>
+          <a:prstGeom prst="rect">
+            <a:avLst/>
+          </a:prstGeom>
+        </p:spPr>
+      </p:pic>
+      <p:sp>
+        <p:nvSpPr>
+          <p:cNvPr id="2" name="標題 1">
+            <a:extLst>
+              <a:ext uri="{FF2B5EF4-FFF2-40B4-BE49-F238E27FC236}">
+                <a16:creationId xmlns:a16="http://schemas.microsoft.com/office/drawing/2014/main" id="{05A4A35E-9D68-46CB-A01A-CCF314E7F4BA}"/>
+              </a:ext>
+            </a:extLst>
+          </p:cNvPr>
+          <p:cNvSpPr>
+            <a:spLocks noGrp="1"/>
+          </p:cNvSpPr>
+          <p:nvPr>
+            <p:ph type="title"/>
+          </p:nvPr>
+        </p:nvSpPr>
+        <p:spPr/>
+        <p:txBody>
+          <a:bodyPr/>
+          <a:lstStyle/>
+          <a:p>
+            <a:pPr algn="l"/>
+            <a:r>
+              <a:rPr lang="en-US" altLang="zh-TW" dirty="0"/>
+              <a:t>1. </a:t>
+            </a:r>
+            <a:r>
+              <a:rPr lang="zh-TW" altLang="en-US" dirty="0"/>
+              <a:t>目標</a:t>
+            </a:r>
+          </a:p>
+        </p:txBody>
+      </p:sp>
+    </p:spTree>
+    <p:extLst>
+      <p:ext uri="{BB962C8B-B14F-4D97-AF65-F5344CB8AC3E}">
+        <p14:creationId xmlns:p14="http://schemas.microsoft.com/office/powerpoint/2010/main" val="372648958"/>
+      </p:ext>
+    </p:extLst>
+  </p:cSld>
+  <p:clrMapOvr>
+    <a:masterClrMapping/>
+  </p:clrMapOvr>
+  <mc:AlternateContent xmlns:mc="http://schemas.openxmlformats.org/markup-compatibility/2006">
+    <mc:Choice xmlns:p159="http://schemas.microsoft.com/office/powerpoint/2015/09/main" Requires="p159">
+      <p:transition xmlns:p14="http://schemas.microsoft.com/office/powerpoint/2010/main" spd="slow" p14:dur="2000">
+        <p159:morph option="byObject"/>
+      </p:transition>
+    </mc:Choice>
+    <mc:Fallback>
+      <p:transition spd="slow">
+        <p:fade/>
+      </p:transition>
+    </mc:Fallback>
+  </mc:AlternateContent>
+</p:sld>
+</file>
+
+<file path=ppt/slides/slide4.xml><?xml version="1.0" encoding="utf-8"?>
+<p:sld xmlns:a="http://schemas.openxmlformats.org/drawingml/2006/main" xmlns:r="http://schemas.openxmlformats.org/officeDocument/2006/relationships" xmlns:p="http://schemas.openxmlformats.org/presentationml/2006/main">
+  <p:cSld>
+    <p:spTree>
+      <p:nvGrpSpPr>
+        <p:cNvPr id="1" name=""/>
+        <p:cNvGrpSpPr/>
+        <p:nvPr/>
+      </p:nvGrpSpPr>
+      <p:grpSpPr>
+        <a:xfrm>
+          <a:off x="0" y="0"/>
+          <a:ext cx="0" cy="0"/>
+          <a:chOff x="0" y="0"/>
+          <a:chExt cx="0" cy="0"/>
+        </a:xfrm>
+      </p:grpSpPr>
+      <p:pic>
+        <p:nvPicPr>
+          <p:cNvPr id="4" name="圖片 3">
+            <a:extLst>
+              <a:ext uri="{FF2B5EF4-FFF2-40B4-BE49-F238E27FC236}">
+                <a16:creationId xmlns:a16="http://schemas.microsoft.com/office/drawing/2014/main" id="{3F4A1B55-FECB-4692-B77E-5FFFC1BF48BC}"/>
+              </a:ext>
+            </a:extLst>
+          </p:cNvPr>
+          <p:cNvPicPr>
+            <a:picLocks noChangeAspect="1"/>
+          </p:cNvPicPr>
+          <p:nvPr/>
+        </p:nvPicPr>
+        <p:blipFill rotWithShape="1">
+          <a:blip r:embed="rId3">
+            <a:extLst>
+              <a:ext uri="{28A0092B-C50C-407E-A947-70E740481C1C}">
+                <a14:useLocalDpi xmlns:a14="http://schemas.microsoft.com/office/drawing/2010/main" val="0"/>
+              </a:ext>
+            </a:extLst>
+          </a:blip>
+          <a:srcRect l="56719" r="1"/>
+          <a:stretch/>
+        </p:blipFill>
+        <p:spPr>
+          <a:xfrm>
+            <a:off x="0" y="-3280230"/>
+            <a:ext cx="5196114" cy="12005693"/>
+          </a:xfrm>
+          <a:prstGeom prst="rect">
+            <a:avLst/>
+          </a:prstGeom>
+        </p:spPr>
+      </p:pic>
+      <p:sp>
+        <p:nvSpPr>
+          <p:cNvPr id="2" name="標題 1">
+            <a:extLst>
+              <a:ext uri="{FF2B5EF4-FFF2-40B4-BE49-F238E27FC236}">
+                <a16:creationId xmlns:a16="http://schemas.microsoft.com/office/drawing/2014/main" id="{05A4A35E-9D68-46CB-A01A-CCF314E7F4BA}"/>
+              </a:ext>
+            </a:extLst>
+          </p:cNvPr>
+          <p:cNvSpPr>
+            <a:spLocks noGrp="1"/>
+          </p:cNvSpPr>
+          <p:nvPr>
+            <p:ph type="title"/>
+          </p:nvPr>
+        </p:nvSpPr>
+        <p:spPr/>
+        <p:txBody>
+          <a:bodyPr/>
+          <a:lstStyle/>
+          <a:p>
+            <a:pPr algn="l"/>
+            <a:r>
+              <a:rPr lang="en-US" altLang="zh-TW" dirty="0"/>
+              <a:t>2. </a:t>
+            </a:r>
+            <a:r>
+              <a:rPr lang="zh-TW" altLang="en-US" dirty="0"/>
+              <a:t>阻礙</a:t>
+            </a:r>
+          </a:p>
+        </p:txBody>
+      </p:sp>
+    </p:spTree>
+    <p:extLst>
+      <p:ext uri="{BB962C8B-B14F-4D97-AF65-F5344CB8AC3E}">
+        <p14:creationId xmlns:p14="http://schemas.microsoft.com/office/powerpoint/2010/main" val="2702869386"/>
+      </p:ext>
+    </p:extLst>
+  </p:cSld>
+  <p:clrMapOvr>
+    <a:masterClrMapping/>
+  </p:clrMapOvr>
+  <mc:AlternateContent xmlns:mc="http://schemas.openxmlformats.org/markup-compatibility/2006">
+    <mc:Choice xmlns:p159="http://schemas.microsoft.com/office/powerpoint/2015/09/main" Requires="p159">
+      <p:transition xmlns:p14="http://schemas.microsoft.com/office/powerpoint/2010/main" spd="slow" p14:dur="2000">
+        <p159:morph option="byObject"/>
+      </p:transition>
+    </mc:Choice>
+    <mc:Fallback>
+      <p:transition spd="slow">
+        <p:fade/>
+      </p:transition>
+    </mc:Fallback>
+  </mc:AlternateContent>
+</p:sld>
+</file>
+
+<file path=ppt/slides/slide5.xml><?xml version="1.0" encoding="utf-8"?>
+<p:sld xmlns:a="http://schemas.openxmlformats.org/drawingml/2006/main" xmlns:r="http://schemas.openxmlformats.org/officeDocument/2006/relationships" xmlns:p="http://schemas.openxmlformats.org/presentationml/2006/main">
+  <p:cSld>
+    <p:spTree>
+      <p:nvGrpSpPr>
+        <p:cNvPr id="1" name=""/>
+        <p:cNvGrpSpPr/>
+        <p:nvPr/>
+      </p:nvGrpSpPr>
+      <p:grpSpPr>
+        <a:xfrm>
+          <a:off x="0" y="0"/>
+          <a:ext cx="0" cy="0"/>
+          <a:chOff x="0" y="0"/>
+          <a:chExt cx="0" cy="0"/>
+        </a:xfrm>
+      </p:grpSpPr>
+      <p:pic>
+        <p:nvPicPr>
+          <p:cNvPr id="4" name="圖片 3">
+            <a:extLst>
+              <a:ext uri="{FF2B5EF4-FFF2-40B4-BE49-F238E27FC236}">
+                <a16:creationId xmlns:a16="http://schemas.microsoft.com/office/drawing/2014/main" id="{3F4A1B55-FECB-4692-B77E-5FFFC1BF48BC}"/>
+              </a:ext>
+            </a:extLst>
+          </p:cNvPr>
+          <p:cNvPicPr>
+            <a:picLocks noChangeAspect="1"/>
+          </p:cNvPicPr>
+          <p:nvPr/>
+        </p:nvPicPr>
+        <p:blipFill>
+          <a:blip r:embed="rId3">
+            <a:extLst>
+              <a:ext uri="{28A0092B-C50C-407E-A947-70E740481C1C}">
+                <a14:useLocalDpi xmlns:a14="http://schemas.microsoft.com/office/drawing/2010/main" val="0"/>
+              </a:ext>
+            </a:extLst>
+          </a:blip>
+          <a:stretch>
+            <a:fillRect/>
+          </a:stretch>
+        </p:blipFill>
+        <p:spPr>
+          <a:xfrm>
+            <a:off x="0" y="0"/>
+            <a:ext cx="6858000" cy="6858000"/>
+          </a:xfrm>
+          <a:prstGeom prst="rect">
+            <a:avLst/>
+          </a:prstGeom>
+        </p:spPr>
+      </p:pic>
+      <p:sp>
+        <p:nvSpPr>
+          <p:cNvPr id="2" name="標題 1">
+            <a:extLst>
+              <a:ext uri="{FF2B5EF4-FFF2-40B4-BE49-F238E27FC236}">
+                <a16:creationId xmlns:a16="http://schemas.microsoft.com/office/drawing/2014/main" id="{05A4A35E-9D68-46CB-A01A-CCF314E7F4BA}"/>
+              </a:ext>
+            </a:extLst>
+          </p:cNvPr>
+          <p:cNvSpPr>
+            <a:spLocks noGrp="1"/>
+          </p:cNvSpPr>
+          <p:nvPr>
+            <p:ph type="title"/>
+          </p:nvPr>
+        </p:nvSpPr>
+        <p:spPr/>
+        <p:txBody>
+          <a:bodyPr/>
+          <a:lstStyle/>
+          <a:p>
+            <a:pPr algn="l"/>
+            <a:r>
+              <a:rPr lang="en-US" altLang="zh-TW" dirty="0"/>
+              <a:t>2. </a:t>
+            </a:r>
+            <a:r>
+              <a:rPr lang="zh-TW" altLang="en-US" dirty="0"/>
+              <a:t>阻礙</a:t>
+            </a:r>
+          </a:p>
+        </p:txBody>
+      </p:sp>
+    </p:spTree>
+    <p:extLst>
+      <p:ext uri="{BB962C8B-B14F-4D97-AF65-F5344CB8AC3E}">
+        <p14:creationId xmlns:p14="http://schemas.microsoft.com/office/powerpoint/2010/main" val="3718407560"/>
+      </p:ext>
+    </p:extLst>
+  </p:cSld>
+  <p:clrMapOvr>
+    <a:masterClrMapping/>
+  </p:clrMapOvr>
+  <mc:AlternateContent xmlns:mc="http://schemas.openxmlformats.org/markup-compatibility/2006">
+    <mc:Choice xmlns:p159="http://schemas.microsoft.com/office/powerpoint/2015/09/main" Requires="p159">
+      <p:transition xmlns:p14="http://schemas.microsoft.com/office/powerpoint/2010/main" spd="slow" p14:dur="2000">
+        <p159:morph option="byObject"/>
+      </p:transition>
+    </mc:Choice>
+    <mc:Fallback>
+      <p:transition spd="slow">
+        <p:fade/>
+      </p:transition>
+    </mc:Fallback>
+  </mc:AlternateContent>
+</p:sld>
+</file>
+
+<file path=ppt/slides/slide6.xml><?xml version="1.0" encoding="utf-8"?>
+<p:sld xmlns:a="http://schemas.openxmlformats.org/drawingml/2006/main" xmlns:r="http://schemas.openxmlformats.org/officeDocument/2006/relationships" xmlns:p="http://schemas.openxmlformats.org/presentationml/2006/main">
+  <p:cSld>
+    <p:spTree>
+      <p:nvGrpSpPr>
+        <p:cNvPr id="1" name=""/>
+        <p:cNvGrpSpPr/>
+        <p:nvPr/>
+      </p:nvGrpSpPr>
+      <p:grpSpPr>
+        <a:xfrm>
+          <a:off x="0" y="0"/>
+          <a:ext cx="0" cy="0"/>
+          <a:chOff x="0" y="0"/>
+          <a:chExt cx="0" cy="0"/>
+        </a:xfrm>
+      </p:grpSpPr>
+      <p:pic>
+        <p:nvPicPr>
+          <p:cNvPr id="4" name="圖片 3">
+            <a:extLst>
+              <a:ext uri="{FF2B5EF4-FFF2-40B4-BE49-F238E27FC236}">
+                <a16:creationId xmlns:a16="http://schemas.microsoft.com/office/drawing/2014/main" id="{09AD8458-134A-4AB1-B879-869A9219E245}"/>
+              </a:ext>
+            </a:extLst>
+          </p:cNvPr>
+          <p:cNvPicPr>
+            <a:picLocks noChangeAspect="1"/>
+          </p:cNvPicPr>
+          <p:nvPr/>
+        </p:nvPicPr>
+        <p:blipFill rotWithShape="1">
+          <a:blip r:embed="rId3">
+            <a:extLst>
+              <a:ext uri="{28A0092B-C50C-407E-A947-70E740481C1C}">
+                <a14:useLocalDpi xmlns:a14="http://schemas.microsoft.com/office/drawing/2010/main" val="0"/>
+              </a:ext>
+            </a:extLst>
+          </a:blip>
+          <a:srcRect l="37138" t="-4668" r="-6239" b="54668"/>
+          <a:stretch/>
+        </p:blipFill>
+        <p:spPr>
+          <a:xfrm>
+            <a:off x="0" y="-734632"/>
+            <a:ext cx="10493097" cy="7592632"/>
+          </a:xfrm>
+          <a:prstGeom prst="rect">
+            <a:avLst/>
+          </a:prstGeom>
+        </p:spPr>
+      </p:pic>
+      <p:sp>
+        <p:nvSpPr>
+          <p:cNvPr id="2" name="標題 1">
+            <a:extLst>
+              <a:ext uri="{FF2B5EF4-FFF2-40B4-BE49-F238E27FC236}">
+                <a16:creationId xmlns:a16="http://schemas.microsoft.com/office/drawing/2014/main" id="{05A4A35E-9D68-46CB-A01A-CCF314E7F4BA}"/>
+              </a:ext>
+            </a:extLst>
+          </p:cNvPr>
+          <p:cNvSpPr>
+            <a:spLocks noGrp="1"/>
+          </p:cNvSpPr>
+          <p:nvPr>
+            <p:ph type="title"/>
+          </p:nvPr>
+        </p:nvSpPr>
+        <p:spPr/>
+        <p:txBody>
+          <a:bodyPr/>
+          <a:lstStyle/>
+          <a:p>
+            <a:pPr algn="l"/>
+            <a:r>
+              <a:rPr lang="en-US" altLang="zh-TW" dirty="0"/>
+              <a:t>3. </a:t>
+            </a:r>
+            <a:r>
+              <a:rPr lang="zh-TW" altLang="en-US" dirty="0"/>
+              <a:t>努力</a:t>
+            </a:r>
+          </a:p>
+        </p:txBody>
+      </p:sp>
+    </p:spTree>
+    <p:extLst>
+      <p:ext uri="{BB962C8B-B14F-4D97-AF65-F5344CB8AC3E}">
+        <p14:creationId xmlns:p14="http://schemas.microsoft.com/office/powerpoint/2010/main" val="638540652"/>
+      </p:ext>
+    </p:extLst>
+  </p:cSld>
+  <p:clrMapOvr>
+    <a:masterClrMapping/>
+  </p:clrMapOvr>
+  <mc:AlternateContent xmlns:mc="http://schemas.openxmlformats.org/markup-compatibility/2006">
+    <mc:Choice xmlns:p159="http://schemas.microsoft.com/office/powerpoint/2015/09/main" Requires="p159">
+      <p:transition xmlns:p14="http://schemas.microsoft.com/office/powerpoint/2010/main" spd="slow" p14:dur="2000">
+        <p159:morph option="byObject"/>
+      </p:transition>
+    </mc:Choice>
+    <mc:Fallback>
+      <p:transition spd="slow">
+        <p:fade/>
+      </p:transition>
+    </mc:Fallback>
+  </mc:AlternateContent>
+</p:sld>
+</file>
+
+<file path=ppt/slides/slide7.xml><?xml version="1.0" encoding="utf-8"?>
+<p:sld xmlns:a="http://schemas.openxmlformats.org/drawingml/2006/main" xmlns:r="http://schemas.openxmlformats.org/officeDocument/2006/relationships" xmlns:p="http://schemas.openxmlformats.org/presentationml/2006/main">
+  <p:cSld>
+    <p:spTree>
+      <p:nvGrpSpPr>
+        <p:cNvPr id="1" name=""/>
+        <p:cNvGrpSpPr/>
+        <p:nvPr/>
+      </p:nvGrpSpPr>
+      <p:grpSpPr>
+        <a:xfrm>
+          <a:off x="0" y="0"/>
+          <a:ext cx="0" cy="0"/>
+          <a:chOff x="0" y="0"/>
+          <a:chExt cx="0" cy="0"/>
+        </a:xfrm>
+      </p:grpSpPr>
+      <p:pic>
+        <p:nvPicPr>
+          <p:cNvPr id="4" name="圖片 3">
+            <a:extLst>
+              <a:ext uri="{FF2B5EF4-FFF2-40B4-BE49-F238E27FC236}">
+                <a16:creationId xmlns:a16="http://schemas.microsoft.com/office/drawing/2014/main" id="{09AD8458-134A-4AB1-B879-869A9219E245}"/>
+              </a:ext>
+            </a:extLst>
+          </p:cNvPr>
+          <p:cNvPicPr>
+            <a:picLocks noChangeAspect="1"/>
+          </p:cNvPicPr>
+          <p:nvPr/>
+        </p:nvPicPr>
+        <p:blipFill>
+          <a:blip r:embed="rId3">
+            <a:extLst>
+              <a:ext uri="{28A0092B-C50C-407E-A947-70E740481C1C}">
+                <a14:useLocalDpi xmlns:a14="http://schemas.microsoft.com/office/drawing/2010/main" val="0"/>
+              </a:ext>
+            </a:extLst>
+          </a:blip>
+          <a:stretch>
+            <a:fillRect/>
+          </a:stretch>
+        </p:blipFill>
+        <p:spPr>
+          <a:xfrm>
+            <a:off x="0" y="0"/>
+            <a:ext cx="6858000" cy="6858000"/>
+          </a:xfrm>
+          <a:prstGeom prst="rect">
+            <a:avLst/>
+          </a:prstGeom>
+        </p:spPr>
+      </p:pic>
+      <p:sp>
+        <p:nvSpPr>
+          <p:cNvPr id="2" name="標題 1">
+            <a:extLst>
+              <a:ext uri="{FF2B5EF4-FFF2-40B4-BE49-F238E27FC236}">
+                <a16:creationId xmlns:a16="http://schemas.microsoft.com/office/drawing/2014/main" id="{05A4A35E-9D68-46CB-A01A-CCF314E7F4BA}"/>
+              </a:ext>
+            </a:extLst>
+          </p:cNvPr>
+          <p:cNvSpPr>
+            <a:spLocks noGrp="1"/>
+          </p:cNvSpPr>
+          <p:nvPr>
+            <p:ph type="title"/>
+          </p:nvPr>
+        </p:nvSpPr>
+        <p:spPr/>
+        <p:txBody>
+          <a:bodyPr/>
+          <a:lstStyle/>
+          <a:p>
+            <a:pPr algn="l"/>
+            <a:r>
+              <a:rPr lang="en-US" altLang="zh-TW" dirty="0"/>
+              <a:t>3. </a:t>
+            </a:r>
+            <a:r>
+              <a:rPr lang="zh-TW" altLang="en-US" dirty="0"/>
+              <a:t>努力</a:t>
+            </a:r>
+          </a:p>
+        </p:txBody>
+      </p:sp>
+    </p:spTree>
+    <p:extLst>
+      <p:ext uri="{BB962C8B-B14F-4D97-AF65-F5344CB8AC3E}">
+        <p14:creationId xmlns:p14="http://schemas.microsoft.com/office/powerpoint/2010/main" val="3016897902"/>
+      </p:ext>
+    </p:extLst>
+  </p:cSld>
+  <p:clrMapOvr>
+    <a:masterClrMapping/>
+  </p:clrMapOvr>
+  <mc:AlternateContent xmlns:mc="http://schemas.openxmlformats.org/markup-compatibility/2006">
+    <mc:Choice xmlns:p159="http://schemas.microsoft.com/office/powerpoint/2015/09/main" Requires="p159">
+      <p:transition xmlns:p14="http://schemas.microsoft.com/office/powerpoint/2010/main" spd="slow" p14:dur="2000">
+        <p159:morph option="byObject"/>
+      </p:transition>
+    </mc:Choice>
+    <mc:Fallback>
+      <p:transition spd="slow">
+        <p:fade/>
+      </p:transition>
+    </mc:Fallback>
+  </mc:AlternateContent>
+</p:sld>
+</file>
+
+<file path=ppt/slides/slide8.xml><?xml version="1.0" encoding="utf-8"?>
+<p:sld xmlns:a="http://schemas.openxmlformats.org/drawingml/2006/main" xmlns:r="http://schemas.openxmlformats.org/officeDocument/2006/relationships" xmlns:p="http://schemas.openxmlformats.org/presentationml/2006/main">
+  <p:cSld>
+    <p:spTree>
+      <p:nvGrpSpPr>
+        <p:cNvPr id="1" name=""/>
+        <p:cNvGrpSpPr/>
+        <p:nvPr/>
+      </p:nvGrpSpPr>
+      <p:grpSpPr>
+        <a:xfrm>
+          <a:off x="0" y="0"/>
+          <a:ext cx="0" cy="0"/>
+          <a:chOff x="0" y="0"/>
+          <a:chExt cx="0" cy="0"/>
+        </a:xfrm>
+      </p:grpSpPr>
+      <p:pic>
+        <p:nvPicPr>
+          <p:cNvPr id="4" name="圖片 3">
+            <a:extLst>
+              <a:ext uri="{FF2B5EF4-FFF2-40B4-BE49-F238E27FC236}">
+                <a16:creationId xmlns:a16="http://schemas.microsoft.com/office/drawing/2014/main" id="{176B6B31-BAFC-4FD7-A21C-E1565AA08DCB}"/>
+              </a:ext>
+            </a:extLst>
+          </p:cNvPr>
+          <p:cNvPicPr>
+            <a:picLocks noChangeAspect="1"/>
+          </p:cNvPicPr>
+          <p:nvPr/>
+        </p:nvPicPr>
+        <p:blipFill rotWithShape="1">
+          <a:blip r:embed="rId3">
+            <a:extLst>
+              <a:ext uri="{28A0092B-C50C-407E-A947-70E740481C1C}">
+                <a14:useLocalDpi xmlns:a14="http://schemas.microsoft.com/office/drawing/2010/main" val="0"/>
+              </a:ext>
+            </a:extLst>
+          </a:blip>
+          <a:srcRect r="35026" b="32293"/>
+          <a:stretch/>
+        </p:blipFill>
+        <p:spPr>
+          <a:xfrm>
+            <a:off x="0" y="0"/>
+            <a:ext cx="6581186" cy="6858000"/>
+          </a:xfrm>
+          <a:prstGeom prst="rect">
+            <a:avLst/>
+          </a:prstGeom>
+        </p:spPr>
+      </p:pic>
+      <p:sp>
+        <p:nvSpPr>
+          <p:cNvPr id="2" name="標題 1">
+            <a:extLst>
+              <a:ext uri="{FF2B5EF4-FFF2-40B4-BE49-F238E27FC236}">
+                <a16:creationId xmlns:a16="http://schemas.microsoft.com/office/drawing/2014/main" id="{05A4A35E-9D68-46CB-A01A-CCF314E7F4BA}"/>
+              </a:ext>
+            </a:extLst>
+          </p:cNvPr>
+          <p:cNvSpPr>
+            <a:spLocks noGrp="1"/>
+          </p:cNvSpPr>
+          <p:nvPr>
+            <p:ph type="title"/>
+          </p:nvPr>
+        </p:nvSpPr>
+        <p:spPr/>
+        <p:txBody>
+          <a:bodyPr/>
+          <a:lstStyle/>
+          <a:p>
+            <a:pPr algn="l"/>
+            <a:r>
+              <a:rPr lang="en-US" altLang="zh-TW" dirty="0"/>
+              <a:t>4. </a:t>
+            </a:r>
+            <a:r>
+              <a:rPr lang="zh-TW" altLang="en-US" dirty="0"/>
+              <a:t>結果</a:t>
+            </a:r>
+          </a:p>
+        </p:txBody>
+      </p:sp>
+    </p:spTree>
+    <p:extLst>
+      <p:ext uri="{BB962C8B-B14F-4D97-AF65-F5344CB8AC3E}">
+        <p14:creationId xmlns:p14="http://schemas.microsoft.com/office/powerpoint/2010/main" val="3652774430"/>
+      </p:ext>
+    </p:extLst>
+  </p:cSld>
+  <p:clrMapOvr>
+    <a:masterClrMapping/>
+  </p:clrMapOvr>
+  <mc:AlternateContent xmlns:mc="http://schemas.openxmlformats.org/markup-compatibility/2006">
+    <mc:Choice xmlns:p159="http://schemas.microsoft.com/office/powerpoint/2015/09/main" Requires="p159">
+      <p:transition xmlns:p14="http://schemas.microsoft.com/office/powerpoint/2010/main" spd="slow" p14:dur="2000">
+        <p159:morph option="byObject"/>
+      </p:transition>
+    </mc:Choice>
+    <mc:Fallback>
+      <p:transition spd="slow">
+        <p:fade/>
+      </p:transition>
+    </mc:Fallback>
+  </mc:AlternateContent>
+</p:sld>
+</file>
+
+<file path=ppt/slides/slide9.xml><?xml version="1.0" encoding="utf-8"?>
+<p:sld xmlns:a="http://schemas.openxmlformats.org/drawingml/2006/main" xmlns:r="http://schemas.openxmlformats.org/officeDocument/2006/relationships" xmlns:p="http://schemas.openxmlformats.org/presentationml/2006/main">
+  <p:cSld>
+    <p:spTree>
+      <p:nvGrpSpPr>
+        <p:cNvPr id="1" name=""/>
+        <p:cNvGrpSpPr/>
+        <p:nvPr/>
+      </p:nvGrpSpPr>
+      <p:grpSpPr>
+        <a:xfrm>
+          <a:off x="0" y="0"/>
+          <a:ext cx="0" cy="0"/>
+          <a:chOff x="0" y="0"/>
+          <a:chExt cx="0" cy="0"/>
+        </a:xfrm>
+      </p:grpSpPr>
+      <p:pic>
+        <p:nvPicPr>
+          <p:cNvPr id="4" name="圖片 3">
+            <a:extLst>
+              <a:ext uri="{FF2B5EF4-FFF2-40B4-BE49-F238E27FC236}">
+                <a16:creationId xmlns:a16="http://schemas.microsoft.com/office/drawing/2014/main" id="{176B6B31-BAFC-4FD7-A21C-E1565AA08DCB}"/>
+              </a:ext>
+            </a:extLst>
+          </p:cNvPr>
+          <p:cNvPicPr>
+            <a:picLocks noChangeAspect="1"/>
+          </p:cNvPicPr>
+          <p:nvPr/>
+        </p:nvPicPr>
+        <p:blipFill rotWithShape="1">
+          <a:blip r:embed="rId3">
+            <a:extLst>
+              <a:ext uri="{28A0092B-C50C-407E-A947-70E740481C1C}">
+                <a14:useLocalDpi xmlns:a14="http://schemas.microsoft.com/office/drawing/2010/main" val="0"/>
+              </a:ext>
+            </a:extLst>
+          </a:blip>
+          <a:srcRect l="17566" t="22010"/>
+          <a:stretch/>
+        </p:blipFill>
+        <p:spPr>
+          <a:xfrm>
+            <a:off x="0" y="0"/>
+            <a:ext cx="7248822" cy="6858000"/>
+          </a:xfrm>
+          <a:prstGeom prst="rect">
+            <a:avLst/>
+          </a:prstGeom>
+        </p:spPr>
+      </p:pic>
+      <p:sp>
+        <p:nvSpPr>
+          <p:cNvPr id="2" name="標題 1">
+            <a:extLst>
+              <a:ext uri="{FF2B5EF4-FFF2-40B4-BE49-F238E27FC236}">
+                <a16:creationId xmlns:a16="http://schemas.microsoft.com/office/drawing/2014/main" id="{05A4A35E-9D68-46CB-A01A-CCF314E7F4BA}"/>
+              </a:ext>
+            </a:extLst>
+          </p:cNvPr>
+          <p:cNvSpPr>
+            <a:spLocks noGrp="1"/>
+          </p:cNvSpPr>
+          <p:nvPr>
+            <p:ph type="title"/>
+          </p:nvPr>
+        </p:nvSpPr>
+        <p:spPr/>
+        <p:txBody>
+          <a:bodyPr/>
+          <a:lstStyle/>
+          <a:p>
+            <a:pPr algn="l"/>
+            <a:r>
+              <a:rPr lang="en-US" altLang="zh-TW" dirty="0"/>
+              <a:t>4. </a:t>
+            </a:r>
+            <a:r>
+              <a:rPr lang="zh-TW" altLang="en-US" dirty="0"/>
+              <a:t>結果</a:t>
+            </a:r>
+          </a:p>
+        </p:txBody>
+      </p:sp>
+    </p:spTree>
+    <p:extLst>
+      <p:ext uri="{BB962C8B-B14F-4D97-AF65-F5344CB8AC3E}">
+        <p14:creationId xmlns:p14="http://schemas.microsoft.com/office/powerpoint/2010/main" val="1907231779"/>
+      </p:ext>
+    </p:extLst>
+  </p:cSld>
+  <p:clrMapOvr>
+    <a:masterClrMapping/>
+  </p:clrMapOvr>
+  <mc:AlternateContent xmlns:mc="http://schemas.openxmlformats.org/markup-compatibility/2006">
+    <mc:Choice xmlns:p159="http://schemas.microsoft.com/office/powerpoint/2015/09/main" Requires="p159">
+      <p:transition xmlns:p14="http://schemas.microsoft.com/office/powerpoint/2010/main" spd="slow" p14:dur="2000">
+        <p159:morph option="byObject"/>
+      </p:transition>
+    </mc:Choice>
+    <mc:Fallback>
+      <p:transition spd="slow">
+        <p:fade/>
+      </p:transition>
+    </mc:Fallback>
+  </mc:AlternateContent>
 </p:sld>
 </file>
 
 <file path=ppt/theme/theme1.xml><?xml version="1.0" encoding="utf-8"?>
+<a:theme xmlns:a="http://schemas.openxmlformats.org/drawingml/2006/main" name="小水滴">
+  <a:themeElements>
+    <a:clrScheme name="小水滴">
+      <a:dk1>
+        <a:sysClr val="windowText" lastClr="000000"/>
+      </a:dk1>
+      <a:lt1>
+        <a:sysClr val="window" lastClr="FFFFFF"/>
+      </a:lt1>
+      <a:dk2>
+        <a:srgbClr val="355071"/>
+      </a:dk2>
+      <a:lt2>
+        <a:srgbClr val="AABED7"/>
+      </a:lt2>
+      <a:accent1>
+        <a:srgbClr val="2FA3EE"/>
+      </a:accent1>
+      <a:accent2>
+        <a:srgbClr val="4BCAAD"/>
+      </a:accent2>
+      <a:accent3>
+        <a:srgbClr val="86C157"/>
+      </a:accent3>
+      <a:accent4>
+        <a:srgbClr val="D99C3F"/>
+      </a:accent4>
+      <a:accent5>
+        <a:srgbClr val="CE6633"/>
+      </a:accent5>
+      <a:accent6>
+        <a:srgbClr val="A35DD1"/>
+      </a:accent6>
+      <a:hlink>
+        <a:srgbClr val="56BCFE"/>
+      </a:hlink>
+      <a:folHlink>
+        <a:srgbClr val="97C5E3"/>
+      </a:folHlink>
+    </a:clrScheme>
+    <a:fontScheme name="小水滴">
+      <a:majorFont>
+        <a:latin typeface="Tw Cen MT" panose="020B0602020104020603"/>
+        <a:ea typeface=""/>
+        <a:cs typeface=""/>
+        <a:font script="Jpan" typeface="ＭＳ Ｐゴシック"/>
+        <a:font script="Hang" typeface="맑은 고딕"/>
+        <a:font script="Hans" typeface="宋体"/>
+        <a:font script="Hant" typeface="新細明體"/>
+        <a:font script="Arab" typeface="Times New Roman"/>
+        <a:font script="Hebr" typeface="Times New Roman"/>
+        <a:font script="Thai" typeface="Angsana New"/>
+        <a:font script="Ethi" typeface="Nyala"/>
+        <a:font script="Beng" typeface="Vrinda"/>
+        <a:font script="Gujr" typeface="Shruti"/>
+        <a:font script="Khmr" typeface="MoolBoran"/>
+        <a:font script="Knda" typeface="Tunga"/>
+        <a:font script="Guru" typeface="Raavi"/>
+        <a:font script="Cans" typeface="Euphemia"/>
+        <a:font script="Cher" typeface="Plantagenet Cherokee"/>
+        <a:font script="Yiii" typeface="Microsoft Yi Baiti"/>
+        <a:font script="Tibt" typeface="Microsoft Himalaya"/>
+        <a:font script="Thaa" typeface="MV Boli"/>
+        <a:font script="Deva" typeface="Mangal"/>
+        <a:font script="Telu" typeface="Gautami"/>
+        <a:font script="Taml" typeface="Latha"/>
+        <a:font script="Syrc" typeface="Estrangelo Edessa"/>
+        <a:font script="Orya" typeface="Kalinga"/>
+        <a:font script="Mlym" typeface="Kartika"/>
+        <a:font script="Laoo" typeface="DokChampa"/>
+        <a:font script="Sinh" typeface="Iskoola Pota"/>
+        <a:font script="Mong" typeface="Mongolian Baiti"/>
+        <a:font script="Viet" typeface="Times New Roman"/>
+        <a:font script="Uigh" typeface="Microsoft Uighur"/>
+        <a:font script="Geor" typeface="Sylfaen"/>
+      </a:majorFont>
+      <a:minorFont>
+        <a:latin typeface="Tw Cen MT" panose="020B0602020104020603"/>
+        <a:ea typeface=""/>
+        <a:cs typeface=""/>
+        <a:font script="Jpan" typeface="ＭＳ Ｐゴシック"/>
+        <a:font script="Hang" typeface="맑은 고딕"/>
+        <a:font script="Hans" typeface="宋体"/>
+        <a:font script="Hant" typeface="新細明體"/>
+        <a:font script="Arab" typeface="Arial"/>
+        <a:font script="Hebr" typeface="Arial"/>
+        <a:font script="Thai" typeface="Cordia New"/>
+        <a:font script="Ethi" typeface="Nyala"/>
+        <a:font script="Beng" typeface="Vrinda"/>
+        <a:font script="Gujr" typeface="Shruti"/>
+        <a:font script="Khmr" typeface="DaunPenh"/>
+        <a:font script="Knda" typeface="Tunga"/>
+        <a:font script="Guru" typeface="Raavi"/>
+        <a:font script="Cans" typeface="Euphemia"/>
+        <a:font script="Cher" typeface="Plantagenet Cherokee"/>
+        <a:font script="Yiii" typeface="Microsoft Yi Baiti"/>
+        <a:font script="Tibt" typeface="Microsoft Himalaya"/>
+        <a:font script="Thaa" typeface="MV Boli"/>
+        <a:font script="Deva" typeface="Mangal"/>
+        <a:font script="Telu" typeface="Gautami"/>
+        <a:font script="Taml" typeface="Latha"/>
+        <a:font script="Syrc" typeface="Estrangelo Edessa"/>
+        <a:font script="Orya" typeface="Kalinga"/>
+        <a:font script="Mlym" typeface="Kartika"/>
+        <a:font script="Laoo" typeface="DokChampa"/>
+        <a:font script="Sinh" typeface="Iskoola Pota"/>
+        <a:font script="Mong" typeface="Mongolian Baiti"/>
+        <a:font script="Viet" typeface="Arial"/>
+        <a:font script="Uigh" typeface="Microsoft Uighur"/>
+        <a:font script="Geor" typeface="Sylfaen"/>
+      </a:minorFont>
+    </a:fontScheme>
+    <a:fmtScheme name="小水滴">
+      <a:fillStyleLst>
+        <a:solidFill>
+          <a:schemeClr val="phClr"/>
+        </a:solidFill>
+        <a:solidFill>
+          <a:schemeClr val="phClr">
+            <a:tint val="69000"/>
+            <a:satMod val="105000"/>
+            <a:lumMod val="110000"/>
+          </a:schemeClr>
+        </a:solidFill>
+        <a:gradFill rotWithShape="1">
+          <a:gsLst>
+            <a:gs pos="0">
+              <a:schemeClr val="phClr">
+                <a:tint val="94000"/>
+                <a:satMod val="100000"/>
+                <a:lumMod val="108000"/>
+              </a:schemeClr>
+            </a:gs>
+            <a:gs pos="50000">
+              <a:schemeClr val="phClr">
+                <a:tint val="98000"/>
+                <a:shade val="100000"/>
+                <a:satMod val="100000"/>
+                <a:lumMod val="100000"/>
+              </a:schemeClr>
+            </a:gs>
+            <a:gs pos="100000">
+              <a:schemeClr val="phClr">
+                <a:shade val="72000"/>
+                <a:satMod val="120000"/>
+                <a:lumMod val="100000"/>
+              </a:schemeClr>
+            </a:gs>
+          </a:gsLst>
+          <a:lin ang="5400000" scaled="0"/>
+        </a:gradFill>
+      </a:fillStyleLst>
+      <a:lnStyleLst>
+        <a:ln w="9525" cap="flat" cmpd="sng" algn="ctr">
+          <a:solidFill>
+            <a:schemeClr val="phClr">
+              <a:shade val="60000"/>
+            </a:schemeClr>
+          </a:solidFill>
+          <a:prstDash val="solid"/>
+        </a:ln>
+        <a:ln w="15875" cap="flat" cmpd="sng" algn="ctr">
+          <a:solidFill>
+            <a:schemeClr val="phClr"/>
+          </a:solidFill>
+          <a:prstDash val="solid"/>
+        </a:ln>
+        <a:ln w="22225" cap="flat" cmpd="sng" algn="ctr">
+          <a:solidFill>
+            <a:schemeClr val="phClr"/>
+          </a:solidFill>
+          <a:prstDash val="solid"/>
+        </a:ln>
+      </a:lnStyleLst>
+      <a:effectStyleLst>
+        <a:effectStyle>
+          <a:effectLst/>
+        </a:effectStyle>
+        <a:effectStyle>
+          <a:effectLst>
+            <a:outerShdw blurRad="50800" dist="25400" dir="5400000" rotWithShape="0">
+              <a:srgbClr val="000000">
+                <a:alpha val="28000"/>
+              </a:srgbClr>
+            </a:outerShdw>
+          </a:effectLst>
+        </a:effectStyle>
+        <a:effectStyle>
+          <a:effectLst>
+            <a:outerShdw blurRad="63500" dist="25400" dir="5400000" algn="ctr" rotWithShape="0">
+              <a:srgbClr val="000000">
+                <a:alpha val="69000"/>
+              </a:srgbClr>
+            </a:outerShdw>
+          </a:effectLst>
+          <a:scene3d>
+            <a:camera prst="orthographicFront">
+              <a:rot lat="0" lon="0" rev="0"/>
+            </a:camera>
+            <a:lightRig rig="balanced" dir="t">
+              <a:rot lat="0" lon="0" rev="1200000"/>
+            </a:lightRig>
+          </a:scene3d>
+          <a:sp3d prstMaterial="plastic">
+            <a:bevelT w="25400" h="25400"/>
+          </a:sp3d>
+        </a:effectStyle>
+      </a:effectStyleLst>
+      <a:bgFillStyleLst>
+        <a:solidFill>
+          <a:schemeClr val="phClr"/>
+        </a:solidFill>
+        <a:gradFill rotWithShape="1">
+          <a:gsLst>
+            <a:gs pos="0">
+              <a:schemeClr val="phClr">
+                <a:tint val="90000"/>
+                <a:lumMod val="110000"/>
+              </a:schemeClr>
+            </a:gs>
+            <a:gs pos="100000">
+              <a:schemeClr val="phClr">
+                <a:shade val="64000"/>
+                <a:lumMod val="88000"/>
+              </a:schemeClr>
+            </a:gs>
+          </a:gsLst>
+          <a:lin ang="5400000" scaled="0"/>
+        </a:gradFill>
+        <a:gradFill rotWithShape="1">
+          <a:gsLst>
+            <a:gs pos="0">
+              <a:schemeClr val="phClr">
+                <a:tint val="84000"/>
+                <a:shade val="100000"/>
+                <a:hueMod val="130000"/>
+                <a:satMod val="150000"/>
+                <a:lumMod val="112000"/>
+              </a:schemeClr>
+            </a:gs>
+            <a:gs pos="100000">
+              <a:schemeClr val="phClr">
+                <a:shade val="92000"/>
+                <a:satMod val="140000"/>
+                <a:lumMod val="110000"/>
+              </a:schemeClr>
+            </a:gs>
+          </a:gsLst>
+          <a:lin ang="5400000" scaled="0"/>
+        </a:gradFill>
+      </a:bgFillStyleLst>
+    </a:fmtScheme>
+  </a:themeElements>
+  <a:objectDefaults/>
+  <a:extraClrSchemeLst/>
+  <a:extLst>
+    <a:ext uri="{05A4C25C-085E-4340-85A3-A5531E510DB2}">
+      <thm15:themeFamily xmlns:thm15="http://schemas.microsoft.com/office/thememl/2012/main" name="Droplet" id="{8984A317-299A-4E50-B45D-BFC9EDE2337A}" vid="{A633B6A3-9E7F-4C10-9C98-2517A3134361}"/>
+    </a:ext>
+  </a:extLst>
+</a:theme>
+</file>
+
+<file path=ppt/theme/theme2.xml><?xml version="1.0" encoding="utf-8"?>
 <a:theme xmlns:a="http://schemas.openxmlformats.org/drawingml/2006/main" name="Office 佈景主題">
   <a:themeElements>
     <a:clrScheme name="Office">
